--- a/docs/Презентация.pptx
+++ b/docs/Презентация.pptx
@@ -118,7 +118,7 @@
   </p:defaultTextStyle>
   <p:extLst>
     <p:ext uri="{EFAFB233-063F-42B5-8137-9DF3F51BA10A}">
-      <p15:sldGuideLst xmlns="" xmlns:p15="http://schemas.microsoft.com/office/powerpoint/2012/main">
+      <p15:sldGuideLst xmlns:p15="http://schemas.microsoft.com/office/powerpoint/2012/main" xmlns="">
         <p15:guide id="1" orient="horz" pos="2160">
           <p15:clr>
             <a:srgbClr val="A4A3A4"/>
@@ -132,7 +132,7 @@
       </p15:sldGuideLst>
     </p:ext>
     <p:ext uri="{2D200454-40CA-4A62-9FC3-DE9A4176ACB9}">
-      <p15:notesGuideLst xmlns="" xmlns:p15="http://schemas.microsoft.com/office/powerpoint/2012/main"/>
+      <p15:notesGuideLst xmlns:p15="http://schemas.microsoft.com/office/powerpoint/2012/main" xmlns=""/>
     </p:ext>
   </p:extLst>
 </p:presentation>
@@ -954,7 +954,7 @@
         <a:p>
           <a:r>
             <a:rPr lang="ru-RU" dirty="0" smtClean="0"/>
-            <a:t>Барабошин Данила Андреевич</a:t>
+            <a:t>Булат</a:t>
           </a:r>
           <a:endParaRPr lang="ru-RU" dirty="0"/>
         </a:p>
@@ -972,101 +972,6 @@
       </dgm:t>
     </dgm:pt>
     <dgm:pt modelId="{E781D11F-4F0A-40ED-949D-9B22F91B4FFA}" type="sibTrans" cxnId="{50B94655-FD3A-4B8F-A851-1CD92F864B40}">
-      <dgm:prSet/>
-      <dgm:spPr/>
-      <dgm:t>
-        <a:bodyPr/>
-        <a:lstStyle/>
-        <a:p>
-          <a:endParaRPr lang="ru-RU"/>
-        </a:p>
-      </dgm:t>
-    </dgm:pt>
-    <dgm:pt modelId="{7E7678DC-C841-494C-8B66-CFC14747C417}">
-      <dgm:prSet phldrT="[Текст]" custT="1"/>
-      <dgm:spPr>
-        <a:blipFill rotWithShape="0">
-          <a:blip xmlns:r="http://schemas.openxmlformats.org/officeDocument/2006/relationships" r:embed="rId1"/>
-          <a:stretch>
-            <a:fillRect/>
-          </a:stretch>
-        </a:blipFill>
-      </dgm:spPr>
-      <dgm:t>
-        <a:bodyPr/>
-        <a:lstStyle/>
-        <a:p>
-          <a:r>
-            <a:rPr lang="ru-RU" sz="100" dirty="0" smtClean="0"/>
-            <a:t> </a:t>
-          </a:r>
-          <a:endParaRPr lang="ru-RU" sz="100" dirty="0"/>
-        </a:p>
-      </dgm:t>
-    </dgm:pt>
-    <dgm:pt modelId="{5FCA3CF0-6AED-435E-97A4-56C9D521406F}" type="parTrans" cxnId="{0D90688B-7E7A-432D-BB4B-72B5ADD13823}">
-      <dgm:prSet/>
-      <dgm:spPr/>
-      <dgm:t>
-        <a:bodyPr/>
-        <a:lstStyle/>
-        <a:p>
-          <a:endParaRPr lang="ru-RU"/>
-        </a:p>
-      </dgm:t>
-    </dgm:pt>
-    <dgm:pt modelId="{1A5B4628-E4F1-4346-A638-4D05A63426CA}" type="sibTrans" cxnId="{0D90688B-7E7A-432D-BB4B-72B5ADD13823}">
-      <dgm:prSet/>
-      <dgm:spPr/>
-      <dgm:t>
-        <a:bodyPr/>
-        <a:lstStyle/>
-        <a:p>
-          <a:endParaRPr lang="ru-RU"/>
-        </a:p>
-      </dgm:t>
-    </dgm:pt>
-    <dgm:pt modelId="{E52886D9-3867-4BC2-BF3C-084A7E021749}">
-      <dgm:prSet phldrT="[Текст]" custT="1"/>
-      <dgm:spPr>
-        <a:blipFill rotWithShape="0">
-          <a:blip xmlns:r="http://schemas.openxmlformats.org/officeDocument/2006/relationships" r:embed="rId2"/>
-          <a:stretch>
-            <a:fillRect/>
-          </a:stretch>
-        </a:blipFill>
-        <a:ln>
-          <a:solidFill>
-            <a:schemeClr val="accent1">
-              <a:alpha val="90000"/>
-            </a:schemeClr>
-          </a:solidFill>
-        </a:ln>
-      </dgm:spPr>
-      <dgm:t>
-        <a:bodyPr/>
-        <a:lstStyle/>
-        <a:p>
-          <a:r>
-            <a:rPr lang="ru-RU" sz="100" dirty="0" smtClean="0"/>
-            <a:t> </a:t>
-          </a:r>
-          <a:endParaRPr lang="ru-RU" sz="100" dirty="0"/>
-        </a:p>
-      </dgm:t>
-    </dgm:pt>
-    <dgm:pt modelId="{95C39E17-4828-489E-9DB6-BB7F16615407}" type="sibTrans" cxnId="{695FF406-B9DE-4AD0-B483-28E416497901}">
-      <dgm:prSet/>
-      <dgm:spPr/>
-      <dgm:t>
-        <a:bodyPr/>
-        <a:lstStyle/>
-        <a:p>
-          <a:endParaRPr lang="ru-RU"/>
-        </a:p>
-      </dgm:t>
-    </dgm:pt>
-    <dgm:pt modelId="{817FE062-4532-4A87-934E-7439707F8F7D}" type="parTrans" cxnId="{695FF406-B9DE-4AD0-B483-28E416497901}">
       <dgm:prSet/>
       <dgm:spPr/>
       <dgm:t>
@@ -1114,21 +1019,6 @@
         </a:p>
       </dgm:t>
     </dgm:pt>
-    <dgm:pt modelId="{25973532-2ABA-46F5-BE6B-C6CAEFE60066}" type="pres">
-      <dgm:prSet presAssocID="{FAC4434C-29AC-46B8-87BA-6BB8EF2958A2}" presName="descendantText" presStyleLbl="alignAccFollowNode1" presStyleIdx="0" presStyleCnt="2">
-        <dgm:presLayoutVars>
-          <dgm:bulletEnabled val="1"/>
-        </dgm:presLayoutVars>
-      </dgm:prSet>
-      <dgm:spPr/>
-      <dgm:t>
-        <a:bodyPr/>
-        <a:lstStyle/>
-        <a:p>
-          <a:endParaRPr lang="ru-RU"/>
-        </a:p>
-      </dgm:t>
-    </dgm:pt>
     <dgm:pt modelId="{5D243F14-76A6-482B-8964-6BA7140FB42A}" type="pres">
       <dgm:prSet presAssocID="{3BE34DCA-8547-4771-BBB9-C6B514DB91A9}" presName="sp" presStyleCnt="0"/>
       <dgm:spPr/>
@@ -1153,39 +1043,18 @@
         </a:p>
       </dgm:t>
     </dgm:pt>
-    <dgm:pt modelId="{86220BA6-418B-4992-9101-72A7B33AF1FF}" type="pres">
-      <dgm:prSet presAssocID="{4390AD38-5473-42B5-B131-7082ED923E09}" presName="descendantText" presStyleLbl="alignAccFollowNode1" presStyleIdx="1" presStyleCnt="2">
-        <dgm:presLayoutVars>
-          <dgm:bulletEnabled val="1"/>
-        </dgm:presLayoutVars>
-      </dgm:prSet>
-      <dgm:spPr/>
-      <dgm:t>
-        <a:bodyPr/>
-        <a:lstStyle/>
-        <a:p>
-          <a:endParaRPr lang="ru-RU"/>
-        </a:p>
-      </dgm:t>
-    </dgm:pt>
   </dgm:ptLst>
   <dgm:cxnLst>
-    <dgm:cxn modelId="{BE9FBEB7-C591-434A-BAEF-CB6C459BA0AE}" type="presOf" srcId="{4390AD38-5473-42B5-B131-7082ED923E09}" destId="{2CB84A95-463F-483E-903E-606CFEEB70AD}" srcOrd="0" destOrd="0" presId="urn:microsoft.com/office/officeart/2005/8/layout/vList5"/>
-    <dgm:cxn modelId="{C4E32A83-3474-4440-9E44-84C44C88CEDF}" type="presOf" srcId="{7E7678DC-C841-494C-8B66-CFC14747C417}" destId="{86220BA6-418B-4992-9101-72A7B33AF1FF}" srcOrd="0" destOrd="0" presId="urn:microsoft.com/office/officeart/2005/8/layout/vList5"/>
+    <dgm:cxn modelId="{59DFF1D1-7922-4936-803B-62D3DDB5A941}" srcId="{67622F36-EED1-4497-AD8A-69BE2494C0ED}" destId="{FAC4434C-29AC-46B8-87BA-6BB8EF2958A2}" srcOrd="0" destOrd="0" parTransId="{99FA0A5B-0359-466A-B629-D599B7DEBAE9}" sibTransId="{3BE34DCA-8547-4771-BBB9-C6B514DB91A9}"/>
+    <dgm:cxn modelId="{DF255E9B-A6BA-4F27-AFF1-25AABB5810B0}" type="presOf" srcId="{FAC4434C-29AC-46B8-87BA-6BB8EF2958A2}" destId="{9704D651-83D2-4EA3-B1FE-A037B27653CA}" srcOrd="0" destOrd="0" presId="urn:microsoft.com/office/officeart/2005/8/layout/vList5"/>
     <dgm:cxn modelId="{B7F420C6-A996-4425-B9AF-68592B74EC72}" type="presOf" srcId="{67622F36-EED1-4497-AD8A-69BE2494C0ED}" destId="{FC7D144E-6945-4F80-BCD2-BB9DBCD6D6DD}" srcOrd="0" destOrd="0" presId="urn:microsoft.com/office/officeart/2005/8/layout/vList5"/>
     <dgm:cxn modelId="{50B94655-FD3A-4B8F-A851-1CD92F864B40}" srcId="{67622F36-EED1-4497-AD8A-69BE2494C0ED}" destId="{4390AD38-5473-42B5-B131-7082ED923E09}" srcOrd="1" destOrd="0" parTransId="{D7445C61-F33A-4684-92BB-22E0125817B4}" sibTransId="{E781D11F-4F0A-40ED-949D-9B22F91B4FFA}"/>
-    <dgm:cxn modelId="{0D90688B-7E7A-432D-BB4B-72B5ADD13823}" srcId="{4390AD38-5473-42B5-B131-7082ED923E09}" destId="{7E7678DC-C841-494C-8B66-CFC14747C417}" srcOrd="0" destOrd="0" parTransId="{5FCA3CF0-6AED-435E-97A4-56C9D521406F}" sibTransId="{1A5B4628-E4F1-4346-A638-4D05A63426CA}"/>
-    <dgm:cxn modelId="{DF255E9B-A6BA-4F27-AFF1-25AABB5810B0}" type="presOf" srcId="{FAC4434C-29AC-46B8-87BA-6BB8EF2958A2}" destId="{9704D651-83D2-4EA3-B1FE-A037B27653CA}" srcOrd="0" destOrd="0" presId="urn:microsoft.com/office/officeart/2005/8/layout/vList5"/>
-    <dgm:cxn modelId="{59DFF1D1-7922-4936-803B-62D3DDB5A941}" srcId="{67622F36-EED1-4497-AD8A-69BE2494C0ED}" destId="{FAC4434C-29AC-46B8-87BA-6BB8EF2958A2}" srcOrd="0" destOrd="0" parTransId="{99FA0A5B-0359-466A-B629-D599B7DEBAE9}" sibTransId="{3BE34DCA-8547-4771-BBB9-C6B514DB91A9}"/>
-    <dgm:cxn modelId="{695FF406-B9DE-4AD0-B483-28E416497901}" srcId="{FAC4434C-29AC-46B8-87BA-6BB8EF2958A2}" destId="{E52886D9-3867-4BC2-BF3C-084A7E021749}" srcOrd="0" destOrd="0" parTransId="{817FE062-4532-4A87-934E-7439707F8F7D}" sibTransId="{95C39E17-4828-489E-9DB6-BB7F16615407}"/>
-    <dgm:cxn modelId="{A5254B0D-3102-4B99-B044-A5F8319565EC}" type="presOf" srcId="{E52886D9-3867-4BC2-BF3C-084A7E021749}" destId="{25973532-2ABA-46F5-BE6B-C6CAEFE60066}" srcOrd="0" destOrd="0" presId="urn:microsoft.com/office/officeart/2005/8/layout/vList5"/>
+    <dgm:cxn modelId="{BE9FBEB7-C591-434A-BAEF-CB6C459BA0AE}" type="presOf" srcId="{4390AD38-5473-42B5-B131-7082ED923E09}" destId="{2CB84A95-463F-483E-903E-606CFEEB70AD}" srcOrd="0" destOrd="0" presId="urn:microsoft.com/office/officeart/2005/8/layout/vList5"/>
     <dgm:cxn modelId="{0AAC5653-10D9-431E-9446-79F4B4C92568}" type="presParOf" srcId="{FC7D144E-6945-4F80-BCD2-BB9DBCD6D6DD}" destId="{1DA7CEA6-D78B-435E-8DC2-0C67C37D7CC2}" srcOrd="0" destOrd="0" presId="urn:microsoft.com/office/officeart/2005/8/layout/vList5"/>
     <dgm:cxn modelId="{2AD4A436-0F64-4807-9675-38DAD050E6BB}" type="presParOf" srcId="{1DA7CEA6-D78B-435E-8DC2-0C67C37D7CC2}" destId="{9704D651-83D2-4EA3-B1FE-A037B27653CA}" srcOrd="0" destOrd="0" presId="urn:microsoft.com/office/officeart/2005/8/layout/vList5"/>
-    <dgm:cxn modelId="{A556A9E0-8434-40D2-BC9F-5F5748F9FE04}" type="presParOf" srcId="{1DA7CEA6-D78B-435E-8DC2-0C67C37D7CC2}" destId="{25973532-2ABA-46F5-BE6B-C6CAEFE60066}" srcOrd="1" destOrd="0" presId="urn:microsoft.com/office/officeart/2005/8/layout/vList5"/>
     <dgm:cxn modelId="{FBCCBC64-A7D0-4019-BE7A-DE0BB980B724}" type="presParOf" srcId="{FC7D144E-6945-4F80-BCD2-BB9DBCD6D6DD}" destId="{5D243F14-76A6-482B-8964-6BA7140FB42A}" srcOrd="1" destOrd="0" presId="urn:microsoft.com/office/officeart/2005/8/layout/vList5"/>
     <dgm:cxn modelId="{8EDE9486-9D84-4114-BE3E-84F646237A29}" type="presParOf" srcId="{FC7D144E-6945-4F80-BCD2-BB9DBCD6D6DD}" destId="{35372777-C639-4996-AFA8-62C466F39FD7}" srcOrd="2" destOrd="0" presId="urn:microsoft.com/office/officeart/2005/8/layout/vList5"/>
     <dgm:cxn modelId="{595304A0-6F0D-4162-9EA2-2A9DDC37A68C}" type="presParOf" srcId="{35372777-C639-4996-AFA8-62C466F39FD7}" destId="{2CB84A95-463F-483E-903E-606CFEEB70AD}" srcOrd="0" destOrd="0" presId="urn:microsoft.com/office/officeart/2005/8/layout/vList5"/>
-    <dgm:cxn modelId="{24F36457-A59D-4100-8C71-0D71D55FE311}" type="presParOf" srcId="{35372777-C639-4996-AFA8-62C466F39FD7}" destId="{86220BA6-418B-4992-9101-72A7B33AF1FF}" srcOrd="1" destOrd="0" presId="urn:microsoft.com/office/officeart/2005/8/layout/vList5"/>
   </dgm:cxnLst>
   <dgm:bg/>
   <dgm:whole/>
@@ -1205,77 +1074,6 @@
       <dsp:cNvGrpSpPr/>
     </dsp:nvGrpSpPr>
     <dsp:grpSpPr/>
-    <dsp:sp modelId="{25973532-2ABA-46F5-BE6B-C6CAEFE60066}">
-      <dsp:nvSpPr>
-        <dsp:cNvPr id="0" name=""/>
-        <dsp:cNvSpPr/>
-      </dsp:nvSpPr>
-      <dsp:spPr>
-        <a:xfrm rot="5400000">
-          <a:off x="6179417" y="-2286236"/>
-          <a:ext cx="1595242" cy="6566624"/>
-        </a:xfrm>
-        <a:prstGeom prst="round2SameRect">
-          <a:avLst/>
-        </a:prstGeom>
-        <a:blipFill rotWithShape="0">
-          <a:blip xmlns:r="http://schemas.openxmlformats.org/officeDocument/2006/relationships" r:embed="rId1"/>
-          <a:stretch>
-            <a:fillRect/>
-          </a:stretch>
-        </a:blipFill>
-        <a:ln w="15875" cap="flat" cmpd="sng" algn="ctr">
-          <a:solidFill>
-            <a:schemeClr val="accent1">
-              <a:alpha val="90000"/>
-            </a:schemeClr>
-          </a:solidFill>
-          <a:prstDash val="solid"/>
-        </a:ln>
-        <a:effectLst/>
-      </dsp:spPr>
-      <dsp:style>
-        <a:lnRef idx="2">
-          <a:scrgbClr r="0" g="0" b="0"/>
-        </a:lnRef>
-        <a:fillRef idx="1">
-          <a:scrgbClr r="0" g="0" b="0"/>
-        </a:fillRef>
-        <a:effectRef idx="0">
-          <a:scrgbClr r="0" g="0" b="0"/>
-        </a:effectRef>
-        <a:fontRef idx="minor"/>
-      </dsp:style>
-      <dsp:txBody>
-        <a:bodyPr spcFirstLastPara="0" vert="horz" wrap="square" lIns="247650" tIns="123825" rIns="247650" bIns="123825" numCol="1" spcCol="1270" anchor="ctr" anchorCtr="0">
-          <a:noAutofit/>
-        </a:bodyPr>
-        <a:lstStyle/>
-        <a:p>
-          <a:pPr marL="57150" lvl="1" indent="-57150" algn="l" defTabSz="44450">
-            <a:lnSpc>
-              <a:spcPct val="90000"/>
-            </a:lnSpc>
-            <a:spcBef>
-              <a:spcPct val="0"/>
-            </a:spcBef>
-            <a:spcAft>
-              <a:spcPct val="15000"/>
-            </a:spcAft>
-            <a:buChar char="••"/>
-          </a:pPr>
-          <a:r>
-            <a:rPr lang="ru-RU" sz="100" kern="1200" dirty="0" smtClean="0"/>
-            <a:t> </a:t>
-          </a:r>
-          <a:endParaRPr lang="ru-RU" sz="100" kern="1200" dirty="0"/>
-        </a:p>
-      </dsp:txBody>
-      <dsp:txXfrm rot="-5400000">
-        <a:off x="3693727" y="277327"/>
-        <a:ext cx="6488751" cy="1439496"/>
-      </dsp:txXfrm>
-    </dsp:sp>
     <dsp:sp modelId="{9704D651-83D2-4EA3-B1FE-A037B27653CA}">
       <dsp:nvSpPr>
         <dsp:cNvPr id="0" name=""/>
@@ -1283,7 +1081,7 @@
       </dsp:nvSpPr>
       <dsp:spPr>
         <a:xfrm>
-          <a:off x="0" y="49"/>
+          <a:off x="3283312" y="49"/>
           <a:ext cx="3693726" cy="1994052"/>
         </a:xfrm>
         <a:prstGeom prst="roundRect">
@@ -1349,84 +1147,8 @@
         </a:p>
       </dsp:txBody>
       <dsp:txXfrm>
-        <a:off x="97342" y="97391"/>
+        <a:off x="3380654" y="97391"/>
         <a:ext cx="3499042" cy="1799368"/>
-      </dsp:txXfrm>
-    </dsp:sp>
-    <dsp:sp modelId="{86220BA6-418B-4992-9101-72A7B33AF1FF}">
-      <dsp:nvSpPr>
-        <dsp:cNvPr id="0" name=""/>
-        <dsp:cNvSpPr/>
-      </dsp:nvSpPr>
-      <dsp:spPr>
-        <a:xfrm rot="5400000">
-          <a:off x="6179417" y="-192480"/>
-          <a:ext cx="1595242" cy="6566624"/>
-        </a:xfrm>
-        <a:prstGeom prst="round2SameRect">
-          <a:avLst/>
-        </a:prstGeom>
-        <a:blipFill rotWithShape="0">
-          <a:blip xmlns:r="http://schemas.openxmlformats.org/officeDocument/2006/relationships" r:embed="rId2"/>
-          <a:stretch>
-            <a:fillRect/>
-          </a:stretch>
-        </a:blipFill>
-        <a:ln w="15875" cap="flat" cmpd="sng" algn="ctr">
-          <a:solidFill>
-            <a:schemeClr val="accent1">
-              <a:alpha val="90000"/>
-              <a:tint val="40000"/>
-              <a:hueOff val="0"/>
-              <a:satOff val="0"/>
-              <a:lumOff val="0"/>
-              <a:alphaOff val="0"/>
-            </a:schemeClr>
-          </a:solidFill>
-          <a:prstDash val="solid"/>
-        </a:ln>
-        <a:effectLst/>
-      </dsp:spPr>
-      <dsp:style>
-        <a:lnRef idx="2">
-          <a:scrgbClr r="0" g="0" b="0"/>
-        </a:lnRef>
-        <a:fillRef idx="1">
-          <a:scrgbClr r="0" g="0" b="0"/>
-        </a:fillRef>
-        <a:effectRef idx="0">
-          <a:scrgbClr r="0" g="0" b="0"/>
-        </a:effectRef>
-        <a:fontRef idx="minor"/>
-      </dsp:style>
-      <dsp:txBody>
-        <a:bodyPr spcFirstLastPara="0" vert="horz" wrap="square" lIns="247650" tIns="123825" rIns="247650" bIns="123825" numCol="1" spcCol="1270" anchor="ctr" anchorCtr="0">
-          <a:noAutofit/>
-        </a:bodyPr>
-        <a:lstStyle/>
-        <a:p>
-          <a:pPr marL="57150" lvl="1" indent="-57150" algn="l" defTabSz="44450">
-            <a:lnSpc>
-              <a:spcPct val="90000"/>
-            </a:lnSpc>
-            <a:spcBef>
-              <a:spcPct val="0"/>
-            </a:spcBef>
-            <a:spcAft>
-              <a:spcPct val="15000"/>
-            </a:spcAft>
-            <a:buChar char="••"/>
-          </a:pPr>
-          <a:r>
-            <a:rPr lang="ru-RU" sz="100" kern="1200" dirty="0" smtClean="0"/>
-            <a:t> </a:t>
-          </a:r>
-          <a:endParaRPr lang="ru-RU" sz="100" kern="1200" dirty="0"/>
-        </a:p>
-      </dsp:txBody>
-      <dsp:txXfrm rot="-5400000">
-        <a:off x="3693727" y="2371083"/>
-        <a:ext cx="6488751" cy="1439496"/>
       </dsp:txXfrm>
     </dsp:sp>
     <dsp:sp modelId="{2CB84A95-463F-483E-903E-606CFEEB70AD}">
@@ -1436,7 +1158,7 @@
       </dsp:nvSpPr>
       <dsp:spPr>
         <a:xfrm>
-          <a:off x="0" y="2093805"/>
+          <a:off x="3283312" y="2093805"/>
           <a:ext cx="3693726" cy="1994052"/>
         </a:xfrm>
         <a:prstGeom prst="roundRect">
@@ -1496,13 +1218,13 @@
           </a:pPr>
           <a:r>
             <a:rPr lang="ru-RU" sz="4000" kern="1200" dirty="0" smtClean="0"/>
-            <a:t>Барабошин Данила Андреевич</a:t>
+            <a:t>Булат</a:t>
           </a:r>
           <a:endParaRPr lang="ru-RU" sz="4000" kern="1200" dirty="0"/>
         </a:p>
       </dsp:txBody>
       <dsp:txXfrm>
-        <a:off x="97342" y="2191147"/>
+        <a:off x="3380654" y="2191147"/>
         <a:ext cx="3499042" cy="1799368"/>
       </dsp:txXfrm>
     </dsp:sp>
@@ -2804,7 +2526,7 @@
           <p:cNvPr id="2" name="Верхний колонтитул 1">
             <a:extLst>
               <a:ext uri="{FF2B5EF4-FFF2-40B4-BE49-F238E27FC236}">
-                <a16:creationId xmlns="" xmlns:a16="http://schemas.microsoft.com/office/drawing/2014/main" id="{68147666-B5DA-42D7-860C-6326547BCB4E}"/>
+                <a16:creationId xmlns:a16="http://schemas.microsoft.com/office/drawing/2014/main" xmlns="" id="{68147666-B5DA-42D7-860C-6326547BCB4E}"/>
               </a:ext>
             </a:extLst>
           </p:cNvPr>
@@ -2841,7 +2563,7 @@
           <p:cNvPr id="3" name="Дата 2">
             <a:extLst>
               <a:ext uri="{FF2B5EF4-FFF2-40B4-BE49-F238E27FC236}">
-                <a16:creationId xmlns="" xmlns:a16="http://schemas.microsoft.com/office/drawing/2014/main" id="{0004B30F-0DFB-41D3-B073-686D18F499F6}"/>
+                <a16:creationId xmlns:a16="http://schemas.microsoft.com/office/drawing/2014/main" xmlns="" id="{0004B30F-0DFB-41D3-B073-686D18F499F6}"/>
               </a:ext>
             </a:extLst>
           </p:cNvPr>
@@ -2871,7 +2593,7 @@
           <a:p>
             <a:fld id="{C50BFBDF-78BA-4949-898D-EAD6E750AE6A}" type="datetime1">
               <a:rPr lang="ru-RU" smtClean="0"/>
-              <a:t>02.02.2025</a:t>
+              <a:t>28.04.2025</a:t>
             </a:fld>
             <a:endParaRPr lang="ru-RU"/>
           </a:p>
@@ -2882,7 +2604,7 @@
           <p:cNvPr id="4" name="Нижний колонтитул 3">
             <a:extLst>
               <a:ext uri="{FF2B5EF4-FFF2-40B4-BE49-F238E27FC236}">
-                <a16:creationId xmlns="" xmlns:a16="http://schemas.microsoft.com/office/drawing/2014/main" id="{02567D83-C42A-4FDB-8FA9-7C1D7EEC8C67}"/>
+                <a16:creationId xmlns:a16="http://schemas.microsoft.com/office/drawing/2014/main" xmlns="" id="{02567D83-C42A-4FDB-8FA9-7C1D7EEC8C67}"/>
               </a:ext>
             </a:extLst>
           </p:cNvPr>
@@ -2919,7 +2641,7 @@
           <p:cNvPr id="5" name="Номер слайда 4">
             <a:extLst>
               <a:ext uri="{FF2B5EF4-FFF2-40B4-BE49-F238E27FC236}">
-                <a16:creationId xmlns="" xmlns:a16="http://schemas.microsoft.com/office/drawing/2014/main" id="{6412F133-C81D-4A71-81A9-DCF01AE09B5E}"/>
+                <a16:creationId xmlns:a16="http://schemas.microsoft.com/office/drawing/2014/main" xmlns="" id="{6412F133-C81D-4A71-81A9-DCF01AE09B5E}"/>
               </a:ext>
             </a:extLst>
           </p:cNvPr>
@@ -3050,7 +2772,7 @@
             <a:fld id="{705CB6C3-6DFD-4167-A658-5BE28C6F2E89}" type="datetime1">
               <a:rPr lang="ru-RU" smtClean="0"/>
               <a:pPr/>
-              <a:t>02.02.2025</a:t>
+              <a:t>28.04.2025</a:t>
             </a:fld>
             <a:endParaRPr lang="ru-RU" dirty="0"/>
           </a:p>
@@ -7595,7 +7317,7 @@
             <a:pPr rtl="0"/>
             <a:fld id="{226E71D3-32FD-4BA5-B5EB-6BA9A9FD8591}" type="datetime1">
               <a:rPr lang="ru-RU" noProof="0" smtClean="0"/>
-              <a:t>02.02.2025</a:t>
+              <a:t>28.04.2025</a:t>
             </a:fld>
             <a:endParaRPr lang="ru-RU" noProof="0"/>
           </a:p>
@@ -7859,7 +7581,7 @@
             <a:pPr rtl="0"/>
             <a:fld id="{71B5AF4B-3067-46C7-9F81-423C1983FDBA}" type="datetime1">
               <a:rPr lang="ru-RU" noProof="0" smtClean="0"/>
-              <a:t>02.02.2025</a:t>
+              <a:t>28.04.2025</a:t>
             </a:fld>
             <a:endParaRPr lang="ru-RU" noProof="0"/>
           </a:p>
@@ -8053,7 +7775,7 @@
             <a:pPr rtl="0"/>
             <a:fld id="{35F76350-5A7E-49DF-99E3-394F6CC410C2}" type="datetime1">
               <a:rPr lang="ru-RU" noProof="0" smtClean="0"/>
-              <a:t>02.02.2025</a:t>
+              <a:t>28.04.2025</a:t>
             </a:fld>
             <a:endParaRPr lang="ru-RU" noProof="0"/>
           </a:p>
@@ -8314,7 +8036,7 @@
             <a:pPr rtl="0"/>
             <a:fld id="{B3093FAE-6D00-4E44-978A-F35CBD440AC4}" type="datetime1">
               <a:rPr lang="ru-RU" noProof="0" smtClean="0"/>
-              <a:t>02.02.2025</a:t>
+              <a:t>28.04.2025</a:t>
             </a:fld>
             <a:endParaRPr lang="ru-RU" noProof="0"/>
           </a:p>
@@ -8748,7 +8470,7 @@
             <a:pPr rtl="0"/>
             <a:fld id="{981024B8-AC39-4FCC-A1F2-3D04B286AAD6}" type="datetime1">
               <a:rPr lang="ru-RU" noProof="0" smtClean="0"/>
-              <a:t>02.02.2025</a:t>
+              <a:t>28.04.2025</a:t>
             </a:fld>
             <a:endParaRPr lang="ru-RU" noProof="0"/>
           </a:p>
@@ -9292,7 +9014,7 @@
             <a:pPr rtl="0"/>
             <a:fld id="{38D38531-F63B-46B5-A1F2-4DAD01111027}" type="datetime1">
               <a:rPr lang="ru-RU" noProof="0" smtClean="0"/>
-              <a:t>02.02.2025</a:t>
+              <a:t>28.04.2025</a:t>
             </a:fld>
             <a:endParaRPr lang="ru-RU" noProof="0"/>
           </a:p>
@@ -10007,7 +9729,7 @@
             <a:pPr rtl="0"/>
             <a:fld id="{4628A567-3EB0-43DA-894A-BE4F62865DB3}" type="datetime1">
               <a:rPr lang="ru-RU" noProof="0" smtClean="0"/>
-              <a:t>02.02.2025</a:t>
+              <a:t>28.04.2025</a:t>
             </a:fld>
             <a:endParaRPr lang="ru-RU" noProof="0"/>
           </a:p>
@@ -10174,7 +9896,7 @@
             <a:pPr rtl="0"/>
             <a:fld id="{90C780E6-16D2-4C01-BF69-64889FBB0B25}" type="datetime1">
               <a:rPr lang="ru-RU" noProof="0" smtClean="0"/>
-              <a:t>02.02.2025</a:t>
+              <a:t>28.04.2025</a:t>
             </a:fld>
             <a:endParaRPr lang="ru-RU" noProof="0"/>
           </a:p>
@@ -10351,7 +10073,7 @@
             <a:pPr rtl="0"/>
             <a:fld id="{71EF6A54-205A-4894-85CA-836FFE127AC4}" type="datetime1">
               <a:rPr lang="ru-RU" noProof="0" smtClean="0"/>
-              <a:t>02.02.2025</a:t>
+              <a:t>28.04.2025</a:t>
             </a:fld>
             <a:endParaRPr lang="ru-RU" noProof="0" dirty="0"/>
           </a:p>
@@ -10518,7 +10240,7 @@
             <a:pPr rtl="0"/>
             <a:fld id="{7D59E4B2-A3D8-4E01-8BC6-84D9C784D038}" type="datetime1">
               <a:rPr lang="ru-RU" noProof="0" smtClean="0"/>
-              <a:t>02.02.2025</a:t>
+              <a:t>28.04.2025</a:t>
             </a:fld>
             <a:endParaRPr lang="ru-RU" noProof="0"/>
           </a:p>
@@ -10766,7 +10488,7 @@
             <a:pPr rtl="0"/>
             <a:fld id="{9297D021-FD91-4644-8402-293C117D3111}" type="datetime1">
               <a:rPr lang="ru-RU" noProof="0" smtClean="0"/>
-              <a:t>02.02.2025</a:t>
+              <a:t>28.04.2025</a:t>
             </a:fld>
             <a:endParaRPr lang="ru-RU" noProof="0"/>
           </a:p>
@@ -10994,7 +10716,7 @@
             <a:pPr rtl="0"/>
             <a:fld id="{EA446B8D-7EB0-4130-A1FC-46E3E64ABB45}" type="datetime1">
               <a:rPr lang="ru-RU" noProof="0" smtClean="0"/>
-              <a:t>02.02.2025</a:t>
+              <a:t>28.04.2025</a:t>
             </a:fld>
             <a:endParaRPr lang="ru-RU" noProof="0"/>
           </a:p>
@@ -11371,7 +11093,7 @@
             <a:pPr rtl="0"/>
             <a:fld id="{337574F0-16D3-408F-93FA-6916DC1BAD3F}" type="datetime1">
               <a:rPr lang="ru-RU" noProof="0" smtClean="0"/>
-              <a:t>02.02.2025</a:t>
+              <a:t>28.04.2025</a:t>
             </a:fld>
             <a:endParaRPr lang="ru-RU" noProof="0"/>
           </a:p>
@@ -11487,7 +11209,7 @@
             <a:pPr rtl="0"/>
             <a:fld id="{C68FA92F-4FA8-43EA-8BD5-5329899B798B}" type="datetime1">
               <a:rPr lang="ru-RU" noProof="0" smtClean="0"/>
-              <a:t>02.02.2025</a:t>
+              <a:t>28.04.2025</a:t>
             </a:fld>
             <a:endParaRPr lang="ru-RU" noProof="0"/>
           </a:p>
@@ -11580,7 +11302,7 @@
             <a:pPr rtl="0"/>
             <a:fld id="{92F9D3BB-142D-4258-B666-85B58B1145CB}" type="datetime1">
               <a:rPr lang="ru-RU" noProof="0" smtClean="0"/>
-              <a:t>02.02.2025</a:t>
+              <a:t>28.04.2025</a:t>
             </a:fld>
             <a:endParaRPr lang="ru-RU" noProof="0"/>
           </a:p>
@@ -11826,7 +11548,7 @@
             <a:pPr rtl="0"/>
             <a:fld id="{A33E524F-E058-4C39-9ED8-E9101EFBBB22}" type="datetime1">
               <a:rPr lang="ru-RU" noProof="0" smtClean="0"/>
-              <a:t>02.02.2025</a:t>
+              <a:t>28.04.2025</a:t>
             </a:fld>
             <a:endParaRPr lang="ru-RU" noProof="0"/>
           </a:p>
@@ -12104,7 +11826,7 @@
             <a:pPr rtl="0"/>
             <a:fld id="{05762E06-9654-4BE2-A90A-221151FA31EE}" type="datetime1">
               <a:rPr lang="ru-RU" noProof="0" smtClean="0"/>
-              <a:t>02.02.2025</a:t>
+              <a:t>28.04.2025</a:t>
             </a:fld>
             <a:endParaRPr lang="ru-RU" noProof="0"/>
           </a:p>
@@ -15180,7 +14902,7 @@
           <a:p>
             <a:fld id="{CDDB632F-057E-4E6C-9691-0FCDB525310C}" type="datetime1">
               <a:rPr lang="ru-RU" noProof="0" smtClean="0"/>
-              <a:t>02.02.2025</a:t>
+              <a:t>28.04.2025</a:t>
             </a:fld>
             <a:endParaRPr lang="ru-RU" noProof="0" dirty="0">
               <a:latin typeface="Calibri" panose="020F0502020204030204" pitchFamily="34" charset="0"/>
@@ -15638,8 +15360,8 @@
               <a:t>с использованием </a:t>
             </a:r>
             <a:r>
-              <a:rPr lang="en-US" dirty="0" err="1" smtClean="0"/>
-              <a:t>pygame</a:t>
+              <a:rPr lang="en-US" dirty="0" smtClean="0"/>
+              <a:t>AIOGRAM</a:t>
             </a:r>
             <a:endParaRPr lang="ru-RU" dirty="0"/>
           </a:p>
@@ -15667,14 +15389,7 @@
                 <a:latin typeface="+mj-lt"/>
                 <a:cs typeface="+mj-cs"/>
               </a:rPr>
-              <a:t>Untitled-</a:t>
-            </a:r>
-            <a:r>
-              <a:rPr lang="en-US" sz="7200" dirty="0" smtClean="0">
-                <a:latin typeface="+mj-lt"/>
-                <a:cs typeface="+mj-cs"/>
-              </a:rPr>
-              <a:t>HEXAGON-GAME</a:t>
+              <a:t>AI Hub</a:t>
             </a:r>
             <a:endParaRPr lang="en-US" sz="7200" dirty="0">
               <a:latin typeface="+mj-lt"/>
@@ -15748,7 +15463,7 @@
           <p:nvPr>
             <p:extLst>
               <p:ext uri="{D42A27DB-BD31-4B8C-83A1-F6EECF244321}">
-                <p14:modId xmlns:p14="http://schemas.microsoft.com/office/powerpoint/2010/main" val="1145410093"/>
+                <p14:modId xmlns:p14="http://schemas.microsoft.com/office/powerpoint/2010/main" val="1526804776"/>
               </p:ext>
             </p:extLst>
           </p:nvPr>
@@ -15815,7 +15530,11 @@
           <a:p>
             <a:r>
               <a:rPr lang="ru-RU" dirty="0" smtClean="0"/>
-              <a:t>Обзор игры</a:t>
+              <a:t>Обзор </a:t>
+            </a:r>
+            <a:r>
+              <a:rPr lang="ru-RU" dirty="0" smtClean="0"/>
+              <a:t>проекта</a:t>
             </a:r>
             <a:endParaRPr lang="ru-RU" dirty="0"/>
           </a:p>
@@ -15834,207 +15553,167 @@
         <p:spPr>
           <a:xfrm>
             <a:off x="1141410" y="1613647"/>
-            <a:ext cx="4878389" cy="5096435"/>
+            <a:ext cx="4668061" cy="5096435"/>
           </a:xfrm>
         </p:spPr>
         <p:txBody>
           <a:bodyPr>
-            <a:normAutofit fontScale="92500" lnSpcReduction="10000"/>
+            <a:normAutofit fontScale="70000" lnSpcReduction="20000"/>
           </a:bodyPr>
           <a:lstStyle/>
           <a:p>
             <a:r>
-              <a:rPr lang="ru-RU" dirty="0">
-                <a:latin typeface="Times New Roman" pitchFamily="18" charset="0"/>
-                <a:cs typeface="Times New Roman" pitchFamily="18" charset="0"/>
-              </a:rPr>
-              <a:t>Жанр: Пошаговая </a:t>
-            </a:r>
-            <a:r>
-              <a:rPr lang="ru-RU" dirty="0" smtClean="0">
-                <a:latin typeface="Times New Roman" pitchFamily="18" charset="0"/>
-                <a:cs typeface="Times New Roman" pitchFamily="18" charset="0"/>
-              </a:rPr>
-              <a:t>стратегия</a:t>
-            </a:r>
-            <a:endParaRPr lang="ru-RU" dirty="0">
-              <a:latin typeface="Times New Roman" pitchFamily="18" charset="0"/>
-              <a:cs typeface="Times New Roman" pitchFamily="18" charset="0"/>
-            </a:endParaRPr>
-          </a:p>
-          <a:p>
-            <a:r>
-              <a:rPr lang="ru-RU" dirty="0" smtClean="0">
-                <a:latin typeface="Times New Roman" pitchFamily="18" charset="0"/>
-                <a:cs typeface="Times New Roman" pitchFamily="18" charset="0"/>
-              </a:rPr>
-              <a:t>Пошаговая </a:t>
-            </a:r>
-            <a:r>
-              <a:rPr lang="ru-RU" dirty="0">
-                <a:latin typeface="Times New Roman" pitchFamily="18" charset="0"/>
-                <a:cs typeface="Times New Roman" pitchFamily="18" charset="0"/>
-              </a:rPr>
-              <a:t>стратегия на гексагональной карте, где игроки развивают города, создают армии и сражаются </a:t>
-            </a:r>
-            <a:r>
-              <a:rPr lang="ru-RU" dirty="0" smtClean="0">
-                <a:latin typeface="Times New Roman" pitchFamily="18" charset="0"/>
-                <a:cs typeface="Times New Roman" pitchFamily="18" charset="0"/>
-              </a:rPr>
-              <a:t>ради победы</a:t>
-            </a:r>
-            <a:endParaRPr lang="ru-RU" dirty="0">
-              <a:latin typeface="Times New Roman" pitchFamily="18" charset="0"/>
-              <a:cs typeface="Times New Roman" pitchFamily="18" charset="0"/>
-            </a:endParaRPr>
-          </a:p>
-          <a:p>
-            <a:r>
-              <a:rPr lang="ru-RU" dirty="0">
-                <a:latin typeface="Times New Roman" pitchFamily="18" charset="0"/>
-                <a:cs typeface="Times New Roman" pitchFamily="18" charset="0"/>
-              </a:rPr>
-              <a:t>Ключевые </a:t>
-            </a:r>
-            <a:r>
-              <a:rPr lang="ru-RU" dirty="0" smtClean="0">
-                <a:latin typeface="Times New Roman" pitchFamily="18" charset="0"/>
-                <a:cs typeface="Times New Roman" pitchFamily="18" charset="0"/>
-              </a:rPr>
-              <a:t>особенности:</a:t>
-            </a:r>
-            <a:endParaRPr lang="ru-RU" dirty="0">
-              <a:latin typeface="Times New Roman" pitchFamily="18" charset="0"/>
-              <a:cs typeface="Times New Roman" pitchFamily="18" charset="0"/>
-            </a:endParaRPr>
+              <a:rPr lang="ru-RU" b="1" dirty="0"/>
+              <a:t>Идея:</a:t>
+            </a:r>
+            <a:r>
+              <a:rPr lang="ru-RU" dirty="0"/>
+              <a:t> </a:t>
+            </a:r>
+            <a:r>
+              <a:rPr lang="ru-RU" dirty="0" err="1"/>
+              <a:t>Telegram</a:t>
+            </a:r>
+            <a:r>
+              <a:rPr lang="ru-RU" dirty="0"/>
+              <a:t>-бот, предоставляющий единый интерфейс для взаимодействия с различными моделями искусственного интеллекта (текст, изображения, аудио) от ведущих провайдеров.</a:t>
+            </a:r>
+          </a:p>
+          <a:p>
+            <a:r>
+              <a:rPr lang="ru-RU" b="1" dirty="0"/>
+              <a:t>Цель:</a:t>
+            </a:r>
+            <a:r>
+              <a:rPr lang="ru-RU" dirty="0"/>
+              <a:t> Упростить доступ к AI-инструментам, позволить пользователям легко выбирать модели и сравнивать их эффективность.</a:t>
+            </a:r>
+          </a:p>
+          <a:p>
+            <a:r>
+              <a:rPr lang="ru-RU" b="1" dirty="0"/>
+              <a:t>Ключевые особенности:</a:t>
+            </a:r>
+            <a:endParaRPr lang="ru-RU" dirty="0"/>
           </a:p>
           <a:p>
             <a:pPr lvl="1"/>
             <a:r>
-              <a:rPr lang="ru-RU" dirty="0">
-                <a:latin typeface="Times New Roman" pitchFamily="18" charset="0"/>
-                <a:cs typeface="Times New Roman" pitchFamily="18" charset="0"/>
-              </a:rPr>
-              <a:t>    Гексагональная </a:t>
-            </a:r>
-            <a:r>
-              <a:rPr lang="ru-RU" dirty="0" smtClean="0">
-                <a:latin typeface="Times New Roman" pitchFamily="18" charset="0"/>
-                <a:cs typeface="Times New Roman" pitchFamily="18" charset="0"/>
-              </a:rPr>
-              <a:t>карта</a:t>
-            </a:r>
-            <a:endParaRPr lang="ru-RU" dirty="0">
-              <a:latin typeface="Times New Roman" pitchFamily="18" charset="0"/>
-              <a:cs typeface="Times New Roman" pitchFamily="18" charset="0"/>
-            </a:endParaRPr>
+              <a:rPr lang="ru-RU" dirty="0"/>
+              <a:t>Централизованный доступ к AI (</a:t>
+            </a:r>
+            <a:r>
+              <a:rPr lang="ru-RU" b="1" dirty="0" err="1"/>
+              <a:t>Gemini</a:t>
+            </a:r>
+            <a:r>
+              <a:rPr lang="ru-RU" dirty="0"/>
+              <a:t>, </a:t>
+            </a:r>
+            <a:r>
+              <a:rPr lang="ru-RU" b="1" dirty="0" err="1"/>
+              <a:t>Llama</a:t>
+            </a:r>
+            <a:r>
+              <a:rPr lang="ru-RU" dirty="0"/>
+              <a:t>, </a:t>
+            </a:r>
+            <a:r>
+              <a:rPr lang="ru-RU" b="1" dirty="0" err="1"/>
+              <a:t>Midjourney</a:t>
+            </a:r>
+            <a:r>
+              <a:rPr lang="ru-RU" dirty="0"/>
+              <a:t>, </a:t>
+            </a:r>
+            <a:r>
+              <a:rPr lang="ru-RU" b="1" dirty="0"/>
+              <a:t>FLUX</a:t>
+            </a:r>
+            <a:r>
+              <a:rPr lang="ru-RU" dirty="0"/>
+              <a:t>, </a:t>
+            </a:r>
+            <a:r>
+              <a:rPr lang="ru-RU" b="1" dirty="0" err="1"/>
+              <a:t>Whisper</a:t>
+            </a:r>
+            <a:r>
+              <a:rPr lang="ru-RU" dirty="0"/>
+              <a:t> и др.)</a:t>
+            </a:r>
           </a:p>
           <a:p>
             <a:pPr lvl="1"/>
             <a:r>
-              <a:rPr lang="ru-RU" dirty="0">
-                <a:latin typeface="Times New Roman" pitchFamily="18" charset="0"/>
-                <a:cs typeface="Times New Roman" pitchFamily="18" charset="0"/>
-              </a:rPr>
-              <a:t>    Разнообразные </a:t>
-            </a:r>
-            <a:r>
-              <a:rPr lang="ru-RU" dirty="0" smtClean="0">
-                <a:latin typeface="Times New Roman" pitchFamily="18" charset="0"/>
-                <a:cs typeface="Times New Roman" pitchFamily="18" charset="0"/>
-              </a:rPr>
-              <a:t>юниты</a:t>
-            </a:r>
-            <a:endParaRPr lang="ru-RU" dirty="0">
-              <a:latin typeface="Times New Roman" pitchFamily="18" charset="0"/>
-              <a:cs typeface="Times New Roman" pitchFamily="18" charset="0"/>
-            </a:endParaRPr>
+              <a:rPr lang="ru-RU" dirty="0"/>
+              <a:t>Два режима работы: "</a:t>
+            </a:r>
+            <a:r>
+              <a:rPr lang="ru-RU" i="1" dirty="0" err="1"/>
+              <a:t>Single</a:t>
+            </a:r>
+            <a:r>
+              <a:rPr lang="ru-RU" dirty="0"/>
+              <a:t>" (прямое взаимодействие) и "</a:t>
+            </a:r>
+            <a:r>
+              <a:rPr lang="ru-RU" i="1" dirty="0" err="1"/>
+              <a:t>Arena</a:t>
+            </a:r>
+            <a:r>
+              <a:rPr lang="ru-RU" dirty="0"/>
+              <a:t>" (сравнение моделей).</a:t>
+            </a:r>
           </a:p>
           <a:p>
             <a:pPr lvl="1"/>
             <a:r>
-              <a:rPr lang="ru-RU" dirty="0">
-                <a:latin typeface="Times New Roman" pitchFamily="18" charset="0"/>
-                <a:cs typeface="Times New Roman" pitchFamily="18" charset="0"/>
-              </a:rPr>
-              <a:t>    </a:t>
-            </a:r>
-            <a:r>
-              <a:rPr lang="ru-RU" dirty="0" smtClean="0">
-                <a:latin typeface="Times New Roman" pitchFamily="18" charset="0"/>
-                <a:cs typeface="Times New Roman" pitchFamily="18" charset="0"/>
-              </a:rPr>
-              <a:t>Строительство </a:t>
-            </a:r>
-            <a:r>
-              <a:rPr lang="ru-RU" dirty="0">
-                <a:latin typeface="Times New Roman" pitchFamily="18" charset="0"/>
-                <a:cs typeface="Times New Roman" pitchFamily="18" charset="0"/>
-              </a:rPr>
-              <a:t>городов и управление </a:t>
-            </a:r>
-            <a:r>
-              <a:rPr lang="ru-RU" dirty="0" smtClean="0">
-                <a:latin typeface="Times New Roman" pitchFamily="18" charset="0"/>
-                <a:cs typeface="Times New Roman" pitchFamily="18" charset="0"/>
-              </a:rPr>
-              <a:t>ресурсами</a:t>
+              <a:rPr lang="ru-RU" dirty="0"/>
+              <a:t>Поддержка </a:t>
+            </a:r>
+            <a:r>
+              <a:rPr lang="ru-RU" dirty="0" err="1"/>
+              <a:t>мультимодальных</a:t>
+            </a:r>
+            <a:r>
+              <a:rPr lang="ru-RU" dirty="0"/>
+              <a:t> запросов: текст, голос (с </a:t>
+            </a:r>
+            <a:r>
+              <a:rPr lang="ru-RU" dirty="0" err="1"/>
+              <a:t>транскрибацией</a:t>
+            </a:r>
+            <a:r>
+              <a:rPr lang="ru-RU" dirty="0"/>
+              <a:t>), изображения.</a:t>
             </a:r>
           </a:p>
           <a:p>
             <a:pPr lvl="1"/>
             <a:r>
-              <a:rPr lang="ru-RU" dirty="0" smtClean="0">
-                <a:latin typeface="Times New Roman" pitchFamily="18" charset="0"/>
-                <a:cs typeface="Times New Roman" pitchFamily="18" charset="0"/>
-              </a:rPr>
-              <a:t>    </a:t>
-            </a:r>
-            <a:r>
-              <a:rPr lang="ru-RU" dirty="0">
-                <a:latin typeface="Times New Roman" pitchFamily="18" charset="0"/>
-                <a:cs typeface="Times New Roman" pitchFamily="18" charset="0"/>
-              </a:rPr>
-              <a:t>Тактические </a:t>
-            </a:r>
-            <a:r>
-              <a:rPr lang="ru-RU" dirty="0" smtClean="0">
-                <a:latin typeface="Times New Roman" pitchFamily="18" charset="0"/>
-                <a:cs typeface="Times New Roman" pitchFamily="18" charset="0"/>
-              </a:rPr>
-              <a:t>бои</a:t>
-            </a:r>
-            <a:endParaRPr lang="ru-RU" dirty="0">
-              <a:latin typeface="Times New Roman" pitchFamily="18" charset="0"/>
-              <a:cs typeface="Times New Roman" pitchFamily="18" charset="0"/>
-            </a:endParaRPr>
+              <a:rPr lang="ru-RU" dirty="0"/>
+              <a:t>Гибкая настройка через меню.</a:t>
+            </a:r>
           </a:p>
           <a:p>
             <a:pPr lvl="1"/>
             <a:r>
-              <a:rPr lang="ru-RU" dirty="0">
-                <a:latin typeface="Times New Roman" pitchFamily="18" charset="0"/>
-                <a:cs typeface="Times New Roman" pitchFamily="18" charset="0"/>
-              </a:rPr>
-              <a:t>    Режим "Каждый сам за себя" (FFA)</a:t>
+              <a:rPr lang="ru-RU" dirty="0"/>
+              <a:t>Модульная архитектура для легкого расширения.</a:t>
             </a:r>
           </a:p>
         </p:txBody>
       </p:sp>
       <p:pic>
         <p:nvPicPr>
-          <p:cNvPr id="8" name="Рисунок 7">
-            <a:extLst>
-              <a:ext uri="{FF2B5EF4-FFF2-40B4-BE49-F238E27FC236}">
-                <a16:creationId xmlns="" xmlns:a16="http://schemas.microsoft.com/office/drawing/2014/main" id="{B1FBAE66-FFF7-8173-B7C9-52F98A30EB6A}"/>
-              </a:ext>
-            </a:extLst>
-          </p:cNvPr>
+          <p:cNvPr id="7" name="Picture 2"/>
           <p:cNvPicPr>
-            <a:picLocks noChangeAspect="1"/>
+            <a:picLocks noGrp="1" noChangeAspect="1" noChangeArrowheads="1"/>
           </p:cNvPicPr>
-          <p:nvPr/>
+          <p:nvPr>
+            <p:ph idx="1"/>
+          </p:nvPr>
         </p:nvPicPr>
         <p:blipFill>
           <a:blip r:embed="rId2">
@@ -16044,61 +15723,52 @@
               </a:ext>
             </a:extLst>
           </a:blip>
+          <a:srcRect/>
           <a:stretch>
             <a:fillRect/>
           </a:stretch>
         </p:blipFill>
-        <p:spPr>
+        <p:spPr bwMode="auto">
           <a:xfrm>
-            <a:off x="5809471" y="1317812"/>
-            <a:ext cx="5728105" cy="4605396"/>
+            <a:off x="6711580" y="733876"/>
+            <a:ext cx="4229691" cy="4915586"/>
           </a:xfrm>
-          <a:custGeom>
+          <a:prstGeom prst="rect">
             <a:avLst/>
-            <a:gdLst/>
-            <a:ahLst/>
-            <a:cxnLst/>
-            <a:rect l="l" t="t" r="r" b="b"/>
-            <a:pathLst>
-              <a:path w="3425199" h="2337870">
-                <a:moveTo>
-                  <a:pt x="0" y="0"/>
-                </a:moveTo>
-                <a:lnTo>
-                  <a:pt x="3425199" y="0"/>
-                </a:lnTo>
-                <a:lnTo>
-                  <a:pt x="3425199" y="2171405"/>
-                </a:lnTo>
-                <a:cubicBezTo>
-                  <a:pt x="3425199" y="2263341"/>
-                  <a:pt x="3350670" y="2337870"/>
-                  <a:pt x="3258734" y="2337870"/>
-                </a:cubicBezTo>
-                <a:lnTo>
-                  <a:pt x="0" y="2337870"/>
-                </a:lnTo>
-                <a:close/>
-              </a:path>
-            </a:pathLst>
-          </a:custGeom>
-          <a:ln w="19050" cap="sq">
-            <a:solidFill>
-              <a:schemeClr val="tx2">
-                <a:lumMod val="60000"/>
-                <a:lumOff val="40000"/>
-                <a:alpha val="60000"/>
-              </a:schemeClr>
-            </a:solidFill>
-            <a:miter lim="800000"/>
+          </a:prstGeom>
+          <a:noFill/>
+          <a:ln>
+            <a:noFill/>
           </a:ln>
-          <a:effectLst>
-            <a:outerShdw blurRad="88900" dist="38100" dir="5400000" algn="t" rotWithShape="0">
-              <a:prstClr val="black">
-                <a:alpha val="40000"/>
-              </a:prstClr>
-            </a:outerShdw>
-          </a:effectLst>
+          <a:effectLst/>
+          <a:extLst>
+            <a:ext uri="{909E8E84-426E-40DD-AFC4-6F175D3DCCD1}">
+              <a14:hiddenFill xmlns:a14="http://schemas.microsoft.com/office/drawing/2010/main">
+                <a:solidFill>
+                  <a:schemeClr val="accent1"/>
+                </a:solidFill>
+              </a14:hiddenFill>
+            </a:ext>
+            <a:ext uri="{91240B29-F687-4F45-9708-019B960494DF}">
+              <a14:hiddenLine xmlns:a14="http://schemas.microsoft.com/office/drawing/2010/main" w="9525">
+                <a:solidFill>
+                  <a:schemeClr val="tx1"/>
+                </a:solidFill>
+                <a:miter lim="800000"/>
+                <a:headEnd/>
+                <a:tailEnd/>
+              </a14:hiddenLine>
+            </a:ext>
+            <a:ext uri="{AF507438-7753-43E0-B8FC-AC1667EBCBE1}">
+              <a14:hiddenEffects xmlns:a14="http://schemas.microsoft.com/office/drawing/2010/main">
+                <a:effectLst>
+                  <a:outerShdw dist="35921" dir="2700000" algn="ctr" rotWithShape="0">
+                    <a:schemeClr val="bg2"/>
+                  </a:outerShdw>
+                </a:effectLst>
+              </a14:hiddenEffects>
+            </a:ext>
+          </a:extLst>
         </p:spPr>
       </p:pic>
     </p:spTree>
@@ -16160,10 +15830,10 @@
           <p:cNvPr id="159" name="Group 158">
             <a:extLst>
               <a:ext uri="{FF2B5EF4-FFF2-40B4-BE49-F238E27FC236}">
-                <a16:creationId xmlns="" xmlns:a16="http://schemas.microsoft.com/office/drawing/2014/main" id="{A8F3053C-AA2D-43E7-9127-59111DE0E06D}"/>
+                <a16:creationId xmlns:a16="http://schemas.microsoft.com/office/drawing/2014/main" xmlns="" id="{A8F3053C-AA2D-43E7-9127-59111DE0E06D}"/>
               </a:ext>
               <a:ext uri="{C183D7F6-B498-43B3-948B-1728B52AA6E4}">
-                <adec:decorative xmlns="" xmlns:adec="http://schemas.microsoft.com/office/drawing/2017/decorative" val="1"/>
+                <adec:decorative xmlns:adec="http://schemas.microsoft.com/office/drawing/2017/decorative" xmlns="" val="1"/>
               </a:ext>
             </a:extLst>
           </p:cNvPr>
@@ -16173,7 +15843,7 @@
           <p:nvPr>
             <p:extLst>
               <p:ext uri="{386F3935-93C4-4BCD-93E2-E3B085C9AB24}">
-                <p16:designElem xmlns="" xmlns:p16="http://schemas.microsoft.com/office/powerpoint/2015/main" val="1"/>
+                <p16:designElem xmlns:p16="http://schemas.microsoft.com/office/powerpoint/2015/main" xmlns="" val="1"/>
               </p:ext>
             </p:extLst>
           </p:nvPr>
@@ -16191,10 +15861,10 @@
             <p:cNvPr id="160" name="Group 159">
               <a:extLst>
                 <a:ext uri="{FF2B5EF4-FFF2-40B4-BE49-F238E27FC236}">
-                  <a16:creationId xmlns="" xmlns:a16="http://schemas.microsoft.com/office/drawing/2014/main" id="{159025B1-E34F-4772-B2CC-DA9B705D403C}"/>
+                  <a16:creationId xmlns:a16="http://schemas.microsoft.com/office/drawing/2014/main" xmlns="" id="{159025B1-E34F-4772-B2CC-DA9B705D403C}"/>
                 </a:ext>
                 <a:ext uri="{C183D7F6-B498-43B3-948B-1728B52AA6E4}">
-                  <adec:decorative xmlns="" xmlns:adec="http://schemas.microsoft.com/office/drawing/2017/decorative" val="1"/>
+                  <adec:decorative xmlns:adec="http://schemas.microsoft.com/office/drawing/2017/decorative" xmlns="" val="1"/>
                 </a:ext>
               </a:extLst>
             </p:cNvPr>
@@ -16202,7 +15872,7 @@
             <p:nvPr>
               <p:extLst>
                 <p:ext uri="{386F3935-93C4-4BCD-93E2-E3B085C9AB24}">
-                  <p16:designElem xmlns="" xmlns:p16="http://schemas.microsoft.com/office/powerpoint/2015/main" val="1"/>
+                  <p16:designElem xmlns:p16="http://schemas.microsoft.com/office/powerpoint/2015/main" xmlns="" val="1"/>
                 </p:ext>
               </p:extLst>
             </p:nvPr>
@@ -16235,10 +15905,10 @@
               <p:cNvPr id="172" name="Rectangle 5">
                 <a:extLst>
                   <a:ext uri="{FF2B5EF4-FFF2-40B4-BE49-F238E27FC236}">
-                    <a16:creationId xmlns="" xmlns:a16="http://schemas.microsoft.com/office/drawing/2014/main" id="{85E8FDD9-55D5-48E9-BD0F-41FA02C5AD19}"/>
+                    <a16:creationId xmlns:a16="http://schemas.microsoft.com/office/drawing/2014/main" xmlns="" id="{85E8FDD9-55D5-48E9-BD0F-41FA02C5AD19}"/>
                   </a:ext>
                   <a:ext uri="{C183D7F6-B498-43B3-948B-1728B52AA6E4}">
-                    <adec:decorative xmlns="" xmlns:adec="http://schemas.microsoft.com/office/drawing/2017/decorative" val="1"/>
+                    <adec:decorative xmlns:adec="http://schemas.microsoft.com/office/drawing/2017/decorative" xmlns="" val="1"/>
                   </a:ext>
                 </a:extLst>
               </p:cNvPr>
@@ -16248,7 +15918,7 @@
               <p:nvPr>
                 <p:extLst>
                   <p:ext uri="{386F3935-93C4-4BCD-93E2-E3B085C9AB24}">
-                    <p16:designElem xmlns="" xmlns:p16="http://schemas.microsoft.com/office/powerpoint/2015/main" val="1"/>
+                    <p16:designElem xmlns:p16="http://schemas.microsoft.com/office/powerpoint/2015/main" xmlns="" val="1"/>
                   </p:ext>
                 </p:extLst>
               </p:nvPr>
@@ -16284,10 +15954,10 @@
               <p:cNvPr id="173" name="Freeform 6">
                 <a:extLst>
                   <a:ext uri="{FF2B5EF4-FFF2-40B4-BE49-F238E27FC236}">
-                    <a16:creationId xmlns="" xmlns:a16="http://schemas.microsoft.com/office/drawing/2014/main" id="{2C147D99-21B5-462F-B3D9-2D04FC67D8E0}"/>
+                    <a16:creationId xmlns:a16="http://schemas.microsoft.com/office/drawing/2014/main" xmlns="" id="{2C147D99-21B5-462F-B3D9-2D04FC67D8E0}"/>
                   </a:ext>
                   <a:ext uri="{C183D7F6-B498-43B3-948B-1728B52AA6E4}">
-                    <adec:decorative xmlns="" xmlns:adec="http://schemas.microsoft.com/office/drawing/2017/decorative" val="1"/>
+                    <adec:decorative xmlns:adec="http://schemas.microsoft.com/office/drawing/2017/decorative" xmlns="" val="1"/>
                   </a:ext>
                 </a:extLst>
               </p:cNvPr>
@@ -16297,7 +15967,7 @@
               <p:nvPr>
                 <p:extLst>
                   <p:ext uri="{386F3935-93C4-4BCD-93E2-E3B085C9AB24}">
-                    <p16:designElem xmlns="" xmlns:p16="http://schemas.microsoft.com/office/powerpoint/2015/main" val="1"/>
+                    <p16:designElem xmlns:p16="http://schemas.microsoft.com/office/powerpoint/2015/main" xmlns="" val="1"/>
                   </p:ext>
                 </p:extLst>
               </p:nvPr>
@@ -16389,10 +16059,10 @@
               <p:cNvPr id="174" name="Freeform 7">
                 <a:extLst>
                   <a:ext uri="{FF2B5EF4-FFF2-40B4-BE49-F238E27FC236}">
-                    <a16:creationId xmlns="" xmlns:a16="http://schemas.microsoft.com/office/drawing/2014/main" id="{3A84E48A-5D81-47C8-9B35-7891B51623C7}"/>
+                    <a16:creationId xmlns:a16="http://schemas.microsoft.com/office/drawing/2014/main" xmlns="" id="{3A84E48A-5D81-47C8-9B35-7891B51623C7}"/>
                   </a:ext>
                   <a:ext uri="{C183D7F6-B498-43B3-948B-1728B52AA6E4}">
-                    <adec:decorative xmlns="" xmlns:adec="http://schemas.microsoft.com/office/drawing/2017/decorative" val="1"/>
+                    <adec:decorative xmlns:adec="http://schemas.microsoft.com/office/drawing/2017/decorative" xmlns="" val="1"/>
                   </a:ext>
                 </a:extLst>
               </p:cNvPr>
@@ -16402,7 +16072,7 @@
               <p:nvPr>
                 <p:extLst>
                   <p:ext uri="{386F3935-93C4-4BCD-93E2-E3B085C9AB24}">
-                    <p16:designElem xmlns="" xmlns:p16="http://schemas.microsoft.com/office/powerpoint/2015/main" val="1"/>
+                    <p16:designElem xmlns:p16="http://schemas.microsoft.com/office/powerpoint/2015/main" xmlns="" val="1"/>
                   </p:ext>
                 </p:extLst>
               </p:nvPr>
@@ -16494,10 +16164,10 @@
               <p:cNvPr id="175" name="Freeform 8">
                 <a:extLst>
                   <a:ext uri="{FF2B5EF4-FFF2-40B4-BE49-F238E27FC236}">
-                    <a16:creationId xmlns="" xmlns:a16="http://schemas.microsoft.com/office/drawing/2014/main" id="{A7C08433-35BE-4A5A-9C1F-B37DEB48278A}"/>
+                    <a16:creationId xmlns:a16="http://schemas.microsoft.com/office/drawing/2014/main" xmlns="" id="{A7C08433-35BE-4A5A-9C1F-B37DEB48278A}"/>
                   </a:ext>
                   <a:ext uri="{C183D7F6-B498-43B3-948B-1728B52AA6E4}">
-                    <adec:decorative xmlns="" xmlns:adec="http://schemas.microsoft.com/office/drawing/2017/decorative" val="1"/>
+                    <adec:decorative xmlns:adec="http://schemas.microsoft.com/office/drawing/2017/decorative" xmlns="" val="1"/>
                   </a:ext>
                 </a:extLst>
               </p:cNvPr>
@@ -16505,7 +16175,7 @@
               <p:nvPr>
                 <p:extLst>
                   <p:ext uri="{386F3935-93C4-4BCD-93E2-E3B085C9AB24}">
-                    <p16:designElem xmlns="" xmlns:p16="http://schemas.microsoft.com/office/powerpoint/2015/main" val="1"/>
+                    <p16:designElem xmlns:p16="http://schemas.microsoft.com/office/powerpoint/2015/main" xmlns="" val="1"/>
                   </p:ext>
                 </p:extLst>
               </p:nvPr>
@@ -16571,10 +16241,10 @@
               <p:cNvPr id="176" name="Freeform 9">
                 <a:extLst>
                   <a:ext uri="{FF2B5EF4-FFF2-40B4-BE49-F238E27FC236}">
-                    <a16:creationId xmlns="" xmlns:a16="http://schemas.microsoft.com/office/drawing/2014/main" id="{D0B8201B-0CB0-4F9E-ACB0-DD75292348FC}"/>
+                    <a16:creationId xmlns:a16="http://schemas.microsoft.com/office/drawing/2014/main" xmlns="" id="{D0B8201B-0CB0-4F9E-ACB0-DD75292348FC}"/>
                   </a:ext>
                   <a:ext uri="{C183D7F6-B498-43B3-948B-1728B52AA6E4}">
-                    <adec:decorative xmlns="" xmlns:adec="http://schemas.microsoft.com/office/drawing/2017/decorative" val="1"/>
+                    <adec:decorative xmlns:adec="http://schemas.microsoft.com/office/drawing/2017/decorative" xmlns="" val="1"/>
                   </a:ext>
                 </a:extLst>
               </p:cNvPr>
@@ -16584,7 +16254,7 @@
               <p:nvPr>
                 <p:extLst>
                   <p:ext uri="{386F3935-93C4-4BCD-93E2-E3B085C9AB24}">
-                    <p16:designElem xmlns="" xmlns:p16="http://schemas.microsoft.com/office/powerpoint/2015/main" val="1"/>
+                    <p16:designElem xmlns:p16="http://schemas.microsoft.com/office/powerpoint/2015/main" xmlns="" val="1"/>
                   </p:ext>
                 </p:extLst>
               </p:nvPr>
@@ -16676,10 +16346,10 @@
               <p:cNvPr id="177" name="Freeform 10">
                 <a:extLst>
                   <a:ext uri="{FF2B5EF4-FFF2-40B4-BE49-F238E27FC236}">
-                    <a16:creationId xmlns="" xmlns:a16="http://schemas.microsoft.com/office/drawing/2014/main" id="{888D2777-7FAE-47C4-9E1A-3C4D015CFB2B}"/>
+                    <a16:creationId xmlns:a16="http://schemas.microsoft.com/office/drawing/2014/main" xmlns="" id="{888D2777-7FAE-47C4-9E1A-3C4D015CFB2B}"/>
                   </a:ext>
                   <a:ext uri="{C183D7F6-B498-43B3-948B-1728B52AA6E4}">
-                    <adec:decorative xmlns="" xmlns:adec="http://schemas.microsoft.com/office/drawing/2017/decorative" val="1"/>
+                    <adec:decorative xmlns:adec="http://schemas.microsoft.com/office/drawing/2017/decorative" xmlns="" val="1"/>
                   </a:ext>
                 </a:extLst>
               </p:cNvPr>
@@ -16687,7 +16357,7 @@
               <p:nvPr>
                 <p:extLst>
                   <p:ext uri="{386F3935-93C4-4BCD-93E2-E3B085C9AB24}">
-                    <p16:designElem xmlns="" xmlns:p16="http://schemas.microsoft.com/office/powerpoint/2015/main" val="1"/>
+                    <p16:designElem xmlns:p16="http://schemas.microsoft.com/office/powerpoint/2015/main" xmlns="" val="1"/>
                   </p:ext>
                 </p:extLst>
               </p:nvPr>
@@ -16753,10 +16423,10 @@
               <p:cNvPr id="178" name="Freeform 11">
                 <a:extLst>
                   <a:ext uri="{FF2B5EF4-FFF2-40B4-BE49-F238E27FC236}">
-                    <a16:creationId xmlns="" xmlns:a16="http://schemas.microsoft.com/office/drawing/2014/main" id="{CE168F44-CB11-4900-AC9E-3EBEC8016003}"/>
+                    <a16:creationId xmlns:a16="http://schemas.microsoft.com/office/drawing/2014/main" xmlns="" id="{CE168F44-CB11-4900-AC9E-3EBEC8016003}"/>
                   </a:ext>
                   <a:ext uri="{C183D7F6-B498-43B3-948B-1728B52AA6E4}">
-                    <adec:decorative xmlns="" xmlns:adec="http://schemas.microsoft.com/office/drawing/2017/decorative" val="1"/>
+                    <adec:decorative xmlns:adec="http://schemas.microsoft.com/office/drawing/2017/decorative" xmlns="" val="1"/>
                   </a:ext>
                 </a:extLst>
               </p:cNvPr>
@@ -16764,7 +16434,7 @@
               <p:nvPr>
                 <p:extLst>
                   <p:ext uri="{386F3935-93C4-4BCD-93E2-E3B085C9AB24}">
-                    <p16:designElem xmlns="" xmlns:p16="http://schemas.microsoft.com/office/powerpoint/2015/main" val="1"/>
+                    <p16:designElem xmlns:p16="http://schemas.microsoft.com/office/powerpoint/2015/main" xmlns="" val="1"/>
                   </p:ext>
                 </p:extLst>
               </p:nvPr>
@@ -16830,10 +16500,10 @@
               <p:cNvPr id="179" name="Freeform 12">
                 <a:extLst>
                   <a:ext uri="{FF2B5EF4-FFF2-40B4-BE49-F238E27FC236}">
-                    <a16:creationId xmlns="" xmlns:a16="http://schemas.microsoft.com/office/drawing/2014/main" id="{A0F39381-D3B3-4EBE-80AB-F3AA4D188956}"/>
+                    <a16:creationId xmlns:a16="http://schemas.microsoft.com/office/drawing/2014/main" xmlns="" id="{A0F39381-D3B3-4EBE-80AB-F3AA4D188956}"/>
                   </a:ext>
                   <a:ext uri="{C183D7F6-B498-43B3-948B-1728B52AA6E4}">
-                    <adec:decorative xmlns="" xmlns:adec="http://schemas.microsoft.com/office/drawing/2017/decorative" val="1"/>
+                    <adec:decorative xmlns:adec="http://schemas.microsoft.com/office/drawing/2017/decorative" xmlns="" val="1"/>
                   </a:ext>
                 </a:extLst>
               </p:cNvPr>
@@ -16843,7 +16513,7 @@
               <p:nvPr>
                 <p:extLst>
                   <p:ext uri="{386F3935-93C4-4BCD-93E2-E3B085C9AB24}">
-                    <p16:designElem xmlns="" xmlns:p16="http://schemas.microsoft.com/office/powerpoint/2015/main" val="1"/>
+                    <p16:designElem xmlns:p16="http://schemas.microsoft.com/office/powerpoint/2015/main" xmlns="" val="1"/>
                   </p:ext>
                 </p:extLst>
               </p:nvPr>
@@ -16935,10 +16605,10 @@
               <p:cNvPr id="180" name="Freeform 13">
                 <a:extLst>
                   <a:ext uri="{FF2B5EF4-FFF2-40B4-BE49-F238E27FC236}">
-                    <a16:creationId xmlns="" xmlns:a16="http://schemas.microsoft.com/office/drawing/2014/main" id="{F8B41A7C-3B6F-4BEF-B1FA-4869947AE74E}"/>
+                    <a16:creationId xmlns:a16="http://schemas.microsoft.com/office/drawing/2014/main" xmlns="" id="{F8B41A7C-3B6F-4BEF-B1FA-4869947AE74E}"/>
                   </a:ext>
                   <a:ext uri="{C183D7F6-B498-43B3-948B-1728B52AA6E4}">
-                    <adec:decorative xmlns="" xmlns:adec="http://schemas.microsoft.com/office/drawing/2017/decorative" val="1"/>
+                    <adec:decorative xmlns:adec="http://schemas.microsoft.com/office/drawing/2017/decorative" xmlns="" val="1"/>
                   </a:ext>
                 </a:extLst>
               </p:cNvPr>
@@ -16948,7 +16618,7 @@
               <p:nvPr>
                 <p:extLst>
                   <p:ext uri="{386F3935-93C4-4BCD-93E2-E3B085C9AB24}">
-                    <p16:designElem xmlns="" xmlns:p16="http://schemas.microsoft.com/office/powerpoint/2015/main" val="1"/>
+                    <p16:designElem xmlns:p16="http://schemas.microsoft.com/office/powerpoint/2015/main" xmlns="" val="1"/>
                   </p:ext>
                 </p:extLst>
               </p:nvPr>
@@ -17040,10 +16710,10 @@
               <p:cNvPr id="181" name="Freeform 14">
                 <a:extLst>
                   <a:ext uri="{FF2B5EF4-FFF2-40B4-BE49-F238E27FC236}">
-                    <a16:creationId xmlns="" xmlns:a16="http://schemas.microsoft.com/office/drawing/2014/main" id="{9A08FB39-6EFB-4948-88F2-6EB113F1051B}"/>
+                    <a16:creationId xmlns:a16="http://schemas.microsoft.com/office/drawing/2014/main" xmlns="" id="{9A08FB39-6EFB-4948-88F2-6EB113F1051B}"/>
                   </a:ext>
                   <a:ext uri="{C183D7F6-B498-43B3-948B-1728B52AA6E4}">
-                    <adec:decorative xmlns="" xmlns:adec="http://schemas.microsoft.com/office/drawing/2017/decorative" val="1"/>
+                    <adec:decorative xmlns:adec="http://schemas.microsoft.com/office/drawing/2017/decorative" xmlns="" val="1"/>
                   </a:ext>
                 </a:extLst>
               </p:cNvPr>
@@ -17051,7 +16721,7 @@
               <p:nvPr>
                 <p:extLst>
                   <p:ext uri="{386F3935-93C4-4BCD-93E2-E3B085C9AB24}">
-                    <p16:designElem xmlns="" xmlns:p16="http://schemas.microsoft.com/office/powerpoint/2015/main" val="1"/>
+                    <p16:designElem xmlns:p16="http://schemas.microsoft.com/office/powerpoint/2015/main" xmlns="" val="1"/>
                   </p:ext>
                 </p:extLst>
               </p:nvPr>
@@ -17117,10 +16787,10 @@
               <p:cNvPr id="182" name="Freeform 15">
                 <a:extLst>
                   <a:ext uri="{FF2B5EF4-FFF2-40B4-BE49-F238E27FC236}">
-                    <a16:creationId xmlns="" xmlns:a16="http://schemas.microsoft.com/office/drawing/2014/main" id="{32489CF5-34F9-4676-8FC8-EA47623A9F5F}"/>
+                    <a16:creationId xmlns:a16="http://schemas.microsoft.com/office/drawing/2014/main" xmlns="" id="{32489CF5-34F9-4676-8FC8-EA47623A9F5F}"/>
                   </a:ext>
                   <a:ext uri="{C183D7F6-B498-43B3-948B-1728B52AA6E4}">
-                    <adec:decorative xmlns="" xmlns:adec="http://schemas.microsoft.com/office/drawing/2017/decorative" val="1"/>
+                    <adec:decorative xmlns:adec="http://schemas.microsoft.com/office/drawing/2017/decorative" xmlns="" val="1"/>
                   </a:ext>
                 </a:extLst>
               </p:cNvPr>
@@ -17130,7 +16800,7 @@
               <p:nvPr>
                 <p:extLst>
                   <p:ext uri="{386F3935-93C4-4BCD-93E2-E3B085C9AB24}">
-                    <p16:designElem xmlns="" xmlns:p16="http://schemas.microsoft.com/office/powerpoint/2015/main" val="1"/>
+                    <p16:designElem xmlns:p16="http://schemas.microsoft.com/office/powerpoint/2015/main" xmlns="" val="1"/>
                   </p:ext>
                 </p:extLst>
               </p:nvPr>
@@ -17242,10 +16912,10 @@
               <p:cNvPr id="183" name="Line 16">
                 <a:extLst>
                   <a:ext uri="{FF2B5EF4-FFF2-40B4-BE49-F238E27FC236}">
-                    <a16:creationId xmlns="" xmlns:a16="http://schemas.microsoft.com/office/drawing/2014/main" id="{6E6A81FE-6687-4E45-86EE-506158CFC01C}"/>
+                    <a16:creationId xmlns:a16="http://schemas.microsoft.com/office/drawing/2014/main" xmlns="" id="{6E6A81FE-6687-4E45-86EE-506158CFC01C}"/>
                   </a:ext>
                   <a:ext uri="{C183D7F6-B498-43B3-948B-1728B52AA6E4}">
-                    <adec:decorative xmlns="" xmlns:adec="http://schemas.microsoft.com/office/drawing/2017/decorative" val="1"/>
+                    <adec:decorative xmlns:adec="http://schemas.microsoft.com/office/drawing/2017/decorative" xmlns="" val="1"/>
                   </a:ext>
                 </a:extLst>
               </p:cNvPr>
@@ -17255,7 +16925,7 @@
               <p:nvPr>
                 <p:extLst>
                   <p:ext uri="{386F3935-93C4-4BCD-93E2-E3B085C9AB24}">
-                    <p16:designElem xmlns="" xmlns:p16="http://schemas.microsoft.com/office/powerpoint/2015/main" val="1"/>
+                    <p16:designElem xmlns:p16="http://schemas.microsoft.com/office/powerpoint/2015/main" xmlns="" val="1"/>
                   </p:ext>
                 </p:extLst>
               </p:nvPr>
@@ -17285,10 +16955,10 @@
               <p:cNvPr id="184" name="Freeform 17">
                 <a:extLst>
                   <a:ext uri="{FF2B5EF4-FFF2-40B4-BE49-F238E27FC236}">
-                    <a16:creationId xmlns="" xmlns:a16="http://schemas.microsoft.com/office/drawing/2014/main" id="{085F56DC-138C-4970-A499-1F8C4FBADFEF}"/>
+                    <a16:creationId xmlns:a16="http://schemas.microsoft.com/office/drawing/2014/main" xmlns="" id="{085F56DC-138C-4970-A499-1F8C4FBADFEF}"/>
                   </a:ext>
                   <a:ext uri="{C183D7F6-B498-43B3-948B-1728B52AA6E4}">
-                    <adec:decorative xmlns="" xmlns:adec="http://schemas.microsoft.com/office/drawing/2017/decorative" val="1"/>
+                    <adec:decorative xmlns:adec="http://schemas.microsoft.com/office/drawing/2017/decorative" xmlns="" val="1"/>
                   </a:ext>
                 </a:extLst>
               </p:cNvPr>
@@ -17296,7 +16966,7 @@
               <p:nvPr>
                 <p:extLst>
                   <p:ext uri="{386F3935-93C4-4BCD-93E2-E3B085C9AB24}">
-                    <p16:designElem xmlns="" xmlns:p16="http://schemas.microsoft.com/office/powerpoint/2015/main" val="1"/>
+                    <p16:designElem xmlns:p16="http://schemas.microsoft.com/office/powerpoint/2015/main" xmlns="" val="1"/>
                   </p:ext>
                 </p:extLst>
               </p:nvPr>
@@ -17356,10 +17026,10 @@
               <p:cNvPr id="185" name="Freeform 18">
                 <a:extLst>
                   <a:ext uri="{FF2B5EF4-FFF2-40B4-BE49-F238E27FC236}">
-                    <a16:creationId xmlns="" xmlns:a16="http://schemas.microsoft.com/office/drawing/2014/main" id="{2241CFC6-2DD5-4908-95FF-C76F3F432770}"/>
+                    <a16:creationId xmlns:a16="http://schemas.microsoft.com/office/drawing/2014/main" xmlns="" id="{2241CFC6-2DD5-4908-95FF-C76F3F432770}"/>
                   </a:ext>
                   <a:ext uri="{C183D7F6-B498-43B3-948B-1728B52AA6E4}">
-                    <adec:decorative xmlns="" xmlns:adec="http://schemas.microsoft.com/office/drawing/2017/decorative" val="1"/>
+                    <adec:decorative xmlns:adec="http://schemas.microsoft.com/office/drawing/2017/decorative" xmlns="" val="1"/>
                   </a:ext>
                 </a:extLst>
               </p:cNvPr>
@@ -17367,7 +17037,7 @@
               <p:nvPr>
                 <p:extLst>
                   <p:ext uri="{386F3935-93C4-4BCD-93E2-E3B085C9AB24}">
-                    <p16:designElem xmlns="" xmlns:p16="http://schemas.microsoft.com/office/powerpoint/2015/main" val="1"/>
+                    <p16:designElem xmlns:p16="http://schemas.microsoft.com/office/powerpoint/2015/main" xmlns="" val="1"/>
                   </p:ext>
                 </p:extLst>
               </p:nvPr>
@@ -17433,10 +17103,10 @@
               <p:cNvPr id="186" name="Freeform 19">
                 <a:extLst>
                   <a:ext uri="{FF2B5EF4-FFF2-40B4-BE49-F238E27FC236}">
-                    <a16:creationId xmlns="" xmlns:a16="http://schemas.microsoft.com/office/drawing/2014/main" id="{EAE9ABAC-3BE1-44E6-A764-8B7884E839AF}"/>
+                    <a16:creationId xmlns:a16="http://schemas.microsoft.com/office/drawing/2014/main" xmlns="" id="{EAE9ABAC-3BE1-44E6-A764-8B7884E839AF}"/>
                   </a:ext>
                   <a:ext uri="{C183D7F6-B498-43B3-948B-1728B52AA6E4}">
-                    <adec:decorative xmlns="" xmlns:adec="http://schemas.microsoft.com/office/drawing/2017/decorative" val="1"/>
+                    <adec:decorative xmlns:adec="http://schemas.microsoft.com/office/drawing/2017/decorative" xmlns="" val="1"/>
                   </a:ext>
                 </a:extLst>
               </p:cNvPr>
@@ -17444,7 +17114,7 @@
               <p:nvPr>
                 <p:extLst>
                   <p:ext uri="{386F3935-93C4-4BCD-93E2-E3B085C9AB24}">
-                    <p16:designElem xmlns="" xmlns:p16="http://schemas.microsoft.com/office/powerpoint/2015/main" val="1"/>
+                    <p16:designElem xmlns:p16="http://schemas.microsoft.com/office/powerpoint/2015/main" xmlns="" val="1"/>
                   </p:ext>
                 </p:extLst>
               </p:nvPr>
@@ -17510,10 +17180,10 @@
               <p:cNvPr id="187" name="Freeform 20">
                 <a:extLst>
                   <a:ext uri="{FF2B5EF4-FFF2-40B4-BE49-F238E27FC236}">
-                    <a16:creationId xmlns="" xmlns:a16="http://schemas.microsoft.com/office/drawing/2014/main" id="{39874D11-3018-499B-BD78-11BB954BDF56}"/>
+                    <a16:creationId xmlns:a16="http://schemas.microsoft.com/office/drawing/2014/main" xmlns="" id="{39874D11-3018-499B-BD78-11BB954BDF56}"/>
                   </a:ext>
                   <a:ext uri="{C183D7F6-B498-43B3-948B-1728B52AA6E4}">
-                    <adec:decorative xmlns="" xmlns:adec="http://schemas.microsoft.com/office/drawing/2017/decorative" val="1"/>
+                    <adec:decorative xmlns:adec="http://schemas.microsoft.com/office/drawing/2017/decorative" xmlns="" val="1"/>
                   </a:ext>
                 </a:extLst>
               </p:cNvPr>
@@ -17523,7 +17193,7 @@
               <p:nvPr>
                 <p:extLst>
                   <p:ext uri="{386F3935-93C4-4BCD-93E2-E3B085C9AB24}">
-                    <p16:designElem xmlns="" xmlns:p16="http://schemas.microsoft.com/office/powerpoint/2015/main" val="1"/>
+                    <p16:designElem xmlns:p16="http://schemas.microsoft.com/office/powerpoint/2015/main" xmlns="" val="1"/>
                   </p:ext>
                 </p:extLst>
               </p:nvPr>
@@ -17615,10 +17285,10 @@
               <p:cNvPr id="188" name="Rectangle 21">
                 <a:extLst>
                   <a:ext uri="{FF2B5EF4-FFF2-40B4-BE49-F238E27FC236}">
-                    <a16:creationId xmlns="" xmlns:a16="http://schemas.microsoft.com/office/drawing/2014/main" id="{9D4461D3-04C7-495D-BA09-8D5311E9DA70}"/>
+                    <a16:creationId xmlns:a16="http://schemas.microsoft.com/office/drawing/2014/main" xmlns="" id="{9D4461D3-04C7-495D-BA09-8D5311E9DA70}"/>
                   </a:ext>
                   <a:ext uri="{C183D7F6-B498-43B3-948B-1728B52AA6E4}">
-                    <adec:decorative xmlns="" xmlns:adec="http://schemas.microsoft.com/office/drawing/2017/decorative" val="1"/>
+                    <adec:decorative xmlns:adec="http://schemas.microsoft.com/office/drawing/2017/decorative" xmlns="" val="1"/>
                   </a:ext>
                 </a:extLst>
               </p:cNvPr>
@@ -17628,7 +17298,7 @@
               <p:nvPr>
                 <p:extLst>
                   <p:ext uri="{386F3935-93C4-4BCD-93E2-E3B085C9AB24}">
-                    <p16:designElem xmlns="" xmlns:p16="http://schemas.microsoft.com/office/powerpoint/2015/main" val="1"/>
+                    <p16:designElem xmlns:p16="http://schemas.microsoft.com/office/powerpoint/2015/main" xmlns="" val="1"/>
                   </p:ext>
                 </p:extLst>
               </p:nvPr>
@@ -17664,10 +17334,10 @@
               <p:cNvPr id="189" name="Freeform 22">
                 <a:extLst>
                   <a:ext uri="{FF2B5EF4-FFF2-40B4-BE49-F238E27FC236}">
-                    <a16:creationId xmlns="" xmlns:a16="http://schemas.microsoft.com/office/drawing/2014/main" id="{BF405972-B14C-45E8-9F0C-E2F11F1CF089}"/>
+                    <a16:creationId xmlns:a16="http://schemas.microsoft.com/office/drawing/2014/main" xmlns="" id="{BF405972-B14C-45E8-9F0C-E2F11F1CF089}"/>
                   </a:ext>
                   <a:ext uri="{C183D7F6-B498-43B3-948B-1728B52AA6E4}">
-                    <adec:decorative xmlns="" xmlns:adec="http://schemas.microsoft.com/office/drawing/2017/decorative" val="1"/>
+                    <adec:decorative xmlns:adec="http://schemas.microsoft.com/office/drawing/2017/decorative" xmlns="" val="1"/>
                   </a:ext>
                 </a:extLst>
               </p:cNvPr>
@@ -17675,7 +17345,7 @@
               <p:nvPr>
                 <p:extLst>
                   <p:ext uri="{386F3935-93C4-4BCD-93E2-E3B085C9AB24}">
-                    <p16:designElem xmlns="" xmlns:p16="http://schemas.microsoft.com/office/powerpoint/2015/main" val="1"/>
+                    <p16:designElem xmlns:p16="http://schemas.microsoft.com/office/powerpoint/2015/main" xmlns="" val="1"/>
                   </p:ext>
                 </p:extLst>
               </p:nvPr>
@@ -17744,10 +17414,10 @@
               <p:cNvPr id="190" name="Freeform 23">
                 <a:extLst>
                   <a:ext uri="{FF2B5EF4-FFF2-40B4-BE49-F238E27FC236}">
-                    <a16:creationId xmlns="" xmlns:a16="http://schemas.microsoft.com/office/drawing/2014/main" id="{D7939026-A689-46F4-97AC-5F68665D7DF9}"/>
+                    <a16:creationId xmlns:a16="http://schemas.microsoft.com/office/drawing/2014/main" xmlns="" id="{D7939026-A689-46F4-97AC-5F68665D7DF9}"/>
                   </a:ext>
                   <a:ext uri="{C183D7F6-B498-43B3-948B-1728B52AA6E4}">
-                    <adec:decorative xmlns="" xmlns:adec="http://schemas.microsoft.com/office/drawing/2017/decorative" val="1"/>
+                    <adec:decorative xmlns:adec="http://schemas.microsoft.com/office/drawing/2017/decorative" xmlns="" val="1"/>
                   </a:ext>
                 </a:extLst>
               </p:cNvPr>
@@ -17757,7 +17427,7 @@
               <p:nvPr>
                 <p:extLst>
                   <p:ext uri="{386F3935-93C4-4BCD-93E2-E3B085C9AB24}">
-                    <p16:designElem xmlns="" xmlns:p16="http://schemas.microsoft.com/office/powerpoint/2015/main" val="1"/>
+                    <p16:designElem xmlns:p16="http://schemas.microsoft.com/office/powerpoint/2015/main" xmlns="" val="1"/>
                   </p:ext>
                 </p:extLst>
               </p:nvPr>
@@ -17849,10 +17519,10 @@
               <p:cNvPr id="191" name="Freeform 24">
                 <a:extLst>
                   <a:ext uri="{FF2B5EF4-FFF2-40B4-BE49-F238E27FC236}">
-                    <a16:creationId xmlns="" xmlns:a16="http://schemas.microsoft.com/office/drawing/2014/main" id="{8AD9F31C-5CF7-45EE-907A-3074488127B1}"/>
+                    <a16:creationId xmlns:a16="http://schemas.microsoft.com/office/drawing/2014/main" xmlns="" id="{8AD9F31C-5CF7-45EE-907A-3074488127B1}"/>
                   </a:ext>
                   <a:ext uri="{C183D7F6-B498-43B3-948B-1728B52AA6E4}">
-                    <adec:decorative xmlns="" xmlns:adec="http://schemas.microsoft.com/office/drawing/2017/decorative" val="1"/>
+                    <adec:decorative xmlns:adec="http://schemas.microsoft.com/office/drawing/2017/decorative" xmlns="" val="1"/>
                   </a:ext>
                 </a:extLst>
               </p:cNvPr>
@@ -17860,7 +17530,7 @@
               <p:nvPr>
                 <p:extLst>
                   <p:ext uri="{386F3935-93C4-4BCD-93E2-E3B085C9AB24}">
-                    <p16:designElem xmlns="" xmlns:p16="http://schemas.microsoft.com/office/powerpoint/2015/main" val="1"/>
+                    <p16:designElem xmlns:p16="http://schemas.microsoft.com/office/powerpoint/2015/main" xmlns="" val="1"/>
                   </p:ext>
                 </p:extLst>
               </p:nvPr>
@@ -17926,10 +17596,10 @@
               <p:cNvPr id="192" name="Freeform 25">
                 <a:extLst>
                   <a:ext uri="{FF2B5EF4-FFF2-40B4-BE49-F238E27FC236}">
-                    <a16:creationId xmlns="" xmlns:a16="http://schemas.microsoft.com/office/drawing/2014/main" id="{93412351-62FA-4EF3-8FE2-4CDD8397B994}"/>
+                    <a16:creationId xmlns:a16="http://schemas.microsoft.com/office/drawing/2014/main" xmlns="" id="{93412351-62FA-4EF3-8FE2-4CDD8397B994}"/>
                   </a:ext>
                   <a:ext uri="{C183D7F6-B498-43B3-948B-1728B52AA6E4}">
-                    <adec:decorative xmlns="" xmlns:adec="http://schemas.microsoft.com/office/drawing/2017/decorative" val="1"/>
+                    <adec:decorative xmlns:adec="http://schemas.microsoft.com/office/drawing/2017/decorative" xmlns="" val="1"/>
                   </a:ext>
                 </a:extLst>
               </p:cNvPr>
@@ -17939,7 +17609,7 @@
               <p:nvPr>
                 <p:extLst>
                   <p:ext uri="{386F3935-93C4-4BCD-93E2-E3B085C9AB24}">
-                    <p16:designElem xmlns="" xmlns:p16="http://schemas.microsoft.com/office/powerpoint/2015/main" val="1"/>
+                    <p16:designElem xmlns:p16="http://schemas.microsoft.com/office/powerpoint/2015/main" xmlns="" val="1"/>
                   </p:ext>
                 </p:extLst>
               </p:nvPr>
@@ -18031,10 +17701,10 @@
               <p:cNvPr id="193" name="Freeform 26">
                 <a:extLst>
                   <a:ext uri="{FF2B5EF4-FFF2-40B4-BE49-F238E27FC236}">
-                    <a16:creationId xmlns="" xmlns:a16="http://schemas.microsoft.com/office/drawing/2014/main" id="{84A81491-A1EB-46E3-9E73-11B93428CD1F}"/>
+                    <a16:creationId xmlns:a16="http://schemas.microsoft.com/office/drawing/2014/main" xmlns="" id="{84A81491-A1EB-46E3-9E73-11B93428CD1F}"/>
                   </a:ext>
                   <a:ext uri="{C183D7F6-B498-43B3-948B-1728B52AA6E4}">
-                    <adec:decorative xmlns="" xmlns:adec="http://schemas.microsoft.com/office/drawing/2017/decorative" val="1"/>
+                    <adec:decorative xmlns:adec="http://schemas.microsoft.com/office/drawing/2017/decorative" xmlns="" val="1"/>
                   </a:ext>
                 </a:extLst>
               </p:cNvPr>
@@ -18042,7 +17712,7 @@
               <p:nvPr>
                 <p:extLst>
                   <p:ext uri="{386F3935-93C4-4BCD-93E2-E3B085C9AB24}">
-                    <p16:designElem xmlns="" xmlns:p16="http://schemas.microsoft.com/office/powerpoint/2015/main" val="1"/>
+                    <p16:designElem xmlns:p16="http://schemas.microsoft.com/office/powerpoint/2015/main" xmlns="" val="1"/>
                   </p:ext>
                 </p:extLst>
               </p:nvPr>
@@ -18111,10 +17781,10 @@
               <p:cNvPr id="194" name="Freeform 27">
                 <a:extLst>
                   <a:ext uri="{FF2B5EF4-FFF2-40B4-BE49-F238E27FC236}">
-                    <a16:creationId xmlns="" xmlns:a16="http://schemas.microsoft.com/office/drawing/2014/main" id="{E7727744-4F0E-4AA2-97BC-0C44AB354A35}"/>
+                    <a16:creationId xmlns:a16="http://schemas.microsoft.com/office/drawing/2014/main" xmlns="" id="{E7727744-4F0E-4AA2-97BC-0C44AB354A35}"/>
                   </a:ext>
                   <a:ext uri="{C183D7F6-B498-43B3-948B-1728B52AA6E4}">
-                    <adec:decorative xmlns="" xmlns:adec="http://schemas.microsoft.com/office/drawing/2017/decorative" val="1"/>
+                    <adec:decorative xmlns:adec="http://schemas.microsoft.com/office/drawing/2017/decorative" xmlns="" val="1"/>
                   </a:ext>
                 </a:extLst>
               </p:cNvPr>
@@ -18122,7 +17792,7 @@
               <p:nvPr>
                 <p:extLst>
                   <p:ext uri="{386F3935-93C4-4BCD-93E2-E3B085C9AB24}">
-                    <p16:designElem xmlns="" xmlns:p16="http://schemas.microsoft.com/office/powerpoint/2015/main" val="1"/>
+                    <p16:designElem xmlns:p16="http://schemas.microsoft.com/office/powerpoint/2015/main" xmlns="" val="1"/>
                   </p:ext>
                 </p:extLst>
               </p:nvPr>
@@ -18188,10 +17858,10 @@
               <p:cNvPr id="195" name="Freeform 28">
                 <a:extLst>
                   <a:ext uri="{FF2B5EF4-FFF2-40B4-BE49-F238E27FC236}">
-                    <a16:creationId xmlns="" xmlns:a16="http://schemas.microsoft.com/office/drawing/2014/main" id="{4575AD90-731F-4996-AA04-86E5EC8CBE01}"/>
+                    <a16:creationId xmlns:a16="http://schemas.microsoft.com/office/drawing/2014/main" xmlns="" id="{4575AD90-731F-4996-AA04-86E5EC8CBE01}"/>
                   </a:ext>
                   <a:ext uri="{C183D7F6-B498-43B3-948B-1728B52AA6E4}">
-                    <adec:decorative xmlns="" xmlns:adec="http://schemas.microsoft.com/office/drawing/2017/decorative" val="1"/>
+                    <adec:decorative xmlns:adec="http://schemas.microsoft.com/office/drawing/2017/decorative" xmlns="" val="1"/>
                   </a:ext>
                 </a:extLst>
               </p:cNvPr>
@@ -18201,7 +17871,7 @@
               <p:nvPr>
                 <p:extLst>
                   <p:ext uri="{386F3935-93C4-4BCD-93E2-E3B085C9AB24}">
-                    <p16:designElem xmlns="" xmlns:p16="http://schemas.microsoft.com/office/powerpoint/2015/main" val="1"/>
+                    <p16:designElem xmlns:p16="http://schemas.microsoft.com/office/powerpoint/2015/main" xmlns="" val="1"/>
                   </p:ext>
                 </p:extLst>
               </p:nvPr>
@@ -18293,10 +17963,10 @@
               <p:cNvPr id="196" name="Freeform 29">
                 <a:extLst>
                   <a:ext uri="{FF2B5EF4-FFF2-40B4-BE49-F238E27FC236}">
-                    <a16:creationId xmlns="" xmlns:a16="http://schemas.microsoft.com/office/drawing/2014/main" id="{231A78D3-96D9-4A22-BC29-8274B016C0C2}"/>
+                    <a16:creationId xmlns:a16="http://schemas.microsoft.com/office/drawing/2014/main" xmlns="" id="{231A78D3-96D9-4A22-BC29-8274B016C0C2}"/>
                   </a:ext>
                   <a:ext uri="{C183D7F6-B498-43B3-948B-1728B52AA6E4}">
-                    <adec:decorative xmlns="" xmlns:adec="http://schemas.microsoft.com/office/drawing/2017/decorative" val="1"/>
+                    <adec:decorative xmlns:adec="http://schemas.microsoft.com/office/drawing/2017/decorative" xmlns="" val="1"/>
                   </a:ext>
                 </a:extLst>
               </p:cNvPr>
@@ -18306,7 +17976,7 @@
               <p:nvPr>
                 <p:extLst>
                   <p:ext uri="{386F3935-93C4-4BCD-93E2-E3B085C9AB24}">
-                    <p16:designElem xmlns="" xmlns:p16="http://schemas.microsoft.com/office/powerpoint/2015/main" val="1"/>
+                    <p16:designElem xmlns:p16="http://schemas.microsoft.com/office/powerpoint/2015/main" xmlns="" val="1"/>
                   </p:ext>
                 </p:extLst>
               </p:nvPr>
@@ -18398,10 +18068,10 @@
               <p:cNvPr id="197" name="Freeform 30">
                 <a:extLst>
                   <a:ext uri="{FF2B5EF4-FFF2-40B4-BE49-F238E27FC236}">
-                    <a16:creationId xmlns="" xmlns:a16="http://schemas.microsoft.com/office/drawing/2014/main" id="{DFF31CA2-144E-493E-A135-83B83452ABC7}"/>
+                    <a16:creationId xmlns:a16="http://schemas.microsoft.com/office/drawing/2014/main" xmlns="" id="{DFF31CA2-144E-493E-A135-83B83452ABC7}"/>
                   </a:ext>
                   <a:ext uri="{C183D7F6-B498-43B3-948B-1728B52AA6E4}">
-                    <adec:decorative xmlns="" xmlns:adec="http://schemas.microsoft.com/office/drawing/2017/decorative" val="1"/>
+                    <adec:decorative xmlns:adec="http://schemas.microsoft.com/office/drawing/2017/decorative" xmlns="" val="1"/>
                   </a:ext>
                 </a:extLst>
               </p:cNvPr>
@@ -18409,7 +18079,7 @@
               <p:nvPr>
                 <p:extLst>
                   <p:ext uri="{386F3935-93C4-4BCD-93E2-E3B085C9AB24}">
-                    <p16:designElem xmlns="" xmlns:p16="http://schemas.microsoft.com/office/powerpoint/2015/main" val="1"/>
+                    <p16:designElem xmlns:p16="http://schemas.microsoft.com/office/powerpoint/2015/main" xmlns="" val="1"/>
                   </p:ext>
                 </p:extLst>
               </p:nvPr>
@@ -18478,10 +18148,10 @@
               <p:cNvPr id="198" name="Freeform 31">
                 <a:extLst>
                   <a:ext uri="{FF2B5EF4-FFF2-40B4-BE49-F238E27FC236}">
-                    <a16:creationId xmlns="" xmlns:a16="http://schemas.microsoft.com/office/drawing/2014/main" id="{C1ED7F8F-8F7D-4634-8EF1-3DC871518A42}"/>
+                    <a16:creationId xmlns:a16="http://schemas.microsoft.com/office/drawing/2014/main" xmlns="" id="{C1ED7F8F-8F7D-4634-8EF1-3DC871518A42}"/>
                   </a:ext>
                   <a:ext uri="{C183D7F6-B498-43B3-948B-1728B52AA6E4}">
-                    <adec:decorative xmlns="" xmlns:adec="http://schemas.microsoft.com/office/drawing/2017/decorative" val="1"/>
+                    <adec:decorative xmlns:adec="http://schemas.microsoft.com/office/drawing/2017/decorative" xmlns="" val="1"/>
                   </a:ext>
                 </a:extLst>
               </p:cNvPr>
@@ -18491,7 +18161,7 @@
               <p:nvPr>
                 <p:extLst>
                   <p:ext uri="{386F3935-93C4-4BCD-93E2-E3B085C9AB24}">
-                    <p16:designElem xmlns="" xmlns:p16="http://schemas.microsoft.com/office/powerpoint/2015/main" val="1"/>
+                    <p16:designElem xmlns:p16="http://schemas.microsoft.com/office/powerpoint/2015/main" xmlns="" val="1"/>
                   </p:ext>
                 </p:extLst>
               </p:nvPr>
@@ -18614,10 +18284,10 @@
             <p:cNvPr id="161" name="Group 160">
               <a:extLst>
                 <a:ext uri="{FF2B5EF4-FFF2-40B4-BE49-F238E27FC236}">
-                  <a16:creationId xmlns="" xmlns:a16="http://schemas.microsoft.com/office/drawing/2014/main" id="{C51DBAB3-1986-470D-B778-24F7953C79C0}"/>
+                  <a16:creationId xmlns:a16="http://schemas.microsoft.com/office/drawing/2014/main" xmlns="" id="{C51DBAB3-1986-470D-B778-24F7953C79C0}"/>
                 </a:ext>
                 <a:ext uri="{C183D7F6-B498-43B3-948B-1728B52AA6E4}">
-                  <adec:decorative xmlns="" xmlns:adec="http://schemas.microsoft.com/office/drawing/2017/decorative" val="1"/>
+                  <adec:decorative xmlns:adec="http://schemas.microsoft.com/office/drawing/2017/decorative" xmlns="" val="1"/>
                 </a:ext>
               </a:extLst>
             </p:cNvPr>
@@ -18625,7 +18295,7 @@
             <p:nvPr>
               <p:extLst>
                 <p:ext uri="{386F3935-93C4-4BCD-93E2-E3B085C9AB24}">
-                  <p16:designElem xmlns="" xmlns:p16="http://schemas.microsoft.com/office/powerpoint/2015/main" val="1"/>
+                  <p16:designElem xmlns:p16="http://schemas.microsoft.com/office/powerpoint/2015/main" xmlns="" val="1"/>
                 </p:ext>
               </p:extLst>
             </p:nvPr>
@@ -18661,10 +18331,10 @@
               <p:cNvPr id="162" name="Freeform 32">
                 <a:extLst>
                   <a:ext uri="{FF2B5EF4-FFF2-40B4-BE49-F238E27FC236}">
-                    <a16:creationId xmlns="" xmlns:a16="http://schemas.microsoft.com/office/drawing/2014/main" id="{921E27E2-FB87-421E-898F-0AD31CBC4931}"/>
+                    <a16:creationId xmlns:a16="http://schemas.microsoft.com/office/drawing/2014/main" xmlns="" id="{921E27E2-FB87-421E-898F-0AD31CBC4931}"/>
                   </a:ext>
                   <a:ext uri="{C183D7F6-B498-43B3-948B-1728B52AA6E4}">
-                    <adec:decorative xmlns="" xmlns:adec="http://schemas.microsoft.com/office/drawing/2017/decorative" val="1"/>
+                    <adec:decorative xmlns:adec="http://schemas.microsoft.com/office/drawing/2017/decorative" xmlns="" val="1"/>
                   </a:ext>
                 </a:extLst>
               </p:cNvPr>
@@ -18672,7 +18342,7 @@
               <p:nvPr>
                 <p:extLst>
                   <p:ext uri="{386F3935-93C4-4BCD-93E2-E3B085C9AB24}">
-                    <p16:designElem xmlns="" xmlns:p16="http://schemas.microsoft.com/office/powerpoint/2015/main" val="1"/>
+                    <p16:designElem xmlns:p16="http://schemas.microsoft.com/office/powerpoint/2015/main" xmlns="" val="1"/>
                   </p:ext>
                 </p:extLst>
               </p:nvPr>
@@ -18741,10 +18411,10 @@
               <p:cNvPr id="163" name="Freeform 33">
                 <a:extLst>
                   <a:ext uri="{FF2B5EF4-FFF2-40B4-BE49-F238E27FC236}">
-                    <a16:creationId xmlns="" xmlns:a16="http://schemas.microsoft.com/office/drawing/2014/main" id="{C9479707-E515-4B3C-9493-72190DDB2E65}"/>
+                    <a16:creationId xmlns:a16="http://schemas.microsoft.com/office/drawing/2014/main" xmlns="" id="{C9479707-E515-4B3C-9493-72190DDB2E65}"/>
                   </a:ext>
                   <a:ext uri="{C183D7F6-B498-43B3-948B-1728B52AA6E4}">
-                    <adec:decorative xmlns="" xmlns:adec="http://schemas.microsoft.com/office/drawing/2017/decorative" val="1"/>
+                    <adec:decorative xmlns:adec="http://schemas.microsoft.com/office/drawing/2017/decorative" xmlns="" val="1"/>
                   </a:ext>
                 </a:extLst>
               </p:cNvPr>
@@ -18754,7 +18424,7 @@
               <p:nvPr>
                 <p:extLst>
                   <p:ext uri="{386F3935-93C4-4BCD-93E2-E3B085C9AB24}">
-                    <p16:designElem xmlns="" xmlns:p16="http://schemas.microsoft.com/office/powerpoint/2015/main" val="1"/>
+                    <p16:designElem xmlns:p16="http://schemas.microsoft.com/office/powerpoint/2015/main" xmlns="" val="1"/>
                   </p:ext>
                 </p:extLst>
               </p:nvPr>
@@ -18871,10 +18541,10 @@
               <p:cNvPr id="164" name="Freeform 34">
                 <a:extLst>
                   <a:ext uri="{FF2B5EF4-FFF2-40B4-BE49-F238E27FC236}">
-                    <a16:creationId xmlns="" xmlns:a16="http://schemas.microsoft.com/office/drawing/2014/main" id="{9FF90DFA-7702-4558-8B3D-756D81D85A01}"/>
+                    <a16:creationId xmlns:a16="http://schemas.microsoft.com/office/drawing/2014/main" xmlns="" id="{9FF90DFA-7702-4558-8B3D-756D81D85A01}"/>
                   </a:ext>
                   <a:ext uri="{C183D7F6-B498-43B3-948B-1728B52AA6E4}">
-                    <adec:decorative xmlns="" xmlns:adec="http://schemas.microsoft.com/office/drawing/2017/decorative" val="1"/>
+                    <adec:decorative xmlns:adec="http://schemas.microsoft.com/office/drawing/2017/decorative" xmlns="" val="1"/>
                   </a:ext>
                 </a:extLst>
               </p:cNvPr>
@@ -18884,7 +18554,7 @@
               <p:nvPr>
                 <p:extLst>
                   <p:ext uri="{386F3935-93C4-4BCD-93E2-E3B085C9AB24}">
-                    <p16:designElem xmlns="" xmlns:p16="http://schemas.microsoft.com/office/powerpoint/2015/main" val="1"/>
+                    <p16:designElem xmlns:p16="http://schemas.microsoft.com/office/powerpoint/2015/main" xmlns="" val="1"/>
                   </p:ext>
                 </p:extLst>
               </p:nvPr>
@@ -18976,10 +18646,10 @@
               <p:cNvPr id="165" name="Freeform 35">
                 <a:extLst>
                   <a:ext uri="{FF2B5EF4-FFF2-40B4-BE49-F238E27FC236}">
-                    <a16:creationId xmlns="" xmlns:a16="http://schemas.microsoft.com/office/drawing/2014/main" id="{558A4777-3BE1-4000-9CB4-73048552F58F}"/>
+                    <a16:creationId xmlns:a16="http://schemas.microsoft.com/office/drawing/2014/main" xmlns="" id="{558A4777-3BE1-4000-9CB4-73048552F58F}"/>
                   </a:ext>
                   <a:ext uri="{C183D7F6-B498-43B3-948B-1728B52AA6E4}">
-                    <adec:decorative xmlns="" xmlns:adec="http://schemas.microsoft.com/office/drawing/2017/decorative" val="1"/>
+                    <adec:decorative xmlns:adec="http://schemas.microsoft.com/office/drawing/2017/decorative" xmlns="" val="1"/>
                   </a:ext>
                 </a:extLst>
               </p:cNvPr>
@@ -18987,7 +18657,7 @@
               <p:nvPr>
                 <p:extLst>
                   <p:ext uri="{386F3935-93C4-4BCD-93E2-E3B085C9AB24}">
-                    <p16:designElem xmlns="" xmlns:p16="http://schemas.microsoft.com/office/powerpoint/2015/main" val="1"/>
+                    <p16:designElem xmlns:p16="http://schemas.microsoft.com/office/powerpoint/2015/main" xmlns="" val="1"/>
                   </p:ext>
                 </p:extLst>
               </p:nvPr>
@@ -19056,10 +18726,10 @@
               <p:cNvPr id="166" name="Freeform 36">
                 <a:extLst>
                   <a:ext uri="{FF2B5EF4-FFF2-40B4-BE49-F238E27FC236}">
-                    <a16:creationId xmlns="" xmlns:a16="http://schemas.microsoft.com/office/drawing/2014/main" id="{2A041A71-3C90-472C-AC37-21EFE0786D2B}"/>
+                    <a16:creationId xmlns:a16="http://schemas.microsoft.com/office/drawing/2014/main" xmlns="" id="{2A041A71-3C90-472C-AC37-21EFE0786D2B}"/>
                   </a:ext>
                   <a:ext uri="{C183D7F6-B498-43B3-948B-1728B52AA6E4}">
-                    <adec:decorative xmlns="" xmlns:adec="http://schemas.microsoft.com/office/drawing/2017/decorative" val="1"/>
+                    <adec:decorative xmlns:adec="http://schemas.microsoft.com/office/drawing/2017/decorative" xmlns="" val="1"/>
                   </a:ext>
                 </a:extLst>
               </p:cNvPr>
@@ -19069,7 +18739,7 @@
               <p:nvPr>
                 <p:extLst>
                   <p:ext uri="{386F3935-93C4-4BCD-93E2-E3B085C9AB24}">
-                    <p16:designElem xmlns="" xmlns:p16="http://schemas.microsoft.com/office/powerpoint/2015/main" val="1"/>
+                    <p16:designElem xmlns:p16="http://schemas.microsoft.com/office/powerpoint/2015/main" xmlns="" val="1"/>
                   </p:ext>
                 </p:extLst>
               </p:nvPr>
@@ -19161,10 +18831,10 @@
               <p:cNvPr id="167" name="Freeform 37">
                 <a:extLst>
                   <a:ext uri="{FF2B5EF4-FFF2-40B4-BE49-F238E27FC236}">
-                    <a16:creationId xmlns="" xmlns:a16="http://schemas.microsoft.com/office/drawing/2014/main" id="{8FC1DCF1-A0C3-4803-9B5B-29A6C245A4EC}"/>
+                    <a16:creationId xmlns:a16="http://schemas.microsoft.com/office/drawing/2014/main" xmlns="" id="{8FC1DCF1-A0C3-4803-9B5B-29A6C245A4EC}"/>
                   </a:ext>
                   <a:ext uri="{C183D7F6-B498-43B3-948B-1728B52AA6E4}">
-                    <adec:decorative xmlns="" xmlns:adec="http://schemas.microsoft.com/office/drawing/2017/decorative" val="1"/>
+                    <adec:decorative xmlns:adec="http://schemas.microsoft.com/office/drawing/2017/decorative" xmlns="" val="1"/>
                   </a:ext>
                 </a:extLst>
               </p:cNvPr>
@@ -19172,7 +18842,7 @@
               <p:nvPr>
                 <p:extLst>
                   <p:ext uri="{386F3935-93C4-4BCD-93E2-E3B085C9AB24}">
-                    <p16:designElem xmlns="" xmlns:p16="http://schemas.microsoft.com/office/powerpoint/2015/main" val="1"/>
+                    <p16:designElem xmlns:p16="http://schemas.microsoft.com/office/powerpoint/2015/main" xmlns="" val="1"/>
                   </p:ext>
                 </p:extLst>
               </p:nvPr>
@@ -19244,10 +18914,10 @@
               <p:cNvPr id="168" name="Freeform 38">
                 <a:extLst>
                   <a:ext uri="{FF2B5EF4-FFF2-40B4-BE49-F238E27FC236}">
-                    <a16:creationId xmlns="" xmlns:a16="http://schemas.microsoft.com/office/drawing/2014/main" id="{71612D3E-4DBC-49B9-86B5-FCD82B1B1E12}"/>
+                    <a16:creationId xmlns:a16="http://schemas.microsoft.com/office/drawing/2014/main" xmlns="" id="{71612D3E-4DBC-49B9-86B5-FCD82B1B1E12}"/>
                   </a:ext>
                   <a:ext uri="{C183D7F6-B498-43B3-948B-1728B52AA6E4}">
-                    <adec:decorative xmlns="" xmlns:adec="http://schemas.microsoft.com/office/drawing/2017/decorative" val="1"/>
+                    <adec:decorative xmlns:adec="http://schemas.microsoft.com/office/drawing/2017/decorative" xmlns="" val="1"/>
                   </a:ext>
                 </a:extLst>
               </p:cNvPr>
@@ -19257,7 +18927,7 @@
               <p:nvPr>
                 <p:extLst>
                   <p:ext uri="{386F3935-93C4-4BCD-93E2-E3B085C9AB24}">
-                    <p16:designElem xmlns="" xmlns:p16="http://schemas.microsoft.com/office/powerpoint/2015/main" val="1"/>
+                    <p16:designElem xmlns:p16="http://schemas.microsoft.com/office/powerpoint/2015/main" xmlns="" val="1"/>
                   </p:ext>
                 </p:extLst>
               </p:nvPr>
@@ -19349,10 +19019,10 @@
               <p:cNvPr id="169" name="Freeform 39">
                 <a:extLst>
                   <a:ext uri="{FF2B5EF4-FFF2-40B4-BE49-F238E27FC236}">
-                    <a16:creationId xmlns="" xmlns:a16="http://schemas.microsoft.com/office/drawing/2014/main" id="{CB1CF104-08B0-46F6-ABBF-649AC5A702DD}"/>
+                    <a16:creationId xmlns:a16="http://schemas.microsoft.com/office/drawing/2014/main" xmlns="" id="{CB1CF104-08B0-46F6-ABBF-649AC5A702DD}"/>
                   </a:ext>
                   <a:ext uri="{C183D7F6-B498-43B3-948B-1728B52AA6E4}">
-                    <adec:decorative xmlns="" xmlns:adec="http://schemas.microsoft.com/office/drawing/2017/decorative" val="1"/>
+                    <adec:decorative xmlns:adec="http://schemas.microsoft.com/office/drawing/2017/decorative" xmlns="" val="1"/>
                   </a:ext>
                 </a:extLst>
               </p:cNvPr>
@@ -19360,7 +19030,7 @@
               <p:nvPr>
                 <p:extLst>
                   <p:ext uri="{386F3935-93C4-4BCD-93E2-E3B085C9AB24}">
-                    <p16:designElem xmlns="" xmlns:p16="http://schemas.microsoft.com/office/powerpoint/2015/main" val="1"/>
+                    <p16:designElem xmlns:p16="http://schemas.microsoft.com/office/powerpoint/2015/main" xmlns="" val="1"/>
                   </p:ext>
                 </p:extLst>
               </p:nvPr>
@@ -19432,10 +19102,10 @@
               <p:cNvPr id="170" name="Freeform 40">
                 <a:extLst>
                   <a:ext uri="{FF2B5EF4-FFF2-40B4-BE49-F238E27FC236}">
-                    <a16:creationId xmlns="" xmlns:a16="http://schemas.microsoft.com/office/drawing/2014/main" id="{FCE7D9F8-F405-4677-A45F-EDBB7F168560}"/>
+                    <a16:creationId xmlns:a16="http://schemas.microsoft.com/office/drawing/2014/main" xmlns="" id="{FCE7D9F8-F405-4677-A45F-EDBB7F168560}"/>
                   </a:ext>
                   <a:ext uri="{C183D7F6-B498-43B3-948B-1728B52AA6E4}">
-                    <adec:decorative xmlns="" xmlns:adec="http://schemas.microsoft.com/office/drawing/2017/decorative" val="1"/>
+                    <adec:decorative xmlns:adec="http://schemas.microsoft.com/office/drawing/2017/decorative" xmlns="" val="1"/>
                   </a:ext>
                 </a:extLst>
               </p:cNvPr>
@@ -19445,7 +19115,7 @@
               <p:nvPr>
                 <p:extLst>
                   <p:ext uri="{386F3935-93C4-4BCD-93E2-E3B085C9AB24}">
-                    <p16:designElem xmlns="" xmlns:p16="http://schemas.microsoft.com/office/powerpoint/2015/main" val="1"/>
+                    <p16:designElem xmlns:p16="http://schemas.microsoft.com/office/powerpoint/2015/main" xmlns="" val="1"/>
                   </p:ext>
                 </p:extLst>
               </p:nvPr>
@@ -19537,10 +19207,10 @@
               <p:cNvPr id="171" name="Rectangle 41">
                 <a:extLst>
                   <a:ext uri="{FF2B5EF4-FFF2-40B4-BE49-F238E27FC236}">
-                    <a16:creationId xmlns="" xmlns:a16="http://schemas.microsoft.com/office/drawing/2014/main" id="{7347872F-3F7B-4ADF-BC95-429727E82D1E}"/>
+                    <a16:creationId xmlns:a16="http://schemas.microsoft.com/office/drawing/2014/main" xmlns="" id="{7347872F-3F7B-4ADF-BC95-429727E82D1E}"/>
                   </a:ext>
                   <a:ext uri="{C183D7F6-B498-43B3-948B-1728B52AA6E4}">
-                    <adec:decorative xmlns="" xmlns:adec="http://schemas.microsoft.com/office/drawing/2017/decorative" val="1"/>
+                    <adec:decorative xmlns:adec="http://schemas.microsoft.com/office/drawing/2017/decorative" xmlns="" val="1"/>
                   </a:ext>
                 </a:extLst>
               </p:cNvPr>
@@ -19550,7 +19220,7 @@
               <p:nvPr>
                 <p:extLst>
                   <p:ext uri="{386F3935-93C4-4BCD-93E2-E3B085C9AB24}">
-                    <p16:designElem xmlns="" xmlns:p16="http://schemas.microsoft.com/office/powerpoint/2015/main" val="1"/>
+                    <p16:designElem xmlns:p16="http://schemas.microsoft.com/office/powerpoint/2015/main" xmlns="" val="1"/>
                   </p:ext>
                 </p:extLst>
               </p:nvPr>
@@ -19583,87 +19253,12 @@
           </p:sp>
         </p:grpSp>
       </p:grpSp>
-      <p:pic>
-        <p:nvPicPr>
-          <p:cNvPr id="13" name="Рисунок 12" descr="Изображение выглядит как мультфильм, снимок экрана, пиксель&#10;&#10;Содержимое, созданное ИИ, может быть неверным.">
-            <a:extLst>
-              <a:ext uri="{FF2B5EF4-FFF2-40B4-BE49-F238E27FC236}">
-                <a16:creationId xmlns="" xmlns:a16="http://schemas.microsoft.com/office/drawing/2014/main" id="{2FB38E68-214C-BFF5-86A8-88A58F761851}"/>
-              </a:ext>
-            </a:extLst>
-          </p:cNvPr>
-          <p:cNvPicPr>
-            <a:picLocks noChangeAspect="1"/>
-          </p:cNvPicPr>
-          <p:nvPr/>
-        </p:nvPicPr>
-        <p:blipFill>
-          <a:blip r:embed="rId3"/>
-          <a:srcRect l="13447" r="6522" b="1"/>
-          <a:stretch/>
-        </p:blipFill>
-        <p:spPr>
-          <a:xfrm>
-            <a:off x="6739464" y="213778"/>
-            <a:ext cx="3275753" cy="2235866"/>
-          </a:xfrm>
-          <a:custGeom>
-            <a:avLst/>
-            <a:gdLst/>
-            <a:ahLst/>
-            <a:cxnLst/>
-            <a:rect l="l" t="t" r="r" b="b"/>
-            <a:pathLst>
-              <a:path w="3425199" h="2337870">
-                <a:moveTo>
-                  <a:pt x="166465" y="0"/>
-                </a:moveTo>
-                <a:lnTo>
-                  <a:pt x="3425199" y="0"/>
-                </a:lnTo>
-                <a:lnTo>
-                  <a:pt x="3425199" y="2337870"/>
-                </a:lnTo>
-                <a:lnTo>
-                  <a:pt x="0" y="2337870"/>
-                </a:lnTo>
-                <a:lnTo>
-                  <a:pt x="0" y="166465"/>
-                </a:lnTo>
-                <a:cubicBezTo>
-                  <a:pt x="0" y="74529"/>
-                  <a:pt x="74529" y="0"/>
-                  <a:pt x="166465" y="0"/>
-                </a:cubicBezTo>
-                <a:close/>
-              </a:path>
-            </a:pathLst>
-          </a:custGeom>
-          <a:ln w="19050" cap="sq">
-            <a:solidFill>
-              <a:schemeClr val="tx2">
-                <a:lumMod val="60000"/>
-                <a:lumOff val="40000"/>
-                <a:alpha val="60000"/>
-              </a:schemeClr>
-            </a:solidFill>
-            <a:miter lim="800000"/>
-          </a:ln>
-          <a:effectLst>
-            <a:outerShdw blurRad="88900" dist="38100" dir="5400000" algn="t" rotWithShape="0">
-              <a:prstClr val="black">
-                <a:alpha val="40000"/>
-              </a:prstClr>
-            </a:outerShdw>
-          </a:effectLst>
-        </p:spPr>
-      </p:pic>
       <p:sp>
         <p:nvSpPr>
           <p:cNvPr id="47" name="Текст 3">
             <a:extLst>
               <a:ext uri="{FF2B5EF4-FFF2-40B4-BE49-F238E27FC236}">
-                <a16:creationId xmlns="" xmlns:a16="http://schemas.microsoft.com/office/drawing/2014/main" id="{E5EE694F-3AC9-88C5-4C84-87A342C254CD}"/>
+                <a16:creationId xmlns:a16="http://schemas.microsoft.com/office/drawing/2014/main" xmlns="" id="{E5EE694F-3AC9-88C5-4C84-87A342C254CD}"/>
               </a:ext>
             </a:extLst>
           </p:cNvPr>
@@ -19861,283 +19456,176 @@
             </a:lvl9pPr>
           </a:lstStyle>
           <a:p>
-            <a:pPr marL="285750" indent="-285750">
-              <a:buFont typeface="Arial" pitchFamily="34" charset="0"/>
-              <a:buChar char="•"/>
-            </a:pPr>
-            <a:r>
-              <a:rPr lang="ru-RU" sz="1400" dirty="0">
-                <a:latin typeface="Calibri"/>
-                <a:ea typeface="Calibri"/>
-                <a:cs typeface="Calibri"/>
-              </a:rPr>
-              <a:t>Пошаговая стратегия: Геймплей основан на пошаговых кругах, где игроки планируют стратегические действия юнитов и городов.</a:t>
-            </a:r>
-            <a:endParaRPr lang="ru-RU" sz="1400" dirty="0">
-              <a:ea typeface="Calibri"/>
-            </a:endParaRPr>
-          </a:p>
-          <a:p>
-            <a:pPr marL="285750" indent="-285750">
-              <a:buFont typeface="Arial" pitchFamily="34" charset="0"/>
-              <a:buChar char="•"/>
-            </a:pPr>
-            <a:r>
-              <a:rPr lang="ru-RU" sz="1400" dirty="0">
-                <a:ea typeface="Calibri"/>
-              </a:rPr>
-              <a:t>Исследование и передвижение: Игроки исследуют карту, используя юнитов. Доступные клетки и враги подсвечиваются для навигации и планирования.</a:t>
-            </a:r>
-          </a:p>
-          <a:p>
-            <a:pPr marL="285750" indent="-285750">
-              <a:buFont typeface="Arial" pitchFamily="34" charset="0"/>
-              <a:buChar char="•"/>
-            </a:pPr>
-            <a:r>
-              <a:rPr lang="ru-RU" sz="1400" dirty="0">
-                <a:ea typeface="Calibri"/>
-              </a:rPr>
-              <a:t>Боевая система: Юниты и города участвуют в боях, атакуя противников. </a:t>
-            </a:r>
-            <a:endParaRPr lang="en-US" sz="1400" dirty="0" smtClean="0">
-              <a:ea typeface="Calibri"/>
-            </a:endParaRPr>
-          </a:p>
-          <a:p>
-            <a:pPr marL="285750" indent="-285750">
-              <a:buFont typeface="Arial" pitchFamily="34" charset="0"/>
-              <a:buChar char="•"/>
-            </a:pPr>
-            <a:r>
-              <a:rPr lang="ru-RU" sz="1400" dirty="0" smtClean="0">
-                <a:ea typeface="Calibri"/>
-              </a:rPr>
-              <a:t>Сохранение и загрузка: полностью реализована системы сохранения и загрузки сохраненной игры</a:t>
-            </a:r>
-            <a:endParaRPr lang="en-US" sz="1400" dirty="0" smtClean="0">
-              <a:ea typeface="Calibri"/>
-            </a:endParaRPr>
-          </a:p>
-          <a:p>
-            <a:pPr marL="285750" indent="-285750">
-              <a:buFont typeface="Arial" pitchFamily="34" charset="0"/>
-              <a:buChar char="•"/>
-            </a:pPr>
-            <a:r>
-              <a:rPr lang="ru-RU" sz="1400" dirty="0" smtClean="0">
-                <a:ea typeface="Calibri"/>
-              </a:rPr>
-              <a:t>Управление </a:t>
-            </a:r>
-            <a:r>
-              <a:rPr lang="ru-RU" sz="1400" dirty="0">
-                <a:ea typeface="Calibri"/>
-              </a:rPr>
-              <a:t>городом: Меню города позволяет возводить </a:t>
-            </a:r>
-            <a:r>
-              <a:rPr lang="ru-RU" sz="1400" dirty="0" smtClean="0">
-                <a:ea typeface="Calibri"/>
-              </a:rPr>
-              <a:t>здания, создавать новые города и </a:t>
-            </a:r>
-            <a:r>
-              <a:rPr lang="ru-RU" sz="1400" dirty="0">
-                <a:ea typeface="Calibri"/>
-              </a:rPr>
-              <a:t>производить юнитов, развивая экономику и военный потенциал.</a:t>
-            </a:r>
-          </a:p>
-          <a:p>
-            <a:pPr marL="285750" indent="-285750">
-              <a:buFont typeface="Arial" pitchFamily="34" charset="0"/>
-              <a:buChar char="•"/>
-            </a:pPr>
-            <a:r>
-              <a:rPr lang="ru-RU" sz="1400" dirty="0">
-                <a:ea typeface="Calibri"/>
-              </a:rPr>
-              <a:t>Индикация и информация: Интерфейс использует подсветку, индикаторы здоровья и всплывающие подсказки для наглядности и предоставления игровой информации.</a:t>
-            </a:r>
-          </a:p>
-          <a:p>
-            <a:pPr marL="285750" indent="-285750">
-              <a:buFont typeface="Arial" pitchFamily="34" charset="0"/>
-              <a:buChar char="•"/>
-            </a:pPr>
-            <a:r>
-              <a:rPr lang="ru-RU" sz="1400" dirty="0">
-                <a:ea typeface="Calibri"/>
-              </a:rPr>
-              <a:t>Цель - уничтожение противника: Победа достигается путем уничтожения всех вражеских </a:t>
-            </a:r>
-            <a:r>
-              <a:rPr lang="ru-RU" sz="1400" dirty="0" smtClean="0">
-                <a:ea typeface="Calibri"/>
-              </a:rPr>
-              <a:t>юнитов </a:t>
-            </a:r>
-            <a:r>
-              <a:rPr lang="ru-RU" sz="1400" dirty="0">
-                <a:ea typeface="Calibri"/>
-              </a:rPr>
-              <a:t>в режиме "Каждый сам за себя".</a:t>
-            </a:r>
+            <a:r>
+              <a:rPr lang="ru-RU" sz="1400" b="1" dirty="0" smtClean="0"/>
+              <a:t>Режим "</a:t>
+            </a:r>
+            <a:r>
+              <a:rPr lang="ru-RU" sz="1400" b="1" dirty="0" err="1" smtClean="0"/>
+              <a:t>Single</a:t>
+            </a:r>
+            <a:r>
+              <a:rPr lang="ru-RU" sz="1400" b="1" dirty="0" smtClean="0"/>
+              <a:t>":</a:t>
+            </a:r>
+            <a:endParaRPr lang="ru-RU" sz="1400" dirty="0" smtClean="0"/>
+          </a:p>
+          <a:p>
+            <a:pPr lvl="1"/>
+            <a:r>
+              <a:rPr lang="ru-RU" sz="1300" dirty="0" smtClean="0"/>
+              <a:t>Выбор провайдера (</a:t>
+            </a:r>
+            <a:r>
+              <a:rPr lang="ru-RU" sz="1300" b="1" dirty="0" err="1" smtClean="0"/>
+              <a:t>Gemini</a:t>
+            </a:r>
+            <a:r>
+              <a:rPr lang="ru-RU" sz="1300" dirty="0" smtClean="0"/>
+              <a:t>, </a:t>
+            </a:r>
+            <a:r>
+              <a:rPr lang="ru-RU" sz="1300" b="1" dirty="0" err="1" smtClean="0"/>
+              <a:t>Llama</a:t>
+            </a:r>
+            <a:r>
+              <a:rPr lang="ru-RU" sz="1300" dirty="0" smtClean="0"/>
+              <a:t> и т.д.) и конкретной модели.</a:t>
+            </a:r>
+          </a:p>
+          <a:p>
+            <a:pPr lvl="1"/>
+            <a:r>
+              <a:rPr lang="ru-RU" sz="1300" dirty="0" smtClean="0"/>
+              <a:t>Прямой диалог с выбранной AI: отправка запросов (текст, голос, фото) и получение ответов.</a:t>
+            </a:r>
+          </a:p>
+          <a:p>
+            <a:r>
+              <a:rPr lang="ru-RU" sz="1400" b="1" dirty="0" smtClean="0"/>
+              <a:t>Режим "</a:t>
+            </a:r>
+            <a:r>
+              <a:rPr lang="ru-RU" sz="1400" b="1" dirty="0" err="1" smtClean="0"/>
+              <a:t>Arena</a:t>
+            </a:r>
+            <a:r>
+              <a:rPr lang="ru-RU" sz="1400" b="1" dirty="0" smtClean="0"/>
+              <a:t>":</a:t>
+            </a:r>
+            <a:endParaRPr lang="ru-RU" sz="1400" dirty="0" smtClean="0"/>
+          </a:p>
+          <a:p>
+            <a:pPr lvl="1"/>
+            <a:r>
+              <a:rPr lang="ru-RU" sz="1300" dirty="0" smtClean="0"/>
+              <a:t>Сравнение производительности AI: пользователь отправляет запрос.</a:t>
+            </a:r>
+          </a:p>
+          <a:p>
+            <a:pPr lvl="1"/>
+            <a:r>
+              <a:rPr lang="ru-RU" sz="1300" dirty="0" smtClean="0"/>
+              <a:t>Автоматический подбор двух случайных моделей соответствующего типа (текст/изображение).</a:t>
+            </a:r>
+          </a:p>
+          <a:p>
+            <a:pPr lvl="1"/>
+            <a:r>
+              <a:rPr lang="ru-RU" sz="1300" dirty="0" smtClean="0"/>
+              <a:t>Отображение ответов от обеих моделей.</a:t>
+            </a:r>
+          </a:p>
+          <a:p>
+            <a:pPr lvl="1"/>
+            <a:r>
+              <a:rPr lang="ru-RU" sz="1300" dirty="0" smtClean="0"/>
+              <a:t>Голосование пользователя за лучший результат.</a:t>
+            </a:r>
+          </a:p>
+          <a:p>
+            <a:r>
+              <a:rPr lang="ru-RU" sz="1400" b="1" dirty="0" smtClean="0"/>
+              <a:t>Поддержка различных вводов:</a:t>
+            </a:r>
+            <a:endParaRPr lang="ru-RU" sz="1400" dirty="0" smtClean="0"/>
+          </a:p>
+          <a:p>
+            <a:pPr lvl="1"/>
+            <a:r>
+              <a:rPr lang="ru-RU" sz="1300" b="1" dirty="0" smtClean="0"/>
+              <a:t>Текст:</a:t>
+            </a:r>
+            <a:r>
+              <a:rPr lang="ru-RU" sz="1300" dirty="0" smtClean="0"/>
+              <a:t> Прямая обработка текстовыми и генеративными моделями.</a:t>
+            </a:r>
+          </a:p>
+          <a:p>
+            <a:pPr lvl="1"/>
+            <a:r>
+              <a:rPr lang="ru-RU" sz="1300" b="1" dirty="0" smtClean="0"/>
+              <a:t>Голос:</a:t>
+            </a:r>
+            <a:r>
+              <a:rPr lang="ru-RU" sz="1300" dirty="0" smtClean="0"/>
+              <a:t> Автоматическая </a:t>
+            </a:r>
+            <a:r>
+              <a:rPr lang="ru-RU" sz="1300" dirty="0" err="1" smtClean="0"/>
+              <a:t>транскрибация</a:t>
+            </a:r>
+            <a:r>
+              <a:rPr lang="ru-RU" sz="1300" dirty="0" smtClean="0"/>
+              <a:t> через </a:t>
+            </a:r>
+            <a:r>
+              <a:rPr lang="ru-RU" sz="1300" dirty="0" err="1" smtClean="0"/>
+              <a:t>Whisper</a:t>
+            </a:r>
+            <a:r>
+              <a:rPr lang="ru-RU" sz="1300" dirty="0" smtClean="0"/>
+              <a:t> -&gt; передача текста в AI.</a:t>
+            </a:r>
+          </a:p>
+          <a:p>
+            <a:pPr lvl="1"/>
+            <a:r>
+              <a:rPr lang="ru-RU" sz="1300" b="1" dirty="0" smtClean="0"/>
+              <a:t>Изображения:</a:t>
+            </a:r>
+            <a:r>
+              <a:rPr lang="ru-RU" sz="1300" dirty="0" smtClean="0"/>
+              <a:t> Анализ содержания (</a:t>
+            </a:r>
+            <a:r>
+              <a:rPr lang="ru-RU" sz="1300" b="1" dirty="0" err="1" smtClean="0"/>
+              <a:t>ImgToText</a:t>
+            </a:r>
+            <a:r>
+              <a:rPr lang="ru-RU" sz="1300" dirty="0" smtClean="0"/>
+              <a:t>) или использование как части запроса к </a:t>
+            </a:r>
+            <a:r>
+              <a:rPr lang="ru-RU" sz="1300" dirty="0" err="1" smtClean="0"/>
+              <a:t>мультимодальным</a:t>
+            </a:r>
+            <a:r>
+              <a:rPr lang="ru-RU" sz="1300" dirty="0" smtClean="0"/>
+              <a:t> моделям; генерация изображений (</a:t>
+            </a:r>
+            <a:r>
+              <a:rPr lang="ru-RU" sz="1300" b="1" dirty="0" err="1" smtClean="0"/>
+              <a:t>TextToImg</a:t>
+            </a:r>
+            <a:r>
+              <a:rPr lang="ru-RU" sz="1300" dirty="0" smtClean="0"/>
+              <a:t>).</a:t>
+            </a:r>
+            <a:endParaRPr lang="ru-RU" sz="1300" dirty="0"/>
           </a:p>
         </p:txBody>
       </p:sp>
-      <p:pic>
-        <p:nvPicPr>
-          <p:cNvPr id="48" name="Рисунок 47" descr="Изображение выглядит как текст, снимок экрана, Шрифт&#10;&#10;Содержимое, созданное ИИ, может быть неверным.">
-            <a:extLst>
-              <a:ext uri="{FF2B5EF4-FFF2-40B4-BE49-F238E27FC236}">
-                <a16:creationId xmlns="" xmlns:a16="http://schemas.microsoft.com/office/drawing/2014/main" id="{B1FBAE66-FFF7-8173-B7C9-52F98A30EB6A}"/>
-              </a:ext>
-            </a:extLst>
-          </p:cNvPr>
-          <p:cNvPicPr>
-            <a:picLocks noChangeAspect="1"/>
-          </p:cNvPicPr>
-          <p:nvPr/>
-        </p:nvPicPr>
-        <p:blipFill>
-          <a:blip r:embed="rId4"/>
-          <a:srcRect r="6620"/>
-          <a:stretch/>
-        </p:blipFill>
-        <p:spPr>
-          <a:xfrm>
-            <a:off x="6739462" y="4484555"/>
-            <a:ext cx="3275755" cy="2235867"/>
-          </a:xfrm>
-          <a:custGeom>
-            <a:avLst/>
-            <a:gdLst/>
-            <a:ahLst/>
-            <a:cxnLst/>
-            <a:rect l="l" t="t" r="r" b="b"/>
-            <a:pathLst>
-              <a:path w="3425199" h="2337870">
-                <a:moveTo>
-                  <a:pt x="0" y="0"/>
-                </a:moveTo>
-                <a:lnTo>
-                  <a:pt x="3425199" y="0"/>
-                </a:lnTo>
-                <a:lnTo>
-                  <a:pt x="3425199" y="2171405"/>
-                </a:lnTo>
-                <a:cubicBezTo>
-                  <a:pt x="3425199" y="2263341"/>
-                  <a:pt x="3350670" y="2337870"/>
-                  <a:pt x="3258734" y="2337870"/>
-                </a:cubicBezTo>
-                <a:lnTo>
-                  <a:pt x="0" y="2337870"/>
-                </a:lnTo>
-                <a:close/>
-              </a:path>
-            </a:pathLst>
-          </a:custGeom>
-          <a:ln w="19050" cap="sq">
-            <a:solidFill>
-              <a:schemeClr val="tx2">
-                <a:lumMod val="60000"/>
-                <a:lumOff val="40000"/>
-                <a:alpha val="60000"/>
-              </a:schemeClr>
-            </a:solidFill>
-            <a:miter lim="800000"/>
-          </a:ln>
-          <a:effectLst>
-            <a:outerShdw blurRad="88900" dist="38100" dir="5400000" algn="t" rotWithShape="0">
-              <a:prstClr val="black">
-                <a:alpha val="40000"/>
-              </a:prstClr>
-            </a:outerShdw>
-          </a:effectLst>
-        </p:spPr>
-      </p:pic>
-      <p:pic>
-        <p:nvPicPr>
-          <p:cNvPr id="49" name="Рисунок 48">
-            <a:extLst>
-              <a:ext uri="{FF2B5EF4-FFF2-40B4-BE49-F238E27FC236}">
-                <a16:creationId xmlns="" xmlns:a16="http://schemas.microsoft.com/office/drawing/2014/main" id="{B1FBAE66-FFF7-8173-B7C9-52F98A30EB6A}"/>
-              </a:ext>
-            </a:extLst>
-          </p:cNvPr>
-          <p:cNvPicPr>
-            <a:picLocks noChangeAspect="1"/>
-          </p:cNvPicPr>
-          <p:nvPr/>
-        </p:nvPicPr>
-        <p:blipFill>
-          <a:blip r:embed="rId5">
-            <a:extLst>
-              <a:ext uri="{28A0092B-C50C-407E-A947-70E740481C1C}">
-                <a14:useLocalDpi xmlns:a14="http://schemas.microsoft.com/office/drawing/2010/main" val="0"/>
-              </a:ext>
-            </a:extLst>
-          </a:blip>
-          <a:stretch>
-            <a:fillRect/>
-          </a:stretch>
-        </p:blipFill>
-        <p:spPr>
-          <a:xfrm>
-            <a:off x="8940794" y="2449860"/>
-            <a:ext cx="3251206" cy="2034695"/>
-          </a:xfrm>
-          <a:custGeom>
-            <a:avLst/>
-            <a:gdLst/>
-            <a:ahLst/>
-            <a:cxnLst/>
-            <a:rect l="l" t="t" r="r" b="b"/>
-            <a:pathLst>
-              <a:path w="3425199" h="2337870">
-                <a:moveTo>
-                  <a:pt x="0" y="0"/>
-                </a:moveTo>
-                <a:lnTo>
-                  <a:pt x="3425199" y="0"/>
-                </a:lnTo>
-                <a:lnTo>
-                  <a:pt x="3425199" y="2171405"/>
-                </a:lnTo>
-                <a:cubicBezTo>
-                  <a:pt x="3425199" y="2263341"/>
-                  <a:pt x="3350670" y="2337870"/>
-                  <a:pt x="3258734" y="2337870"/>
-                </a:cubicBezTo>
-                <a:lnTo>
-                  <a:pt x="0" y="2337870"/>
-                </a:lnTo>
-                <a:close/>
-              </a:path>
-            </a:pathLst>
-          </a:custGeom>
-          <a:ln w="19050" cap="sq">
-            <a:solidFill>
-              <a:schemeClr val="tx2">
-                <a:lumMod val="60000"/>
-                <a:lumOff val="40000"/>
-                <a:alpha val="60000"/>
-              </a:schemeClr>
-            </a:solidFill>
-            <a:miter lim="800000"/>
-          </a:ln>
-          <a:effectLst>
-            <a:outerShdw blurRad="88900" dist="38100" dir="5400000" algn="t" rotWithShape="0">
-              <a:prstClr val="black">
-                <a:alpha val="40000"/>
-              </a:prstClr>
-            </a:outerShdw>
-          </a:effectLst>
-        </p:spPr>
-      </p:pic>
       <p:sp>
         <p:nvSpPr>
           <p:cNvPr id="51" name="Заголовок 1"/>
@@ -20180,9 +19668,97 @@
           </a:lstStyle>
           <a:p>
             <a:r>
+              <a:rPr lang="ru-RU" b="1" dirty="0"/>
+              <a:t>Основные </a:t>
+            </a:r>
+            <a:r>
+              <a:rPr lang="ru-RU" b="1" dirty="0" smtClean="0"/>
+              <a:t>возможности</a:t>
+            </a:r>
+            <a:endParaRPr lang="ru-RU" dirty="0"/>
+          </a:p>
+        </p:txBody>
+      </p:sp>
+      <p:sp>
+        <p:nvSpPr>
+          <p:cNvPr id="3" name="TextBox 2"/>
+          <p:cNvSpPr txBox="1"/>
+          <p:nvPr/>
+        </p:nvSpPr>
+        <p:spPr>
+          <a:xfrm>
+            <a:off x="7110069" y="1611313"/>
+            <a:ext cx="4791419" cy="2862322"/>
+          </a:xfrm>
+          <a:prstGeom prst="rect">
+            <a:avLst/>
+          </a:prstGeom>
+          <a:noFill/>
+        </p:spPr>
+        <p:txBody>
+          <a:bodyPr wrap="square" rtlCol="0">
+            <a:spAutoFit/>
+          </a:bodyPr>
+          <a:lstStyle/>
+          <a:p>
+            <a:r>
+              <a:rPr lang="ru-RU" b="1" dirty="0"/>
+              <a:t>Картинки:</a:t>
+            </a:r>
+            <a:endParaRPr lang="ru-RU" dirty="0"/>
+          </a:p>
+          <a:p>
+            <a:r>
               <a:rPr lang="ru-RU" dirty="0" smtClean="0"/>
-              <a:t>Основные механики</a:t>
-            </a:r>
+              <a:t>1 Скриншот</a:t>
+            </a:r>
+            <a:r>
+              <a:rPr lang="ru-RU" dirty="0"/>
+              <a:t>: Пример диалога в режиме "</a:t>
+            </a:r>
+            <a:r>
+              <a:rPr lang="ru-RU" dirty="0" err="1"/>
+              <a:t>Single</a:t>
+            </a:r>
+            <a:r>
+              <a:rPr lang="ru-RU" dirty="0"/>
+              <a:t>" (запрос -&gt; ответ </a:t>
+            </a:r>
+            <a:r>
+              <a:rPr lang="ru-RU" dirty="0" smtClean="0"/>
+              <a:t>текстом).</a:t>
+            </a:r>
+            <a:endParaRPr lang="ru-RU" dirty="0"/>
+          </a:p>
+          <a:p>
+            <a:r>
+              <a:rPr lang="ru-RU" dirty="0" smtClean="0"/>
+              <a:t>2 Скриншот</a:t>
+            </a:r>
+            <a:r>
+              <a:rPr lang="ru-RU" dirty="0"/>
+              <a:t>: Пример режима "</a:t>
+            </a:r>
+            <a:r>
+              <a:rPr lang="ru-RU" dirty="0" err="1"/>
+              <a:t>Arena</a:t>
+            </a:r>
+            <a:r>
+              <a:rPr lang="ru-RU" dirty="0"/>
+              <a:t>" (запрос -&gt; два ответа -&gt; кнопки голосования).</a:t>
+            </a:r>
+          </a:p>
+          <a:p>
+            <a:r>
+              <a:rPr lang="ru-RU" dirty="0" smtClean="0"/>
+              <a:t>3 Скриншот</a:t>
+            </a:r>
+            <a:r>
+              <a:rPr lang="ru-RU" dirty="0"/>
+              <a:t>: Пример обработки голосового сообщения (сообщение пользователя -&gt; ответ бота).</a:t>
+            </a:r>
+          </a:p>
+          <a:p>
             <a:endParaRPr lang="ru-RU" dirty="0"/>
           </a:p>
         </p:txBody>
@@ -20268,249 +19844,264 @@
           <a:lstStyle/>
           <a:p>
             <a:r>
-              <a:rPr lang="ru-RU" sz="1400" dirty="0">
-                <a:latin typeface="Times New Roman" pitchFamily="18" charset="0"/>
-                <a:cs typeface="Times New Roman" pitchFamily="18" charset="0"/>
-              </a:rPr>
-              <a:t>Язык программирования: </a:t>
-            </a:r>
-            <a:r>
-              <a:rPr lang="ru-RU" sz="1400" dirty="0" err="1">
-                <a:latin typeface="Times New Roman" pitchFamily="18" charset="0"/>
-                <a:cs typeface="Times New Roman" pitchFamily="18" charset="0"/>
-              </a:rPr>
-              <a:t>Python</a:t>
-            </a:r>
-            <a:r>
-              <a:rPr lang="ru-RU" sz="1400" dirty="0">
-                <a:latin typeface="Times New Roman" pitchFamily="18" charset="0"/>
-                <a:cs typeface="Times New Roman" pitchFamily="18" charset="0"/>
-              </a:rPr>
+              <a:rPr lang="ru-RU" b="1" dirty="0"/>
+              <a:t>Язык:</a:t>
+            </a:r>
+            <a:r>
+              <a:rPr lang="ru-RU" dirty="0"/>
               <a:t> </a:t>
             </a:r>
             <a:r>
-              <a:rPr lang="ru-RU" sz="1400" dirty="0" smtClean="0">
-                <a:latin typeface="Times New Roman" pitchFamily="18" charset="0"/>
-                <a:cs typeface="Times New Roman" pitchFamily="18" charset="0"/>
-              </a:rPr>
-              <a:t>3</a:t>
-            </a:r>
-            <a:endParaRPr lang="ru-RU" sz="1400" dirty="0">
-              <a:latin typeface="Times New Roman" pitchFamily="18" charset="0"/>
-              <a:cs typeface="Times New Roman" pitchFamily="18" charset="0"/>
-            </a:endParaRPr>
-          </a:p>
-          <a:p>
-            <a:r>
-              <a:rPr lang="ru-RU" sz="1400" dirty="0">
-                <a:latin typeface="Times New Roman" pitchFamily="18" charset="0"/>
-                <a:cs typeface="Times New Roman" pitchFamily="18" charset="0"/>
-              </a:rPr>
-              <a:t>Библиотеки</a:t>
-            </a:r>
-            <a:r>
-              <a:rPr lang="ru-RU" sz="1400" dirty="0" smtClean="0">
-                <a:latin typeface="Times New Roman" pitchFamily="18" charset="0"/>
-                <a:cs typeface="Times New Roman" pitchFamily="18" charset="0"/>
-              </a:rPr>
-              <a:t>:</a:t>
-            </a:r>
-            <a:endParaRPr lang="ru-RU" sz="1400" dirty="0">
-              <a:latin typeface="Times New Roman" pitchFamily="18" charset="0"/>
-              <a:cs typeface="Times New Roman" pitchFamily="18" charset="0"/>
-            </a:endParaRPr>
-          </a:p>
-          <a:p>
-            <a:pPr marL="285750" indent="-285750">
-              <a:buFont typeface="Arial" pitchFamily="34" charset="0"/>
-              <a:buChar char="•"/>
-            </a:pPr>
-            <a:r>
-              <a:rPr lang="ru-RU" sz="1400" b="1" dirty="0" err="1" smtClean="0">
-                <a:latin typeface="Times New Roman" pitchFamily="18" charset="0"/>
-                <a:cs typeface="Times New Roman" pitchFamily="18" charset="0"/>
-              </a:rPr>
-              <a:t>Pygame-ce</a:t>
-            </a:r>
-            <a:r>
-              <a:rPr lang="ru-RU" sz="1400" dirty="0">
-                <a:latin typeface="Times New Roman" pitchFamily="18" charset="0"/>
-                <a:cs typeface="Times New Roman" pitchFamily="18" charset="0"/>
-              </a:rPr>
-              <a:t>: </a:t>
-            </a:r>
-            <a:r>
-              <a:rPr lang="ru-RU" sz="1400" dirty="0" smtClean="0">
-                <a:latin typeface="Times New Roman" pitchFamily="18" charset="0"/>
-                <a:cs typeface="Times New Roman" pitchFamily="18" charset="0"/>
-              </a:rPr>
-              <a:t>Игровой движок</a:t>
-            </a:r>
-            <a:r>
-              <a:rPr lang="ru-RU" sz="1400" dirty="0">
-                <a:latin typeface="Times New Roman" pitchFamily="18" charset="0"/>
-                <a:cs typeface="Times New Roman" pitchFamily="18" charset="0"/>
-              </a:rPr>
-              <a:t>, обработка графики, звука, ввода</a:t>
-            </a:r>
-            <a:r>
-              <a:rPr lang="ru-RU" sz="1400" dirty="0" smtClean="0">
-                <a:latin typeface="Times New Roman" pitchFamily="18" charset="0"/>
-                <a:cs typeface="Times New Roman" pitchFamily="18" charset="0"/>
-              </a:rPr>
-              <a:t>.</a:t>
-            </a:r>
-            <a:endParaRPr lang="ru-RU" sz="1400" dirty="0">
-              <a:latin typeface="Times New Roman" pitchFamily="18" charset="0"/>
-              <a:cs typeface="Times New Roman" pitchFamily="18" charset="0"/>
-            </a:endParaRPr>
-          </a:p>
-          <a:p>
-            <a:pPr marL="285750" indent="-285750">
-              <a:buFont typeface="Arial" pitchFamily="34" charset="0"/>
-              <a:buChar char="•"/>
-            </a:pPr>
-            <a:r>
-              <a:rPr lang="ru-RU" sz="1400" b="1" dirty="0" err="1" smtClean="0">
-                <a:latin typeface="Times New Roman" pitchFamily="18" charset="0"/>
-                <a:cs typeface="Times New Roman" pitchFamily="18" charset="0"/>
-              </a:rPr>
-              <a:t>Pygame</a:t>
-            </a:r>
-            <a:r>
-              <a:rPr lang="ru-RU" sz="1400" b="1" dirty="0" smtClean="0">
-                <a:latin typeface="Times New Roman" pitchFamily="18" charset="0"/>
-                <a:cs typeface="Times New Roman" pitchFamily="18" charset="0"/>
-              </a:rPr>
-              <a:t>-GUI</a:t>
-            </a:r>
-            <a:r>
-              <a:rPr lang="ru-RU" sz="1400" dirty="0">
-                <a:latin typeface="Times New Roman" pitchFamily="18" charset="0"/>
-                <a:cs typeface="Times New Roman" pitchFamily="18" charset="0"/>
-              </a:rPr>
-              <a:t>: Создание графического интерфейса (UI), меню, кнопки, информационные панели</a:t>
-            </a:r>
-            <a:r>
-              <a:rPr lang="ru-RU" sz="1400" dirty="0" smtClean="0">
-                <a:latin typeface="Times New Roman" pitchFamily="18" charset="0"/>
-                <a:cs typeface="Times New Roman" pitchFamily="18" charset="0"/>
-              </a:rPr>
-              <a:t>.</a:t>
-            </a:r>
-            <a:endParaRPr lang="ru-RU" sz="1400" dirty="0">
-              <a:latin typeface="Times New Roman" pitchFamily="18" charset="0"/>
-              <a:cs typeface="Times New Roman" pitchFamily="18" charset="0"/>
-            </a:endParaRPr>
-          </a:p>
-          <a:p>
-            <a:pPr marL="285750" indent="-285750">
-              <a:buFont typeface="Arial" pitchFamily="34" charset="0"/>
-              <a:buChar char="•"/>
-            </a:pPr>
-            <a:r>
-              <a:rPr lang="ru-RU" sz="1400" b="1" dirty="0" err="1" smtClean="0">
-                <a:latin typeface="Times New Roman" pitchFamily="18" charset="0"/>
-                <a:cs typeface="Times New Roman" pitchFamily="18" charset="0"/>
-              </a:rPr>
-              <a:t>math</a:t>
-            </a:r>
-            <a:r>
-              <a:rPr lang="ru-RU" sz="1400" dirty="0">
-                <a:latin typeface="Times New Roman" pitchFamily="18" charset="0"/>
-                <a:cs typeface="Times New Roman" pitchFamily="18" charset="0"/>
-              </a:rPr>
-              <a:t>: </a:t>
-            </a:r>
-            <a:r>
-              <a:rPr lang="ru-RU" sz="1400" dirty="0" smtClean="0">
-                <a:latin typeface="Times New Roman" pitchFamily="18" charset="0"/>
-                <a:cs typeface="Times New Roman" pitchFamily="18" charset="0"/>
-              </a:rPr>
-              <a:t>Математические </a:t>
-            </a:r>
-            <a:r>
-              <a:rPr lang="ru-RU" sz="1400" dirty="0">
-                <a:latin typeface="Times New Roman" pitchFamily="18" charset="0"/>
-                <a:cs typeface="Times New Roman" pitchFamily="18" charset="0"/>
-              </a:rPr>
-              <a:t>функции и операции для геометрии и расчётов</a:t>
-            </a:r>
-            <a:r>
-              <a:rPr lang="ru-RU" sz="1400" dirty="0" smtClean="0">
-                <a:latin typeface="Times New Roman" pitchFamily="18" charset="0"/>
-                <a:cs typeface="Times New Roman" pitchFamily="18" charset="0"/>
-              </a:rPr>
-              <a:t>.</a:t>
-            </a:r>
-            <a:endParaRPr lang="ru-RU" sz="1400" dirty="0">
-              <a:latin typeface="Times New Roman" pitchFamily="18" charset="0"/>
-              <a:cs typeface="Times New Roman" pitchFamily="18" charset="0"/>
-            </a:endParaRPr>
-          </a:p>
-          <a:p>
-            <a:pPr marL="285750" indent="-285750">
-              <a:buFont typeface="Arial" pitchFamily="34" charset="0"/>
-              <a:buChar char="•"/>
-            </a:pPr>
-            <a:r>
-              <a:rPr lang="ru-RU" sz="1400" b="1" dirty="0" err="1" smtClean="0">
-                <a:latin typeface="Times New Roman" pitchFamily="18" charset="0"/>
-                <a:cs typeface="Times New Roman" pitchFamily="18" charset="0"/>
-              </a:rPr>
-              <a:t>os</a:t>
-            </a:r>
-            <a:r>
-              <a:rPr lang="ru-RU" sz="1400" dirty="0">
-                <a:latin typeface="Times New Roman" pitchFamily="18" charset="0"/>
-                <a:cs typeface="Times New Roman" pitchFamily="18" charset="0"/>
-              </a:rPr>
+              <a:rPr lang="en-US" dirty="0"/>
+              <a:t>Python 3</a:t>
+            </a:r>
+          </a:p>
+          <a:p>
+            <a:r>
+              <a:rPr lang="ru-RU" b="1" dirty="0"/>
+              <a:t>Основа бота:</a:t>
+            </a:r>
+            <a:r>
+              <a:rPr lang="ru-RU" dirty="0"/>
+              <a:t> </a:t>
+            </a:r>
+            <a:r>
+              <a:rPr lang="en-US" b="1" dirty="0" err="1"/>
+              <a:t>aiogram</a:t>
+            </a:r>
+            <a:r>
+              <a:rPr lang="en-US" dirty="0"/>
+              <a:t> (</a:t>
+            </a:r>
+            <a:r>
+              <a:rPr lang="ru-RU" dirty="0"/>
+              <a:t>асинхронный фреймворк для </a:t>
+            </a:r>
+            <a:r>
+              <a:rPr lang="en-US" dirty="0"/>
+              <a:t>Telegram: </a:t>
+            </a:r>
+            <a:r>
+              <a:rPr lang="ru-RU" dirty="0"/>
+              <a:t>роутеры, </a:t>
+            </a:r>
+            <a:r>
+              <a:rPr lang="en-US" b="1" dirty="0"/>
+              <a:t>FSM</a:t>
+            </a:r>
+            <a:r>
+              <a:rPr lang="en-US" dirty="0"/>
               <a:t>, </a:t>
             </a:r>
             <a:r>
-              <a:rPr lang="ru-RU" sz="1400" b="1" dirty="0" err="1">
-                <a:latin typeface="Times New Roman" pitchFamily="18" charset="0"/>
-                <a:cs typeface="Times New Roman" pitchFamily="18" charset="0"/>
-              </a:rPr>
-              <a:t>sys</a:t>
-            </a:r>
-            <a:r>
-              <a:rPr lang="ru-RU" sz="1400" dirty="0">
-                <a:latin typeface="Times New Roman" pitchFamily="18" charset="0"/>
-                <a:cs typeface="Times New Roman" pitchFamily="18" charset="0"/>
-              </a:rPr>
-              <a:t>: Взаимодействие с операционной системой, файловой системой, управление путями, запуск приложения. А также для сохранения и загрузки игрового процесса</a:t>
-            </a:r>
-            <a:r>
-              <a:rPr lang="ru-RU" sz="1400" dirty="0" smtClean="0">
-                <a:latin typeface="Times New Roman" pitchFamily="18" charset="0"/>
-                <a:cs typeface="Times New Roman" pitchFamily="18" charset="0"/>
-              </a:rPr>
-              <a:t>.</a:t>
-            </a:r>
-            <a:endParaRPr lang="ru-RU" sz="1400" dirty="0">
-              <a:latin typeface="Times New Roman" pitchFamily="18" charset="0"/>
-              <a:cs typeface="Times New Roman" pitchFamily="18" charset="0"/>
-            </a:endParaRPr>
-          </a:p>
-          <a:p>
-            <a:pPr marL="285750" indent="-285750">
-              <a:buFont typeface="Arial" pitchFamily="34" charset="0"/>
-              <a:buChar char="•"/>
-            </a:pPr>
-            <a:r>
-              <a:rPr lang="ru-RU" sz="1400" b="1" dirty="0" err="1" smtClean="0">
-                <a:latin typeface="Times New Roman" pitchFamily="18" charset="0"/>
-                <a:cs typeface="Times New Roman" pitchFamily="18" charset="0"/>
-              </a:rPr>
-              <a:t>random</a:t>
-            </a:r>
-            <a:r>
-              <a:rPr lang="ru-RU" sz="1400" dirty="0">
-                <a:latin typeface="Times New Roman" pitchFamily="18" charset="0"/>
-                <a:cs typeface="Times New Roman" pitchFamily="18" charset="0"/>
-              </a:rPr>
-              <a:t>: Генерация случайных чисел (для процедурной генерации, случайных событий и прочего).</a:t>
+              <a:rPr lang="ru-RU" dirty="0"/>
+              <a:t>клавиатуры, </a:t>
+            </a:r>
+            <a:r>
+              <a:rPr lang="en-US" b="1" dirty="0"/>
+              <a:t>API</a:t>
+            </a:r>
+            <a:r>
+              <a:rPr lang="en-US" dirty="0"/>
+              <a:t>)</a:t>
+            </a:r>
+          </a:p>
+          <a:p>
+            <a:r>
+              <a:rPr lang="ru-RU" b="1" dirty="0"/>
+              <a:t>Взаимодействие с </a:t>
+            </a:r>
+            <a:r>
+              <a:rPr lang="en-US" b="1" dirty="0"/>
+              <a:t>AI:</a:t>
+            </a:r>
+            <a:endParaRPr lang="en-US" dirty="0"/>
+          </a:p>
+          <a:p>
+            <a:pPr lvl="1"/>
+            <a:r>
+              <a:rPr lang="en-US" b="1" dirty="0" err="1"/>
+              <a:t>google-genai</a:t>
+            </a:r>
+            <a:r>
+              <a:rPr lang="en-US" dirty="0"/>
+              <a:t> (API </a:t>
+            </a:r>
+            <a:r>
+              <a:rPr lang="ru-RU" dirty="0"/>
+              <a:t>для моделей </a:t>
+            </a:r>
+            <a:r>
+              <a:rPr lang="en-US" dirty="0"/>
+              <a:t>Google Gemini)</a:t>
+            </a:r>
+          </a:p>
+          <a:p>
+            <a:pPr lvl="1"/>
+            <a:r>
+              <a:rPr lang="en-US" b="1" dirty="0" err="1"/>
+              <a:t>groq</a:t>
+            </a:r>
+            <a:r>
+              <a:rPr lang="en-US" dirty="0"/>
+              <a:t> (API </a:t>
+            </a:r>
+            <a:r>
+              <a:rPr lang="ru-RU" dirty="0"/>
+              <a:t>для моделей </a:t>
+            </a:r>
+            <a:r>
+              <a:rPr lang="en-US" dirty="0"/>
+              <a:t>Llama </a:t>
+            </a:r>
+            <a:r>
+              <a:rPr lang="ru-RU" dirty="0"/>
+              <a:t>на </a:t>
+            </a:r>
+            <a:r>
+              <a:rPr lang="en-US" dirty="0" err="1"/>
+              <a:t>Groq</a:t>
+            </a:r>
+            <a:r>
+              <a:rPr lang="en-US" dirty="0"/>
+              <a:t> Cloud)</a:t>
+            </a:r>
+          </a:p>
+          <a:p>
+            <a:pPr lvl="1"/>
+            <a:r>
+              <a:rPr lang="en-US" b="1" dirty="0" err="1"/>
+              <a:t>gradio_client</a:t>
+            </a:r>
+            <a:r>
+              <a:rPr lang="en-US" dirty="0"/>
+              <a:t> (</a:t>
+            </a:r>
+            <a:r>
+              <a:rPr lang="ru-RU" dirty="0"/>
+              <a:t>Интеграция с моделями на </a:t>
+            </a:r>
+            <a:r>
+              <a:rPr lang="en-US" dirty="0"/>
+              <a:t>Hugging </a:t>
+            </a:r>
+            <a:r>
+              <a:rPr lang="en-US" dirty="0" smtClean="0"/>
+              <a:t>Face: </a:t>
+            </a:r>
+            <a:r>
+              <a:rPr lang="en-US" dirty="0"/>
+              <a:t>Whisper, </a:t>
+            </a:r>
+            <a:r>
+              <a:rPr lang="en-US" dirty="0" err="1"/>
+              <a:t>Midjourney</a:t>
+            </a:r>
+            <a:r>
+              <a:rPr lang="en-US" dirty="0"/>
+              <a:t>, FLUX)</a:t>
+            </a:r>
+          </a:p>
+          <a:p>
+            <a:pPr lvl="1"/>
+            <a:r>
+              <a:rPr lang="en-US" b="1" dirty="0"/>
+              <a:t>requests </a:t>
+            </a:r>
+            <a:r>
+              <a:rPr lang="en-US" dirty="0"/>
+              <a:t>(HTTP-</a:t>
+            </a:r>
+            <a:r>
+              <a:rPr lang="ru-RU" dirty="0"/>
+              <a:t>запросы для скачивания медиа и взаимодействия с </a:t>
+            </a:r>
+            <a:r>
+              <a:rPr lang="en-US" dirty="0"/>
+              <a:t>API)</a:t>
+            </a:r>
+          </a:p>
+          <a:p>
+            <a:r>
+              <a:rPr lang="ru-RU" b="1" dirty="0"/>
+              <a:t>Обработка данных:</a:t>
+            </a:r>
+            <a:endParaRPr lang="ru-RU" dirty="0"/>
+          </a:p>
+          <a:p>
+            <a:pPr lvl="1"/>
+            <a:r>
+              <a:rPr lang="en-US" b="1" dirty="0"/>
+              <a:t>Pillow</a:t>
+            </a:r>
+            <a:r>
+              <a:rPr lang="en-US" dirty="0"/>
+              <a:t> (PIL) (</a:t>
+            </a:r>
+            <a:r>
+              <a:rPr lang="ru-RU" dirty="0"/>
+              <a:t>Работа с изображениями)</a:t>
+            </a:r>
+          </a:p>
+          <a:p>
+            <a:pPr lvl="1"/>
+            <a:r>
+              <a:rPr lang="en-US" b="1" dirty="0"/>
+              <a:t>python-</a:t>
+            </a:r>
+            <a:r>
+              <a:rPr lang="en-US" b="1" dirty="0" err="1"/>
+              <a:t>dotenv</a:t>
+            </a:r>
+            <a:r>
+              <a:rPr lang="en-US" dirty="0"/>
+              <a:t> (</a:t>
+            </a:r>
+            <a:r>
+              <a:rPr lang="ru-RU" dirty="0"/>
+              <a:t>Управление конфигурацией и </a:t>
+            </a:r>
+            <a:r>
+              <a:rPr lang="en-US" dirty="0"/>
+              <a:t>API-</a:t>
+            </a:r>
+            <a:r>
+              <a:rPr lang="ru-RU" dirty="0"/>
+              <a:t>ключами)</a:t>
+            </a:r>
+          </a:p>
+          <a:p>
+            <a:r>
+              <a:rPr lang="ru-RU" b="1" dirty="0"/>
+              <a:t>Асинхронность:</a:t>
+            </a:r>
+            <a:r>
+              <a:rPr lang="ru-RU" dirty="0"/>
+              <a:t> </a:t>
+            </a:r>
+            <a:r>
+              <a:rPr lang="en-US" b="1" dirty="0" err="1"/>
+              <a:t>asyncio</a:t>
+            </a:r>
+            <a:r>
+              <a:rPr lang="en-US" dirty="0"/>
+              <a:t> (</a:t>
+            </a:r>
+            <a:r>
+              <a:rPr lang="ru-RU" dirty="0"/>
+              <a:t>для эффективной обработки </a:t>
+            </a:r>
+            <a:r>
+              <a:rPr lang="en-US" dirty="0"/>
+              <a:t>I/O </a:t>
+            </a:r>
+            <a:r>
+              <a:rPr lang="ru-RU" dirty="0"/>
+              <a:t>операций и запросов к </a:t>
+            </a:r>
+            <a:r>
+              <a:rPr lang="en-US" dirty="0"/>
+              <a:t>API)</a:t>
             </a:r>
           </a:p>
         </p:txBody>
@@ -20520,7 +20111,7 @@
           <p:cNvPr id="5" name="Рисунок 4" descr="Picture background">
             <a:extLst>
               <a:ext uri="{FF2B5EF4-FFF2-40B4-BE49-F238E27FC236}">
-                <a16:creationId xmlns="" xmlns:a16="http://schemas.microsoft.com/office/drawing/2014/main" id="{821B28F6-F9CF-C210-45FD-D2754FC69E56}"/>
+                <a16:creationId xmlns:a16="http://schemas.microsoft.com/office/drawing/2014/main" xmlns="" id="{821B28F6-F9CF-C210-45FD-D2754FC69E56}"/>
               </a:ext>
             </a:extLst>
           </p:cNvPr>
@@ -20615,8 +20206,8 @@
           <a:lstStyle/>
           <a:p>
             <a:r>
-              <a:rPr lang="ru-RU" dirty="0" smtClean="0"/>
-              <a:t>Архитектура и код</a:t>
+              <a:rPr lang="ru-RU" dirty="0"/>
+              <a:t>Архитектура проекта</a:t>
             </a:r>
             <a:endParaRPr lang="ru-RU" dirty="0"/>
           </a:p>
@@ -20645,396 +20236,220 @@
           <a:lstStyle/>
           <a:p>
             <a:r>
-              <a:rPr lang="ru-RU" sz="1400" dirty="0" smtClean="0">
-                <a:latin typeface="Times New Roman" pitchFamily="18" charset="0"/>
-                <a:cs typeface="Times New Roman" pitchFamily="18" charset="0"/>
-              </a:rPr>
-              <a:t>Основные модули</a:t>
-            </a:r>
-            <a:r>
-              <a:rPr lang="en-US" sz="1400" dirty="0" smtClean="0">
-                <a:latin typeface="Times New Roman" pitchFamily="18" charset="0"/>
-                <a:cs typeface="Times New Roman" pitchFamily="18" charset="0"/>
-              </a:rPr>
-              <a:t>:</a:t>
-            </a:r>
-            <a:endParaRPr lang="ru-RU" sz="1400" dirty="0">
-              <a:latin typeface="Times New Roman" pitchFamily="18" charset="0"/>
-              <a:cs typeface="Times New Roman" pitchFamily="18" charset="0"/>
-            </a:endParaRPr>
-          </a:p>
-          <a:p>
-            <a:pPr marL="285750" indent="-285750">
-              <a:buFont typeface="Arial" pitchFamily="34" charset="0"/>
-              <a:buChar char="•"/>
-            </a:pPr>
-            <a:r>
-              <a:rPr lang="ru-RU" sz="1400" b="1" dirty="0" err="1" smtClean="0">
-                <a:latin typeface="Times New Roman" pitchFamily="18" charset="0"/>
-                <a:cs typeface="Times New Roman" pitchFamily="18" charset="0"/>
-              </a:rPr>
-              <a:t>hex_utils</a:t>
-            </a:r>
-            <a:r>
-              <a:rPr lang="ru-RU" sz="1400" dirty="0">
-                <a:latin typeface="Times New Roman" pitchFamily="18" charset="0"/>
-                <a:cs typeface="Times New Roman" pitchFamily="18" charset="0"/>
-              </a:rPr>
-              <a:t>: Отвечает за логику гексагональной системы координат, расчеты расстояний, поиск соседей, преобразования координат</a:t>
-            </a:r>
-            <a:r>
-              <a:rPr lang="ru-RU" sz="1400" dirty="0" smtClean="0">
-                <a:latin typeface="Times New Roman" pitchFamily="18" charset="0"/>
-                <a:cs typeface="Times New Roman" pitchFamily="18" charset="0"/>
-              </a:rPr>
+              <a:rPr lang="ru-RU" sz="1400" b="1" dirty="0"/>
+              <a:t>Модульная структура:</a:t>
+            </a:r>
+            <a:r>
+              <a:rPr lang="ru-RU" sz="1400" dirty="0"/>
+              <a:t> Проект разделен на логические компоненты для лучшей организации и расширяемости.</a:t>
+            </a:r>
+          </a:p>
+          <a:p>
+            <a:r>
+              <a:rPr lang="ru-RU" sz="1400" b="1" dirty="0"/>
+              <a:t>Ключевые компоненты:</a:t>
+            </a:r>
+            <a:endParaRPr lang="ru-RU" sz="1400" dirty="0"/>
+          </a:p>
+          <a:p>
+            <a:pPr lvl="1"/>
+            <a:r>
+              <a:rPr lang="ru-RU" sz="1200" b="1" dirty="0"/>
+              <a:t>main.py</a:t>
+            </a:r>
+            <a:r>
+              <a:rPr lang="ru-RU" sz="1200" dirty="0"/>
+              <a:t>: Точка входа, инициализация бота, диспетчера и регистрация моделей.</a:t>
+            </a:r>
+          </a:p>
+          <a:p>
+            <a:pPr lvl="1"/>
+            <a:r>
+              <a:rPr lang="ru-RU" sz="1200" dirty="0"/>
+              <a:t>registry.py: Центральный реестр (</a:t>
+            </a:r>
+            <a:r>
+              <a:rPr lang="ru-RU" sz="1200" b="1" i="1" dirty="0" err="1"/>
+              <a:t>AIRegistry</a:t>
+            </a:r>
+            <a:r>
+              <a:rPr lang="ru-RU" sz="1200" dirty="0"/>
+              <a:t>) для управления AI-моделями. Использует </a:t>
+            </a:r>
+            <a:r>
+              <a:rPr lang="ru-RU" sz="1200" b="1" dirty="0" err="1"/>
+              <a:t>BaseAIModel</a:t>
+            </a:r>
+            <a:r>
+              <a:rPr lang="ru-RU" sz="1200" dirty="0"/>
+              <a:t>, </a:t>
+            </a:r>
+            <a:r>
+              <a:rPr lang="ru-RU" sz="1200" b="1" dirty="0" err="1"/>
+              <a:t>ModelInfo</a:t>
+            </a:r>
+            <a:r>
+              <a:rPr lang="ru-RU" sz="1200" dirty="0"/>
+              <a:t> и декоратор </a:t>
+            </a:r>
+            <a:r>
+              <a:rPr lang="ru-RU" sz="1200" b="1" i="1" dirty="0"/>
+              <a:t>@</a:t>
+            </a:r>
+            <a:r>
+              <a:rPr lang="ru-RU" sz="1200" b="1" i="1" dirty="0" err="1"/>
+              <a:t>register_model</a:t>
+            </a:r>
+            <a:r>
+              <a:rPr lang="ru-RU" sz="1200" b="1" i="1" dirty="0"/>
               <a:t>.</a:t>
             </a:r>
-            <a:endParaRPr lang="ru-RU" sz="1400" dirty="0">
-              <a:latin typeface="Times New Roman" pitchFamily="18" charset="0"/>
-              <a:cs typeface="Times New Roman" pitchFamily="18" charset="0"/>
-            </a:endParaRPr>
-          </a:p>
-          <a:p>
-            <a:pPr marL="285750" indent="-285750">
-              <a:buFont typeface="Arial" pitchFamily="34" charset="0"/>
-              <a:buChar char="•"/>
-            </a:pPr>
-            <a:r>
-              <a:rPr lang="ru-RU" sz="1400" b="1" dirty="0" err="1" smtClean="0">
-                <a:latin typeface="Times New Roman" pitchFamily="18" charset="0"/>
-                <a:cs typeface="Times New Roman" pitchFamily="18" charset="0"/>
-              </a:rPr>
-              <a:t>HexBoard</a:t>
-            </a:r>
-            <a:r>
-              <a:rPr lang="ru-RU" sz="1400" dirty="0">
-                <a:latin typeface="Times New Roman" pitchFamily="18" charset="0"/>
-                <a:cs typeface="Times New Roman" pitchFamily="18" charset="0"/>
-              </a:rPr>
-              <a:t>: Содержит логику игровой карты, расположения объектов и взаимодействия на ней</a:t>
-            </a:r>
-            <a:r>
-              <a:rPr lang="ru-RU" sz="1400" dirty="0" smtClean="0">
-                <a:latin typeface="Times New Roman" pitchFamily="18" charset="0"/>
-                <a:cs typeface="Times New Roman" pitchFamily="18" charset="0"/>
-              </a:rPr>
-              <a:t>.</a:t>
-            </a:r>
-            <a:endParaRPr lang="ru-RU" sz="1400" dirty="0">
-              <a:latin typeface="Times New Roman" pitchFamily="18" charset="0"/>
-              <a:cs typeface="Times New Roman" pitchFamily="18" charset="0"/>
-            </a:endParaRPr>
-          </a:p>
-          <a:p>
-            <a:r>
-              <a:rPr lang="ru-RU" sz="1400" dirty="0" smtClean="0">
-                <a:latin typeface="Times New Roman" pitchFamily="18" charset="0"/>
-                <a:cs typeface="Times New Roman" pitchFamily="18" charset="0"/>
-              </a:rPr>
-              <a:t>Основные </a:t>
-            </a:r>
-            <a:r>
-              <a:rPr lang="ru-RU" sz="1400" dirty="0">
-                <a:latin typeface="Times New Roman" pitchFamily="18" charset="0"/>
-                <a:cs typeface="Times New Roman" pitchFamily="18" charset="0"/>
-              </a:rPr>
-              <a:t>классы</a:t>
-            </a:r>
-            <a:r>
-              <a:rPr lang="ru-RU" sz="1400" dirty="0" smtClean="0">
-                <a:latin typeface="Times New Roman" pitchFamily="18" charset="0"/>
-                <a:cs typeface="Times New Roman" pitchFamily="18" charset="0"/>
-              </a:rPr>
-              <a:t>:</a:t>
-            </a:r>
-            <a:endParaRPr lang="ru-RU" sz="1400" dirty="0">
-              <a:latin typeface="Times New Roman" pitchFamily="18" charset="0"/>
-              <a:cs typeface="Times New Roman" pitchFamily="18" charset="0"/>
-            </a:endParaRPr>
-          </a:p>
-          <a:p>
-            <a:pPr marL="285750" indent="-285750">
-              <a:buFont typeface="Arial" pitchFamily="34" charset="0"/>
-              <a:buChar char="•"/>
-            </a:pPr>
-            <a:r>
-              <a:rPr lang="ru-RU" sz="1400" b="1" dirty="0" err="1" smtClean="0">
-                <a:latin typeface="Times New Roman" pitchFamily="18" charset="0"/>
-                <a:cs typeface="Times New Roman" pitchFamily="18" charset="0"/>
-              </a:rPr>
-              <a:t>Hex</a:t>
-            </a:r>
-            <a:r>
-              <a:rPr lang="ru-RU" sz="1400" dirty="0">
-                <a:latin typeface="Times New Roman" pitchFamily="18" charset="0"/>
-                <a:cs typeface="Times New Roman" pitchFamily="18" charset="0"/>
-              </a:rPr>
+          </a:p>
+          <a:p>
+            <a:pPr lvl="1"/>
+            <a:r>
+              <a:rPr lang="ru-RU" sz="1200" i="1" dirty="0" err="1"/>
+              <a:t>handlers</a:t>
+            </a:r>
+            <a:r>
+              <a:rPr lang="ru-RU" sz="1200" dirty="0"/>
+              <a:t>/: Модули с обработчиками сообщений, команд и </a:t>
+            </a:r>
+            <a:r>
+              <a:rPr lang="ru-RU" sz="1200" dirty="0" err="1"/>
+              <a:t>колбэков</a:t>
+            </a:r>
+            <a:r>
+              <a:rPr lang="ru-RU" sz="1200" dirty="0"/>
+              <a:t> для разных режимов (</a:t>
+            </a:r>
+            <a:r>
+              <a:rPr lang="ru-RU" sz="1200" b="1" dirty="0" err="1"/>
+              <a:t>settings_handlers</a:t>
+            </a:r>
+            <a:r>
+              <a:rPr lang="ru-RU" sz="1200" dirty="0"/>
               <a:t>, </a:t>
             </a:r>
             <a:r>
-              <a:rPr lang="ru-RU" sz="1400" b="1" dirty="0" err="1">
-                <a:latin typeface="Times New Roman" pitchFamily="18" charset="0"/>
-                <a:cs typeface="Times New Roman" pitchFamily="18" charset="0"/>
-              </a:rPr>
-              <a:t>HexBoard</a:t>
-            </a:r>
-            <a:r>
-              <a:rPr lang="ru-RU" sz="1400" dirty="0">
-                <a:latin typeface="Times New Roman" pitchFamily="18" charset="0"/>
-                <a:cs typeface="Times New Roman" pitchFamily="18" charset="0"/>
-              </a:rPr>
-              <a:t>: Отвечают за представление игровой карты, клеток (</a:t>
-            </a:r>
-            <a:r>
-              <a:rPr lang="ru-RU" sz="1400" dirty="0" err="1">
-                <a:latin typeface="Times New Roman" pitchFamily="18" charset="0"/>
-                <a:cs typeface="Times New Roman" pitchFamily="18" charset="0"/>
-              </a:rPr>
-              <a:t>гексов</a:t>
-            </a:r>
-            <a:r>
-              <a:rPr lang="ru-RU" sz="1400" dirty="0">
-                <a:latin typeface="Times New Roman" pitchFamily="18" charset="0"/>
-                <a:cs typeface="Times New Roman" pitchFamily="18" charset="0"/>
-              </a:rPr>
-              <a:t>) и их свойств</a:t>
-            </a:r>
-            <a:r>
-              <a:rPr lang="ru-RU" sz="1400" dirty="0" smtClean="0">
-                <a:latin typeface="Times New Roman" pitchFamily="18" charset="0"/>
-                <a:cs typeface="Times New Roman" pitchFamily="18" charset="0"/>
-              </a:rPr>
-              <a:t>.</a:t>
-            </a:r>
-            <a:endParaRPr lang="ru-RU" sz="1400" dirty="0">
-              <a:latin typeface="Times New Roman" pitchFamily="18" charset="0"/>
-              <a:cs typeface="Times New Roman" pitchFamily="18" charset="0"/>
-            </a:endParaRPr>
-          </a:p>
-          <a:p>
-            <a:pPr marL="285750" indent="-285750">
-              <a:buFont typeface="Arial" pitchFamily="34" charset="0"/>
-              <a:buChar char="•"/>
-            </a:pPr>
-            <a:r>
-              <a:rPr lang="ru-RU" sz="1400" b="1" dirty="0" err="1" smtClean="0">
-                <a:latin typeface="Times New Roman" pitchFamily="18" charset="0"/>
-                <a:cs typeface="Times New Roman" pitchFamily="18" charset="0"/>
-              </a:rPr>
-              <a:t>Player</a:t>
-            </a:r>
-            <a:r>
-              <a:rPr lang="ru-RU" sz="1400" dirty="0">
-                <a:latin typeface="Times New Roman" pitchFamily="18" charset="0"/>
-                <a:cs typeface="Times New Roman" pitchFamily="18" charset="0"/>
-              </a:rPr>
+              <a:rPr lang="ru-RU" sz="1200" b="1" dirty="0" err="1"/>
+              <a:t>single_chat_handlers</a:t>
+            </a:r>
+            <a:r>
+              <a:rPr lang="ru-RU" sz="1200" dirty="0"/>
               <a:t>, </a:t>
             </a:r>
             <a:r>
-              <a:rPr lang="ru-RU" sz="1400" b="1" dirty="0" err="1">
-                <a:latin typeface="Times New Roman" pitchFamily="18" charset="0"/>
-                <a:cs typeface="Times New Roman" pitchFamily="18" charset="0"/>
-              </a:rPr>
-              <a:t>GameManager</a:t>
-            </a:r>
-            <a:r>
-              <a:rPr lang="ru-RU" sz="1400" dirty="0">
-                <a:latin typeface="Times New Roman" pitchFamily="18" charset="0"/>
-                <a:cs typeface="Times New Roman" pitchFamily="18" charset="0"/>
-              </a:rPr>
-              <a:t>: Управление игровым процессом, игроками, их данными и очередностью ходов</a:t>
-            </a:r>
-            <a:r>
-              <a:rPr lang="ru-RU" sz="1400" dirty="0" smtClean="0">
-                <a:latin typeface="Times New Roman" pitchFamily="18" charset="0"/>
-                <a:cs typeface="Times New Roman" pitchFamily="18" charset="0"/>
-              </a:rPr>
-              <a:t>.</a:t>
-            </a:r>
-            <a:endParaRPr lang="ru-RU" sz="1400" dirty="0">
-              <a:latin typeface="Times New Roman" pitchFamily="18" charset="0"/>
-              <a:cs typeface="Times New Roman" pitchFamily="18" charset="0"/>
-            </a:endParaRPr>
-          </a:p>
-          <a:p>
-            <a:pPr marL="285750" indent="-285750">
-              <a:buFont typeface="Arial" pitchFamily="34" charset="0"/>
-              <a:buChar char="•"/>
-            </a:pPr>
-            <a:r>
-              <a:rPr lang="ru-RU" sz="1400" b="1" dirty="0" err="1" smtClean="0">
-                <a:latin typeface="Times New Roman" pitchFamily="18" charset="0"/>
-                <a:cs typeface="Times New Roman" pitchFamily="18" charset="0"/>
-              </a:rPr>
-              <a:t>Unit</a:t>
-            </a:r>
-            <a:r>
-              <a:rPr lang="ru-RU" sz="1400" dirty="0" smtClean="0">
-                <a:latin typeface="Times New Roman" pitchFamily="18" charset="0"/>
-                <a:cs typeface="Times New Roman" pitchFamily="18" charset="0"/>
-              </a:rPr>
-              <a:t> </a:t>
-            </a:r>
-            <a:r>
-              <a:rPr lang="ru-RU" sz="1400" dirty="0">
-                <a:latin typeface="Times New Roman" pitchFamily="18" charset="0"/>
-                <a:cs typeface="Times New Roman" pitchFamily="18" charset="0"/>
-              </a:rPr>
-              <a:t>и его наследники (</a:t>
-            </a:r>
-            <a:r>
-              <a:rPr lang="ru-RU" sz="1400" b="1" dirty="0" err="1">
-                <a:latin typeface="Times New Roman" pitchFamily="18" charset="0"/>
-                <a:cs typeface="Times New Roman" pitchFamily="18" charset="0"/>
-              </a:rPr>
-              <a:t>Warrior</a:t>
-            </a:r>
-            <a:r>
-              <a:rPr lang="ru-RU" sz="1400" dirty="0">
-                <a:latin typeface="Times New Roman" pitchFamily="18" charset="0"/>
-                <a:cs typeface="Times New Roman" pitchFamily="18" charset="0"/>
-              </a:rPr>
-              <a:t>, </a:t>
-            </a:r>
-            <a:r>
-              <a:rPr lang="ru-RU" sz="1400" b="1" dirty="0" err="1">
-                <a:latin typeface="Times New Roman" pitchFamily="18" charset="0"/>
-                <a:cs typeface="Times New Roman" pitchFamily="18" charset="0"/>
-              </a:rPr>
-              <a:t>Cavalry</a:t>
-            </a:r>
-            <a:r>
-              <a:rPr lang="ru-RU" sz="1400" dirty="0">
-                <a:latin typeface="Times New Roman" pitchFamily="18" charset="0"/>
-                <a:cs typeface="Times New Roman" pitchFamily="18" charset="0"/>
-              </a:rPr>
-              <a:t>, </a:t>
-            </a:r>
-            <a:r>
-              <a:rPr lang="ru-RU" sz="1400" b="1" dirty="0" err="1">
-                <a:latin typeface="Times New Roman" pitchFamily="18" charset="0"/>
-                <a:cs typeface="Times New Roman" pitchFamily="18" charset="0"/>
-              </a:rPr>
-              <a:t>Archer</a:t>
-            </a:r>
-            <a:r>
-              <a:rPr lang="ru-RU" sz="1400" dirty="0">
-                <a:latin typeface="Times New Roman" pitchFamily="18" charset="0"/>
-                <a:cs typeface="Times New Roman" pitchFamily="18" charset="0"/>
-              </a:rPr>
-              <a:t>, </a:t>
-            </a:r>
-            <a:r>
-              <a:rPr lang="ru-RU" sz="1400" b="1" dirty="0" err="1">
-                <a:latin typeface="Times New Roman" pitchFamily="18" charset="0"/>
-                <a:cs typeface="Times New Roman" pitchFamily="18" charset="0"/>
-              </a:rPr>
-              <a:t>Crossbowman</a:t>
-            </a:r>
-            <a:r>
-              <a:rPr lang="ru-RU" sz="1400" dirty="0">
-                <a:latin typeface="Times New Roman" pitchFamily="18" charset="0"/>
-                <a:cs typeface="Times New Roman" pitchFamily="18" charset="0"/>
-              </a:rPr>
-              <a:t>): Представляют юнитов и их поведение, характеристики, действия</a:t>
-            </a:r>
-            <a:r>
-              <a:rPr lang="ru-RU" sz="1400" dirty="0" smtClean="0">
-                <a:latin typeface="Times New Roman" pitchFamily="18" charset="0"/>
-                <a:cs typeface="Times New Roman" pitchFamily="18" charset="0"/>
-              </a:rPr>
-              <a:t>.</a:t>
-            </a:r>
-            <a:endParaRPr lang="ru-RU" sz="1400" dirty="0">
-              <a:latin typeface="Times New Roman" pitchFamily="18" charset="0"/>
-              <a:cs typeface="Times New Roman" pitchFamily="18" charset="0"/>
-            </a:endParaRPr>
-          </a:p>
-          <a:p>
-            <a:pPr marL="285750" indent="-285750">
-              <a:buFont typeface="Arial" pitchFamily="34" charset="0"/>
-              <a:buChar char="•"/>
-            </a:pPr>
-            <a:r>
-              <a:rPr lang="ru-RU" sz="1400" b="1" dirty="0" err="1" smtClean="0">
-                <a:latin typeface="Times New Roman" pitchFamily="18" charset="0"/>
-                <a:cs typeface="Times New Roman" pitchFamily="18" charset="0"/>
-              </a:rPr>
-              <a:t>Terrain</a:t>
-            </a:r>
-            <a:r>
-              <a:rPr lang="ru-RU" sz="1400" dirty="0" smtClean="0">
-                <a:latin typeface="Times New Roman" pitchFamily="18" charset="0"/>
-                <a:cs typeface="Times New Roman" pitchFamily="18" charset="0"/>
-              </a:rPr>
-              <a:t> </a:t>
-            </a:r>
-            <a:r>
-              <a:rPr lang="ru-RU" sz="1400" dirty="0">
-                <a:latin typeface="Times New Roman" pitchFamily="18" charset="0"/>
-                <a:cs typeface="Times New Roman" pitchFamily="18" charset="0"/>
-              </a:rPr>
-              <a:t>и наследники (</a:t>
-            </a:r>
-            <a:r>
-              <a:rPr lang="ru-RU" sz="1400" b="1" dirty="0" err="1">
-                <a:latin typeface="Times New Roman" pitchFamily="18" charset="0"/>
-                <a:cs typeface="Times New Roman" pitchFamily="18" charset="0"/>
-              </a:rPr>
-              <a:t>SandTerrain</a:t>
-            </a:r>
-            <a:r>
-              <a:rPr lang="ru-RU" sz="1400" dirty="0">
-                <a:latin typeface="Times New Roman" pitchFamily="18" charset="0"/>
-                <a:cs typeface="Times New Roman" pitchFamily="18" charset="0"/>
-              </a:rPr>
-              <a:t>, </a:t>
-            </a:r>
-            <a:r>
-              <a:rPr lang="ru-RU" sz="1400" b="1" dirty="0" err="1">
-                <a:latin typeface="Times New Roman" pitchFamily="18" charset="0"/>
-                <a:cs typeface="Times New Roman" pitchFamily="18" charset="0"/>
-              </a:rPr>
-              <a:t>MountainTerrain</a:t>
-            </a:r>
-            <a:r>
-              <a:rPr lang="ru-RU" sz="1400" dirty="0">
-                <a:latin typeface="Times New Roman" pitchFamily="18" charset="0"/>
-                <a:cs typeface="Times New Roman" pitchFamily="18" charset="0"/>
-              </a:rPr>
-              <a:t>, </a:t>
-            </a:r>
-            <a:r>
-              <a:rPr lang="ru-RU" sz="1400" b="1" dirty="0" err="1">
-                <a:latin typeface="Times New Roman" pitchFamily="18" charset="0"/>
-                <a:cs typeface="Times New Roman" pitchFamily="18" charset="0"/>
-              </a:rPr>
-              <a:t>GrassTerrain</a:t>
-            </a:r>
-            <a:r>
-              <a:rPr lang="ru-RU" sz="1400" dirty="0">
-                <a:latin typeface="Times New Roman" pitchFamily="18" charset="0"/>
-                <a:cs typeface="Times New Roman" pitchFamily="18" charset="0"/>
-              </a:rPr>
-              <a:t>): Определяют типы местности, их свойства и влияние на игру</a:t>
-            </a:r>
-            <a:r>
-              <a:rPr lang="ru-RU" sz="1400" dirty="0" smtClean="0">
-                <a:latin typeface="Times New Roman" pitchFamily="18" charset="0"/>
-                <a:cs typeface="Times New Roman" pitchFamily="18" charset="0"/>
-              </a:rPr>
-              <a:t>.</a:t>
-            </a:r>
-            <a:endParaRPr lang="ru-RU" sz="1400" dirty="0">
-              <a:latin typeface="Times New Roman" pitchFamily="18" charset="0"/>
-              <a:cs typeface="Times New Roman" pitchFamily="18" charset="0"/>
-            </a:endParaRPr>
+              <a:rPr lang="ru-RU" sz="1200" b="1" dirty="0" err="1"/>
+              <a:t>arena_chat_handlers</a:t>
+            </a:r>
+            <a:r>
+              <a:rPr lang="ru-RU" sz="1200" dirty="0"/>
+              <a:t>). Активно используют FSM (</a:t>
+            </a:r>
+            <a:r>
+              <a:rPr lang="ru-RU" sz="1200" b="1" dirty="0"/>
+              <a:t>states.py</a:t>
+            </a:r>
+            <a:r>
+              <a:rPr lang="ru-RU" sz="1200" dirty="0"/>
+              <a:t>).</a:t>
+            </a:r>
+          </a:p>
+          <a:p>
+            <a:pPr lvl="1"/>
+            <a:r>
+              <a:rPr lang="ru-RU" sz="1200" i="1" dirty="0" err="1"/>
+              <a:t>ai</a:t>
+            </a:r>
+            <a:r>
+              <a:rPr lang="ru-RU" sz="1200" i="1" dirty="0"/>
+              <a:t>/: </a:t>
+            </a:r>
+            <a:r>
+              <a:rPr lang="ru-RU" sz="1200" dirty="0"/>
+              <a:t>Модули с классами-реализациями для каждой AI-модели/провайдера (инкапсуляция логики API).</a:t>
+            </a:r>
+          </a:p>
+          <a:p>
+            <a:pPr lvl="1"/>
+            <a:r>
+              <a:rPr lang="ru-RU" sz="1200" i="1" dirty="0" err="1"/>
+              <a:t>keyboards</a:t>
+            </a:r>
+            <a:r>
+              <a:rPr lang="ru-RU" sz="1200" dirty="0"/>
+              <a:t>/: Функции для генерации </a:t>
+            </a:r>
+            <a:r>
+              <a:rPr lang="ru-RU" sz="1200" dirty="0" err="1"/>
+              <a:t>inline</a:t>
+            </a:r>
+            <a:r>
+              <a:rPr lang="ru-RU" sz="1200" dirty="0"/>
+              <a:t> и </a:t>
+            </a:r>
+            <a:r>
+              <a:rPr lang="ru-RU" sz="1200" dirty="0" err="1"/>
+              <a:t>reply</a:t>
+            </a:r>
+            <a:r>
+              <a:rPr lang="ru-RU" sz="1200" dirty="0"/>
+              <a:t> клавиатур.</a:t>
+            </a:r>
+          </a:p>
+          <a:p>
+            <a:pPr lvl="1"/>
+            <a:r>
+              <a:rPr lang="ru-RU" sz="1200" i="1" dirty="0" err="1"/>
+              <a:t>utils</a:t>
+            </a:r>
+            <a:r>
+              <a:rPr lang="ru-RU" sz="1200" dirty="0"/>
+              <a:t>/: Вспомогательные функции (</a:t>
+            </a:r>
+            <a:r>
+              <a:rPr lang="ru-RU" sz="1200" dirty="0" err="1"/>
+              <a:t>транскрибация</a:t>
+            </a:r>
+            <a:r>
+              <a:rPr lang="ru-RU" sz="1200" dirty="0"/>
+              <a:t>, разделение текста, обработка ответов).</a:t>
+            </a:r>
+          </a:p>
+          <a:p>
+            <a:r>
+              <a:rPr lang="ru-RU" sz="1400" b="1" dirty="0"/>
+              <a:t>Основные концепции:</a:t>
+            </a:r>
+            <a:endParaRPr lang="ru-RU" sz="1400" dirty="0"/>
+          </a:p>
+          <a:p>
+            <a:pPr lvl="1"/>
+            <a:r>
+              <a:rPr lang="ru-RU" sz="1200" dirty="0"/>
+              <a:t>Асинхронная обработка запросов.</a:t>
+            </a:r>
+          </a:p>
+          <a:p>
+            <a:pPr lvl="1"/>
+            <a:r>
+              <a:rPr lang="ru-RU" sz="1200" dirty="0"/>
+              <a:t>Управление диалогом через машину состояний (FSM).</a:t>
+            </a:r>
+          </a:p>
+          <a:p>
+            <a:pPr lvl="1"/>
+            <a:r>
+              <a:rPr lang="ru-RU" sz="1200" dirty="0"/>
+              <a:t>Динамическая регистрация и выбор AI-моделей через реестр.</a:t>
+            </a:r>
           </a:p>
         </p:txBody>
       </p:sp>
       <p:pic>
         <p:nvPicPr>
-          <p:cNvPr id="2050" name="Picture 2"/>
+          <p:cNvPr id="1027" name="Picture 3"/>
           <p:cNvPicPr>
             <a:picLocks noGrp="1" noChangeAspect="1" noChangeArrowheads="1"/>
           </p:cNvPicPr>
@@ -21050,13 +20465,13 @@
               </a:ext>
             </a:extLst>
           </a:blip>
-          <a:srcRect l="-407" t="-817" r="4236" b="-392"/>
+          <a:srcRect t="-5014" b="-4099"/>
           <a:stretch/>
         </p:blipFill>
         <p:spPr bwMode="auto">
           <a:xfrm>
-            <a:off x="7312076" y="0"/>
-            <a:ext cx="3526253" cy="6373907"/>
+            <a:off x="8187853" y="120770"/>
+            <a:ext cx="2859557" cy="6418053"/>
           </a:xfrm>
           <a:prstGeom prst="rect">
             <a:avLst/>
@@ -21143,7 +20558,7 @@
           <a:p>
             <a:r>
               <a:rPr lang="ru-RU" dirty="0" smtClean="0"/>
-              <a:t>Заключение</a:t>
+              <a:t>Итоги и перспективы</a:t>
             </a:r>
             <a:endParaRPr lang="ru-RU" dirty="0"/>
           </a:p>
@@ -21161,208 +20576,170 @@
         </p:nvSpPr>
         <p:spPr>
           <a:xfrm>
-            <a:off x="699246" y="1667435"/>
-            <a:ext cx="10986247" cy="4518212"/>
+            <a:off x="699246" y="1667434"/>
+            <a:ext cx="10986247" cy="4698859"/>
           </a:xfrm>
         </p:spPr>
         <p:txBody>
           <a:bodyPr>
-            <a:normAutofit fontScale="85000" lnSpcReduction="20000"/>
+            <a:noAutofit/>
           </a:bodyPr>
           <a:lstStyle/>
           <a:p>
-            <a:pPr marL="0" indent="0">
-              <a:buNone/>
-            </a:pPr>
-            <a:r>
-              <a:rPr lang="ru-RU" b="1" dirty="0" smtClean="0"/>
+            <a:r>
+              <a:rPr lang="ru-RU" sz="1600" b="1" dirty="0"/>
               <a:t>Итог:</a:t>
             </a:r>
-            <a:endParaRPr lang="ru-RU" dirty="0"/>
+            <a:r>
+              <a:rPr lang="ru-RU" sz="1600" dirty="0"/>
+              <a:t> Разработан многофункциональный </a:t>
+            </a:r>
+            <a:r>
+              <a:rPr lang="ru-RU" sz="1600" dirty="0" err="1"/>
+              <a:t>Telegram</a:t>
+            </a:r>
+            <a:r>
+              <a:rPr lang="ru-RU" sz="1600" dirty="0"/>
+              <a:t>-бот, предоставляющий удобный доступ к широкому спектру современных AI-моделей через единый интерфейс. Реализованы режимы прямого взаимодействия и сравнения моделей ("Арена"), поддержка текстовых, голосовых и графических запросов.</a:t>
+            </a:r>
+          </a:p>
+          <a:p>
+            <a:r>
+              <a:rPr lang="ru-RU" sz="1600" b="1" dirty="0"/>
+              <a:t>Ключевые достижения:</a:t>
+            </a:r>
+            <a:endParaRPr lang="ru-RU" sz="1600" dirty="0"/>
           </a:p>
           <a:p>
             <a:pPr lvl="1"/>
             <a:r>
-              <a:rPr lang="ru-RU" dirty="0" smtClean="0"/>
-              <a:t>Представлена пошаговая стратегическая игра </a:t>
-            </a:r>
-            <a:r>
-              <a:rPr lang="ru-RU" dirty="0"/>
-              <a:t>на гексагональной карте, с тактическими боями, строительством городов и управлением ресурсами.</a:t>
+              <a:rPr lang="ru-RU" sz="1400" dirty="0"/>
+              <a:t>Успешная интеграция с различными </a:t>
+            </a:r>
+            <a:r>
+              <a:rPr lang="ru-RU" sz="1400" dirty="0" smtClean="0"/>
+              <a:t>API </a:t>
+            </a:r>
+            <a:r>
+              <a:rPr lang="ru-RU" sz="1400" dirty="0"/>
+              <a:t>(</a:t>
+            </a:r>
+            <a:r>
+              <a:rPr lang="ru-RU" sz="1400" dirty="0" err="1"/>
+              <a:t>Gemini</a:t>
+            </a:r>
+            <a:r>
+              <a:rPr lang="ru-RU" sz="1400" dirty="0"/>
+              <a:t>, </a:t>
+            </a:r>
+            <a:r>
+              <a:rPr lang="ru-RU" sz="1400" dirty="0" err="1"/>
+              <a:t>Groq</a:t>
+            </a:r>
+            <a:r>
+              <a:rPr lang="ru-RU" sz="1400" dirty="0"/>
+              <a:t>, </a:t>
+            </a:r>
+            <a:r>
+              <a:rPr lang="ru-RU" sz="1400" dirty="0" err="1"/>
+              <a:t>Gradio</a:t>
+            </a:r>
+            <a:r>
+              <a:rPr lang="ru-RU" sz="1400" dirty="0"/>
+              <a:t>).</a:t>
             </a:r>
           </a:p>
           <a:p>
             <a:pPr lvl="1"/>
             <a:r>
-              <a:rPr lang="ru-RU" dirty="0"/>
-              <a:t>Игра разработана на языке </a:t>
-            </a:r>
-            <a:r>
-              <a:rPr lang="ru-RU" dirty="0" err="1"/>
-              <a:t>Python</a:t>
-            </a:r>
-            <a:r>
-              <a:rPr lang="ru-RU" dirty="0"/>
-              <a:t> с использованием библиотек </a:t>
-            </a:r>
-            <a:r>
-              <a:rPr lang="ru-RU" dirty="0" err="1"/>
-              <a:t>Pygame-ce</a:t>
-            </a:r>
-            <a:r>
-              <a:rPr lang="ru-RU" dirty="0"/>
-              <a:t> и </a:t>
-            </a:r>
-            <a:r>
-              <a:rPr lang="ru-RU" dirty="0" err="1"/>
-              <a:t>Pygame</a:t>
-            </a:r>
-            <a:r>
-              <a:rPr lang="ru-RU" dirty="0"/>
-              <a:t>-GUI.</a:t>
+              <a:rPr lang="ru-RU" sz="1400" dirty="0" smtClean="0"/>
+              <a:t>Реализация системы </a:t>
+            </a:r>
+            <a:r>
+              <a:rPr lang="ru-RU" sz="1400" dirty="0"/>
+              <a:t>выбора и сравнения моделей.</a:t>
             </a:r>
           </a:p>
           <a:p>
             <a:pPr lvl="1"/>
             <a:r>
-              <a:rPr lang="ru-RU" dirty="0"/>
-              <a:t>Реализованы такие механики, как: разнообразные юниты, прокачка городов, система ходов и кругов, туман войны, алгоритм поиска пути A*, сохранение и загрузка.</a:t>
-            </a:r>
-          </a:p>
-          <a:p>
-            <a:pPr marL="0" indent="0">
-              <a:buNone/>
-            </a:pPr>
-            <a:r>
-              <a:rPr lang="ru-RU" b="1" dirty="0" smtClean="0"/>
-              <a:t>Можно </a:t>
-            </a:r>
-            <a:r>
-              <a:rPr lang="ru-RU" b="1" dirty="0"/>
-              <a:t>реализовать дальше:</a:t>
-            </a:r>
-            <a:endParaRPr lang="ru-RU" dirty="0"/>
+              <a:rPr lang="ru-RU" sz="1400" dirty="0"/>
+              <a:t>Создание интуитивно понятного пользовательского интерфейса в </a:t>
+            </a:r>
+            <a:r>
+              <a:rPr lang="ru-RU" sz="1400" dirty="0" err="1"/>
+              <a:t>Telegram</a:t>
+            </a:r>
+            <a:r>
+              <a:rPr lang="ru-RU" sz="1400" dirty="0"/>
+              <a:t>.</a:t>
+            </a:r>
           </a:p>
           <a:p>
             <a:pPr lvl="1"/>
             <a:r>
-              <a:rPr lang="ru-RU" dirty="0"/>
-              <a:t>Добавить </a:t>
-            </a:r>
-            <a:r>
-              <a:rPr lang="ru-RU" b="1" dirty="0"/>
-              <a:t>события, связанные с нехваткой ресурсов</a:t>
-            </a:r>
-            <a:r>
-              <a:rPr lang="ru-RU" dirty="0"/>
-              <a:t> (голод, кризисы).</a:t>
-            </a:r>
+              <a:rPr lang="ru-RU" sz="1400" dirty="0"/>
+              <a:t>Построение расширяемой архитектуры на </a:t>
+            </a:r>
+            <a:r>
+              <a:rPr lang="ru-RU" sz="1400" dirty="0" err="1"/>
+              <a:t>aiogram</a:t>
+            </a:r>
+            <a:r>
+              <a:rPr lang="ru-RU" sz="1400" dirty="0"/>
+              <a:t>.</a:t>
+            </a:r>
+          </a:p>
+          <a:p>
+            <a:r>
+              <a:rPr lang="ru-RU" sz="1600" b="1" dirty="0"/>
+              <a:t>Возможное дальнейшее развитие:</a:t>
+            </a:r>
+            <a:endParaRPr lang="ru-RU" sz="1600" dirty="0"/>
           </a:p>
           <a:p>
             <a:pPr lvl="1"/>
             <a:r>
-              <a:rPr lang="ru-RU" dirty="0" smtClean="0"/>
-              <a:t>Добавить </a:t>
-            </a:r>
-            <a:r>
-              <a:rPr lang="ru-RU" dirty="0"/>
-              <a:t>больше </a:t>
-            </a:r>
-            <a:r>
-              <a:rPr lang="ru-RU" b="1" dirty="0"/>
-              <a:t>уникальных юнитов</a:t>
-            </a:r>
-            <a:r>
-              <a:rPr lang="ru-RU" dirty="0"/>
-              <a:t> (медики, стройбаты для починки </a:t>
-            </a:r>
-            <a:r>
-              <a:rPr lang="ru-RU" dirty="0" err="1"/>
-              <a:t>тайловых</a:t>
-            </a:r>
-            <a:r>
-              <a:rPr lang="ru-RU" dirty="0"/>
-              <a:t> построек).</a:t>
+              <a:rPr lang="ru-RU" sz="1400" dirty="0"/>
+              <a:t>Добавление поддержки новых AI-моделей и провайдеров.</a:t>
             </a:r>
           </a:p>
           <a:p>
             <a:pPr lvl="1"/>
             <a:r>
-              <a:rPr lang="ru-RU" dirty="0"/>
-              <a:t>Реализовать </a:t>
-            </a:r>
-            <a:r>
-              <a:rPr lang="ru-RU" b="1" dirty="0"/>
-              <a:t>повреждение построек в городах и их починку</a:t>
-            </a:r>
-            <a:r>
-              <a:rPr lang="ru-RU" dirty="0"/>
-              <a:t>.</a:t>
+              <a:rPr lang="ru-RU" sz="1400" dirty="0" smtClean="0"/>
+              <a:t>Реализация </a:t>
+            </a:r>
+            <a:r>
+              <a:rPr lang="ru-RU" sz="1400" dirty="0"/>
+              <a:t>истории запросов для пользователей.</a:t>
             </a:r>
           </a:p>
           <a:p>
             <a:pPr lvl="1"/>
             <a:r>
-              <a:rPr lang="ru-RU" b="1" dirty="0" err="1"/>
-              <a:t>Перебалансировать</a:t>
-            </a:r>
-            <a:r>
-              <a:rPr lang="ru-RU" b="1" dirty="0"/>
-              <a:t> игру</a:t>
-            </a:r>
-            <a:r>
-              <a:rPr lang="ru-RU" dirty="0"/>
-              <a:t>.</a:t>
+              <a:rPr lang="ru-RU" sz="1400" dirty="0"/>
+              <a:t>Добавление пользовательских профилей и настроек (например, сохранение предпочитаемой модели).</a:t>
             </a:r>
           </a:p>
           <a:p>
             <a:pPr lvl="1"/>
             <a:r>
-              <a:rPr lang="ru-RU" dirty="0"/>
-              <a:t>Добавить </a:t>
-            </a:r>
-            <a:r>
-              <a:rPr lang="ru-RU" b="1" dirty="0"/>
-              <a:t>ресурсы на клетку и механики, связанные с ними</a:t>
-            </a:r>
-            <a:r>
-              <a:rPr lang="ru-RU" dirty="0"/>
-              <a:t> (создание добытчиков на </a:t>
-            </a:r>
-            <a:r>
-              <a:rPr lang="ru-RU" dirty="0" err="1"/>
-              <a:t>тайлах</a:t>
-            </a:r>
-            <a:r>
-              <a:rPr lang="ru-RU" dirty="0"/>
-              <a:t>).</a:t>
+              <a:rPr lang="ru-RU" sz="1400" dirty="0"/>
+              <a:t>Оптимизация производительности и обработки ошибок.</a:t>
             </a:r>
           </a:p>
           <a:p>
             <a:pPr lvl="1"/>
             <a:r>
-              <a:rPr lang="ru-RU" dirty="0"/>
-              <a:t>Добавить </a:t>
-            </a:r>
-            <a:r>
-              <a:rPr lang="ru-RU" b="1" dirty="0"/>
-              <a:t>технологии</a:t>
-            </a:r>
-            <a:r>
-              <a:rPr lang="ru-RU" dirty="0"/>
-              <a:t>, увеличивающие параметры </a:t>
-            </a:r>
-            <a:r>
-              <a:rPr lang="ru-RU" dirty="0" smtClean="0"/>
-              <a:t>существующих и </a:t>
-            </a:r>
-            <a:r>
-              <a:rPr lang="ru-RU" dirty="0"/>
-              <a:t>дающие доступ к новым постройкам, юнитам.</a:t>
-            </a:r>
-          </a:p>
-          <a:p>
-            <a:endParaRPr lang="ru-RU" dirty="0"/>
+              <a:rPr lang="ru-RU" sz="1400" dirty="0"/>
+              <a:t>Возможное добавление платных </a:t>
+            </a:r>
+            <a:r>
+              <a:rPr lang="ru-RU" sz="1400" dirty="0" smtClean="0"/>
+              <a:t>функций</a:t>
+            </a:r>
+            <a:endParaRPr lang="ru-RU" sz="1400" dirty="0"/>
           </a:p>
         </p:txBody>
       </p:sp>
@@ -21624,7 +21001,7 @@
   <a:extraClrSchemeLst/>
   <a:extLst>
     <a:ext uri="{05A4C25C-085E-4340-85A3-A5531E510DB2}">
-      <thm15:themeFamily xmlns="" xmlns:thm15="http://schemas.microsoft.com/office/thememl/2012/main" name="Circuit" id="{0AC2F7E7-15F5-431C-B2A2-456FE929F56C}" vid="{0911B802-464C-4241-8DD9-B60FF88E379F}"/>
+      <thm15:themeFamily xmlns:thm15="http://schemas.microsoft.com/office/thememl/2012/main" xmlns="" name="Circuit" id="{0AC2F7E7-15F5-431C-B2A2-456FE929F56C}" vid="{0911B802-464C-4241-8DD9-B60FF88E379F}"/>
     </a:ext>
   </a:extLst>
 </a:theme>
@@ -21919,7 +21296,7 @@
   <a:extraClrSchemeLst/>
   <a:extLst>
     <a:ext uri="{05A4C25C-085E-4340-85A3-A5531E510DB2}">
-      <thm15:themeFamily xmlns="" xmlns:thm15="http://schemas.microsoft.com/office/thememl/2012/main" name="Office Theme" id="{62F939B6-93AF-4DB8-9C6B-D6C7DFDC589F}" vid="{4A3C46E8-61CC-4603-A589-7422A47A8E4A}"/>
+      <thm15:themeFamily xmlns:thm15="http://schemas.microsoft.com/office/thememl/2012/main" xmlns="" name="Office Theme" id="{62F939B6-93AF-4DB8-9C6B-D6C7DFDC589F}" vid="{4A3C46E8-61CC-4603-A589-7422A47A8E4A}"/>
     </a:ext>
   </a:extLst>
 </a:theme>
@@ -22214,7 +21591,7 @@
   <a:extraClrSchemeLst/>
   <a:extLst>
     <a:ext uri="{05A4C25C-085E-4340-85A3-A5531E510DB2}">
-      <thm15:themeFamily xmlns="" xmlns:thm15="http://schemas.microsoft.com/office/thememl/2012/main" name="Office Theme" id="{62F939B6-93AF-4DB8-9C6B-D6C7DFDC589F}" vid="{4A3C46E8-61CC-4603-A589-7422A47A8E4A}"/>
+      <thm15:themeFamily xmlns:thm15="http://schemas.microsoft.com/office/thememl/2012/main" xmlns="" name="Office Theme" id="{62F939B6-93AF-4DB8-9C6B-D6C7DFDC589F}" vid="{4A3C46E8-61CC-4603-A589-7422A47A8E4A}"/>
     </a:ext>
   </a:extLst>
 </a:theme>
